--- a/lectures/lecture-11/Lecture_11_Spark.pptx
+++ b/lectures/lecture-11/Lecture_11_Spark.pptx
@@ -5,7 +5,7 @@
     <p:sldMasterId id="2147483660" r:id="rId1"/>
   </p:sldMasterIdLst>
   <p:notesMasterIdLst>
-    <p:notesMasterId r:id="rId33"/>
+    <p:notesMasterId r:id="rId45"/>
   </p:notesMasterIdLst>
   <p:sldIdLst>
     <p:sldId id="257" r:id="rId2"/>
@@ -39,6 +39,18 @@
     <p:sldId id="558" r:id="rId30"/>
     <p:sldId id="559" r:id="rId31"/>
     <p:sldId id="561" r:id="rId32"/>
+    <p:sldId id="562" r:id="rId33"/>
+    <p:sldId id="563" r:id="rId34"/>
+    <p:sldId id="564" r:id="rId35"/>
+    <p:sldId id="565" r:id="rId36"/>
+    <p:sldId id="566" r:id="rId37"/>
+    <p:sldId id="567" r:id="rId38"/>
+    <p:sldId id="569" r:id="rId39"/>
+    <p:sldId id="570" r:id="rId40"/>
+    <p:sldId id="571" r:id="rId41"/>
+    <p:sldId id="572" r:id="rId42"/>
+    <p:sldId id="573" r:id="rId43"/>
+    <p:sldId id="574" r:id="rId44"/>
   </p:sldIdLst>
   <p:sldSz cx="12192000" cy="6858000"/>
   <p:notesSz cx="6858000" cy="9144000"/>
@@ -173,6 +185,18 @@
             <p14:sldId id="558"/>
             <p14:sldId id="559"/>
             <p14:sldId id="561"/>
+            <p14:sldId id="562"/>
+            <p14:sldId id="563"/>
+            <p14:sldId id="564"/>
+            <p14:sldId id="565"/>
+            <p14:sldId id="566"/>
+            <p14:sldId id="567"/>
+            <p14:sldId id="569"/>
+            <p14:sldId id="570"/>
+            <p14:sldId id="571"/>
+            <p14:sldId id="572"/>
+            <p14:sldId id="573"/>
+            <p14:sldId id="574"/>
           </p14:sldIdLst>
         </p14:section>
       </p14:sectionLst>
@@ -277,7 +301,7 @@
           <a:p>
             <a:fld id="{ADB8A9A7-2F8A-8542-A5B3-1DCBE9DCB46D}" type="datetimeFigureOut">
               <a:rPr lang="en-US" smtClean="0"/>
-              <a:t>2/27/19</a:t>
+              <a:t>3/6/19</a:t>
             </a:fld>
             <a:endParaRPr lang="en-US"/>
           </a:p>
@@ -2135,7 +2159,7 @@
           <a:p>
             <a:fld id="{C7F75508-BB0A-464D-ADEF-3A0075ABE227}" type="datetime1">
               <a:rPr lang="en-US" smtClean="0"/>
-              <a:t>2/27/19</a:t>
+              <a:t>3/6/19</a:t>
             </a:fld>
             <a:endParaRPr lang="en-US"/>
           </a:p>
@@ -2298,7 +2322,7 @@
           <a:p>
             <a:fld id="{C16159A3-DF54-4C46-A244-9A1C3258A5D5}" type="datetime1">
               <a:rPr lang="en-US" smtClean="0"/>
-              <a:t>2/27/19</a:t>
+              <a:t>3/6/19</a:t>
             </a:fld>
             <a:endParaRPr lang="en-US"/>
           </a:p>
@@ -2471,7 +2495,7 @@
           <a:p>
             <a:fld id="{B3E23A13-4A4C-C245-A282-B82029FF14A9}" type="datetime1">
               <a:rPr lang="en-US" smtClean="0"/>
-              <a:t>2/27/19</a:t>
+              <a:t>3/6/19</a:t>
             </a:fld>
             <a:endParaRPr lang="en-US"/>
           </a:p>
@@ -2634,7 +2658,7 @@
           <a:p>
             <a:fld id="{F1FDBABF-E9B9-0B48-88BB-0E26979FE3C3}" type="datetime1">
               <a:rPr lang="en-US" smtClean="0"/>
-              <a:t>2/27/19</a:t>
+              <a:t>3/6/19</a:t>
             </a:fld>
             <a:endParaRPr lang="en-US"/>
           </a:p>
@@ -2874,7 +2898,7 @@
           <a:p>
             <a:fld id="{670FF0DC-4CC6-E74B-ADE9-A3A724E54A70}" type="datetime1">
               <a:rPr lang="en-US" smtClean="0"/>
-              <a:t>2/27/19</a:t>
+              <a:t>3/6/19</a:t>
             </a:fld>
             <a:endParaRPr lang="en-US"/>
           </a:p>
@@ -3098,7 +3122,7 @@
           <a:p>
             <a:fld id="{096CA4E7-51A4-4043-B144-32E78EB53B2F}" type="datetime1">
               <a:rPr lang="en-US" smtClean="0"/>
-              <a:t>2/27/19</a:t>
+              <a:t>3/6/19</a:t>
             </a:fld>
             <a:endParaRPr lang="en-US"/>
           </a:p>
@@ -3457,7 +3481,7 @@
           <a:p>
             <a:fld id="{BEA253EF-D8E3-0440-8139-36EEB92428E3}" type="datetime1">
               <a:rPr lang="en-US" smtClean="0"/>
-              <a:t>2/27/19</a:t>
+              <a:t>3/6/19</a:t>
             </a:fld>
             <a:endParaRPr lang="en-US"/>
           </a:p>
@@ -3569,7 +3593,7 @@
           <a:p>
             <a:fld id="{13FA77A2-9965-7C42-98E1-8D5C145B4EDB}" type="datetime1">
               <a:rPr lang="en-US" smtClean="0"/>
-              <a:t>2/27/19</a:t>
+              <a:t>3/6/19</a:t>
             </a:fld>
             <a:endParaRPr lang="en-US"/>
           </a:p>
@@ -3659,7 +3683,7 @@
           <a:p>
             <a:fld id="{6A307D39-643B-3A4B-8B1B-C9B22069A6E3}" type="datetime1">
               <a:rPr lang="en-US" smtClean="0"/>
-              <a:t>2/27/19</a:t>
+              <a:t>3/6/19</a:t>
             </a:fld>
             <a:endParaRPr lang="en-US"/>
           </a:p>
@@ -3929,7 +3953,7 @@
           <a:p>
             <a:fld id="{B2591225-698E-4144-BE2D-C0FAD87E1DE5}" type="datetime1">
               <a:rPr lang="en-US" smtClean="0"/>
-              <a:t>2/27/19</a:t>
+              <a:t>3/6/19</a:t>
             </a:fld>
             <a:endParaRPr lang="en-US"/>
           </a:p>
@@ -4176,7 +4200,7 @@
           <a:p>
             <a:fld id="{8092CE43-A1E8-1340-A845-87D6176A44FB}" type="datetime1">
               <a:rPr lang="en-US" smtClean="0"/>
-              <a:t>2/27/19</a:t>
+              <a:t>3/6/19</a:t>
             </a:fld>
             <a:endParaRPr lang="en-US"/>
           </a:p>
@@ -4382,7 +4406,7 @@
           <a:p>
             <a:fld id="{32E80DAD-0F0E-1C48-9551-E0290ADDD356}" type="datetime1">
               <a:rPr lang="en-US" smtClean="0"/>
-              <a:t>2/27/19</a:t>
+              <a:t>3/6/19</a:t>
             </a:fld>
             <a:endParaRPr lang="en-US"/>
           </a:p>
@@ -9698,15 +9722,7 @@
                   <a:schemeClr val="tx1"/>
                 </a:solidFill>
               </a:rPr>
-              <a:t> function to comput</a:t>
-            </a:r>
-            <a:r>
-              <a:rPr lang="en-US" sz="2400" dirty="0" smtClean="0">
-                <a:solidFill>
-                  <a:schemeClr val="tx1"/>
-                </a:solidFill>
-              </a:rPr>
-              <a:t>e partition of the RDD given the parent partitions from the Dependencies</a:t>
+              <a:t> function to compute partition of the RDD given the parent partitions from the Dependencies</a:t>
             </a:r>
           </a:p>
           <a:p>
@@ -11550,11 +11566,6 @@
               </a:rPr>
               <a:t> with job information</a:t>
             </a:r>
-            <a:endParaRPr lang="en-US" sz="2800" dirty="0" smtClean="0">
-              <a:solidFill>
-                <a:schemeClr val="tx1"/>
-              </a:solidFill>
-            </a:endParaRPr>
           </a:p>
           <a:p>
             <a:pPr marL="571500" indent="-571500">
@@ -12963,7 +12974,7 @@
 </p:sld>
 </file>
 
-<file path=ppt/slides/slide4.xml><?xml version="1.0" encoding="utf-8"?>
+<file path=ppt/slides/slide32.xml><?xml version="1.0" encoding="utf-8"?>
 <p:sld xmlns:a="http://schemas.openxmlformats.org/drawingml/2006/main" xmlns:r="http://schemas.openxmlformats.org/officeDocument/2006/relationships" xmlns:p="http://schemas.openxmlformats.org/presentationml/2006/main">
   <p:cSld>
     <p:spTree>
@@ -12980,173 +12991,6 @@
           <a:chExt cx="0" cy="0"/>
         </a:xfrm>
       </p:grpSpPr>
-      <p:sp>
-        <p:nvSpPr>
-          <p:cNvPr id="2" name="Title 1"/>
-          <p:cNvSpPr>
-            <a:spLocks noGrp="1"/>
-          </p:cNvSpPr>
-          <p:nvPr>
-            <p:ph type="title"/>
-          </p:nvPr>
-        </p:nvSpPr>
-        <p:spPr/>
-        <p:txBody>
-          <a:bodyPr/>
-          <a:lstStyle/>
-          <a:p>
-            <a:pPr marL="514350" indent="-514350">
-              <a:buFont typeface="+mj-lt"/>
-              <a:buAutoNum type="arabicPeriod"/>
-            </a:pPr>
-            <a:r>
-              <a:rPr lang="en-US" dirty="0"/>
-              <a:t> </a:t>
-            </a:r>
-            <a:r>
-              <a:rPr lang="en-US" dirty="0" smtClean="0"/>
-              <a:t>MapReduce Implementation</a:t>
-            </a:r>
-            <a:endParaRPr lang="en-US" dirty="0"/>
-          </a:p>
-        </p:txBody>
-      </p:sp>
-      <p:sp>
-        <p:nvSpPr>
-          <p:cNvPr id="4" name="Slide Number Placeholder 3"/>
-          <p:cNvSpPr>
-            <a:spLocks noGrp="1"/>
-          </p:cNvSpPr>
-          <p:nvPr>
-            <p:ph type="sldNum" sz="quarter" idx="12"/>
-          </p:nvPr>
-        </p:nvSpPr>
-        <p:spPr/>
-        <p:txBody>
-          <a:bodyPr/>
-          <a:lstStyle/>
-          <a:p>
-            <a:fld id="{40A01959-B587-3B45-A9B3-C17F42F09305}" type="slidenum">
-              <a:rPr lang="en-US" smtClean="0"/>
-              <a:t>4</a:t>
-            </a:fld>
-            <a:endParaRPr lang="en-US"/>
-          </a:p>
-        </p:txBody>
-      </p:sp>
-      <p:sp>
-        <p:nvSpPr>
-          <p:cNvPr id="6" name="Rectangle 5"/>
-          <p:cNvSpPr/>
-          <p:nvPr/>
-        </p:nvSpPr>
-        <p:spPr>
-          <a:xfrm>
-            <a:off x="0" y="0"/>
-            <a:ext cx="12192000" cy="262759"/>
-          </a:xfrm>
-          <a:prstGeom prst="rect">
-            <a:avLst/>
-          </a:prstGeom>
-          <a:solidFill>
-            <a:schemeClr val="bg2"/>
-          </a:solidFill>
-          <a:ln>
-            <a:noFill/>
-          </a:ln>
-        </p:spPr>
-        <p:style>
-          <a:lnRef idx="2">
-            <a:schemeClr val="accent1">
-              <a:shade val="50000"/>
-            </a:schemeClr>
-          </a:lnRef>
-          <a:fillRef idx="1">
-            <a:schemeClr val="accent1"/>
-          </a:fillRef>
-          <a:effectRef idx="0">
-            <a:schemeClr val="accent1"/>
-          </a:effectRef>
-          <a:fontRef idx="minor">
-            <a:schemeClr val="lt1"/>
-          </a:fontRef>
-        </p:style>
-        <p:txBody>
-          <a:bodyPr rtlCol="0" anchor="ctr"/>
-          <a:lstStyle/>
-          <a:p>
-            <a:pPr algn="r"/>
-            <a:endParaRPr lang="en-US" sz="1400" b="1" i="1" dirty="0">
-              <a:solidFill>
-                <a:schemeClr val="tx1">
-                  <a:lumMod val="65000"/>
-                  <a:lumOff val="35000"/>
-                </a:schemeClr>
-              </a:solidFill>
-              <a:latin typeface="+mj-lt"/>
-            </a:endParaRPr>
-          </a:p>
-        </p:txBody>
-      </p:sp>
-    </p:spTree>
-    <p:extLst>
-      <p:ext uri="{BB962C8B-B14F-4D97-AF65-F5344CB8AC3E}">
-        <p14:creationId xmlns:p14="http://schemas.microsoft.com/office/powerpoint/2010/main" val="1680195656"/>
-      </p:ext>
-    </p:extLst>
-  </p:cSld>
-  <p:clrMapOvr>
-    <a:masterClrMapping/>
-  </p:clrMapOvr>
-</p:sld>
-</file>
-
-<file path=ppt/slides/slide5.xml><?xml version="1.0" encoding="utf-8"?>
-<p:sld xmlns:a="http://schemas.openxmlformats.org/drawingml/2006/main" xmlns:r="http://schemas.openxmlformats.org/officeDocument/2006/relationships" xmlns:p="http://schemas.openxmlformats.org/presentationml/2006/main">
-  <p:cSld>
-    <p:spTree>
-      <p:nvGrpSpPr>
-        <p:cNvPr id="1" name=""/>
-        <p:cNvGrpSpPr/>
-        <p:nvPr/>
-      </p:nvGrpSpPr>
-      <p:grpSpPr>
-        <a:xfrm>
-          <a:off x="0" y="0"/>
-          <a:ext cx="0" cy="0"/>
-          <a:chOff x="0" y="0"/>
-          <a:chExt cx="0" cy="0"/>
-        </a:xfrm>
-      </p:grpSpPr>
-      <p:sp>
-        <p:nvSpPr>
-          <p:cNvPr id="2" name="Title 1"/>
-          <p:cNvSpPr>
-            <a:spLocks noGrp="1"/>
-          </p:cNvSpPr>
-          <p:nvPr>
-            <p:ph type="title"/>
-          </p:nvPr>
-        </p:nvSpPr>
-        <p:spPr>
-          <a:xfrm>
-            <a:off x="706816" y="-22510"/>
-            <a:ext cx="10515600" cy="1325563"/>
-          </a:xfrm>
-        </p:spPr>
-        <p:txBody>
-          <a:bodyPr>
-            <a:normAutofit/>
-          </a:bodyPr>
-          <a:lstStyle/>
-          <a:p>
-            <a:r>
-              <a:rPr lang="en-US" sz="3200" dirty="0"/>
-              <a:t>Recall: The Map Reduce Abstraction for Distributed Algorithms</a:t>
-            </a:r>
-          </a:p>
-        </p:txBody>
-      </p:sp>
       <p:grpSp>
         <p:nvGrpSpPr>
           <p:cNvPr id="10" name="Group 9"/>
@@ -13252,10 +13096,4983 @@
       </p:grpSp>
       <p:sp>
         <p:nvSpPr>
+          <p:cNvPr id="39" name="Title 1"/>
+          <p:cNvSpPr>
+            <a:spLocks noGrp="1"/>
+          </p:cNvSpPr>
+          <p:nvPr>
+            <p:ph type="title"/>
+          </p:nvPr>
+        </p:nvSpPr>
+        <p:spPr>
+          <a:xfrm>
+            <a:off x="706816" y="-22510"/>
+            <a:ext cx="10515600" cy="1325563"/>
+          </a:xfrm>
+        </p:spPr>
+        <p:txBody>
+          <a:bodyPr>
+            <a:normAutofit/>
+          </a:bodyPr>
+          <a:lstStyle/>
+          <a:p>
+            <a:r>
+              <a:rPr lang="en-US" sz="3600" dirty="0" smtClean="0"/>
+              <a:t>Typical NoSQL architecture</a:t>
+            </a:r>
+            <a:endParaRPr lang="en-US" sz="3600" dirty="0"/>
+          </a:p>
+        </p:txBody>
+      </p:sp>
+      <p:sp>
+        <p:nvSpPr>
+          <p:cNvPr id="40" name="Content Placeholder 2"/>
+          <p:cNvSpPr txBox="1">
+            <a:spLocks/>
+          </p:cNvSpPr>
+          <p:nvPr/>
+        </p:nvSpPr>
+        <p:spPr>
+          <a:xfrm>
+            <a:off x="838200" y="1825625"/>
+            <a:ext cx="10515600" cy="4351338"/>
+          </a:xfrm>
+          <a:prstGeom prst="rect">
+            <a:avLst/>
+          </a:prstGeom>
+        </p:spPr>
+        <p:txBody>
+          <a:bodyPr vert="horz" lIns="91440" tIns="45720" rIns="91440" bIns="45720" rtlCol="0">
+            <a:normAutofit/>
+          </a:bodyPr>
+          <a:lstStyle>
+            <a:lvl1pPr marL="0" indent="0" algn="l" defTabSz="914400" rtl="0" eaLnBrk="1" latinLnBrk="0" hangingPunct="1">
+              <a:lnSpc>
+                <a:spcPct val="90000"/>
+              </a:lnSpc>
+              <a:spcBef>
+                <a:spcPts val="1000"/>
+              </a:spcBef>
+              <a:buFont typeface="Arial"/>
+              <a:buNone/>
+              <a:defRPr sz="2400" kern="1200">
+                <a:solidFill>
+                  <a:schemeClr val="tx1">
+                    <a:tint val="75000"/>
+                  </a:schemeClr>
+                </a:solidFill>
+                <a:latin typeface="+mn-lt"/>
+                <a:ea typeface="+mn-ea"/>
+                <a:cs typeface="+mn-cs"/>
+              </a:defRPr>
+            </a:lvl1pPr>
+            <a:lvl2pPr marL="457200" indent="0" algn="l" defTabSz="914400" rtl="0" eaLnBrk="1" latinLnBrk="0" hangingPunct="1">
+              <a:lnSpc>
+                <a:spcPct val="90000"/>
+              </a:lnSpc>
+              <a:spcBef>
+                <a:spcPts val="500"/>
+              </a:spcBef>
+              <a:buFont typeface="Arial"/>
+              <a:buNone/>
+              <a:defRPr sz="2000" kern="1200">
+                <a:solidFill>
+                  <a:schemeClr val="tx1">
+                    <a:tint val="75000"/>
+                  </a:schemeClr>
+                </a:solidFill>
+                <a:latin typeface="+mn-lt"/>
+                <a:ea typeface="+mn-ea"/>
+                <a:cs typeface="+mn-cs"/>
+              </a:defRPr>
+            </a:lvl2pPr>
+            <a:lvl3pPr marL="914400" indent="0" algn="l" defTabSz="914400" rtl="0" eaLnBrk="1" latinLnBrk="0" hangingPunct="1">
+              <a:lnSpc>
+                <a:spcPct val="90000"/>
+              </a:lnSpc>
+              <a:spcBef>
+                <a:spcPts val="500"/>
+              </a:spcBef>
+              <a:buFont typeface="Arial"/>
+              <a:buNone/>
+              <a:defRPr sz="1800" kern="1200">
+                <a:solidFill>
+                  <a:schemeClr val="tx1">
+                    <a:tint val="75000"/>
+                  </a:schemeClr>
+                </a:solidFill>
+                <a:latin typeface="+mn-lt"/>
+                <a:ea typeface="+mn-ea"/>
+                <a:cs typeface="+mn-cs"/>
+              </a:defRPr>
+            </a:lvl3pPr>
+            <a:lvl4pPr marL="1371600" indent="0" algn="l" defTabSz="914400" rtl="0" eaLnBrk="1" latinLnBrk="0" hangingPunct="1">
+              <a:lnSpc>
+                <a:spcPct val="90000"/>
+              </a:lnSpc>
+              <a:spcBef>
+                <a:spcPts val="500"/>
+              </a:spcBef>
+              <a:buFont typeface="Arial"/>
+              <a:buNone/>
+              <a:defRPr sz="1600" kern="1200">
+                <a:solidFill>
+                  <a:schemeClr val="tx1">
+                    <a:tint val="75000"/>
+                  </a:schemeClr>
+                </a:solidFill>
+                <a:latin typeface="+mn-lt"/>
+                <a:ea typeface="+mn-ea"/>
+                <a:cs typeface="+mn-cs"/>
+              </a:defRPr>
+            </a:lvl4pPr>
+            <a:lvl5pPr marL="1828800" indent="0" algn="l" defTabSz="914400" rtl="0" eaLnBrk="1" latinLnBrk="0" hangingPunct="1">
+              <a:lnSpc>
+                <a:spcPct val="90000"/>
+              </a:lnSpc>
+              <a:spcBef>
+                <a:spcPts val="500"/>
+              </a:spcBef>
+              <a:buFont typeface="Arial"/>
+              <a:buNone/>
+              <a:defRPr sz="1600" kern="1200">
+                <a:solidFill>
+                  <a:schemeClr val="tx1">
+                    <a:tint val="75000"/>
+                  </a:schemeClr>
+                </a:solidFill>
+                <a:latin typeface="+mn-lt"/>
+                <a:ea typeface="+mn-ea"/>
+                <a:cs typeface="+mn-cs"/>
+              </a:defRPr>
+            </a:lvl5pPr>
+            <a:lvl6pPr marL="2286000" indent="0" algn="l" defTabSz="914400" rtl="0" eaLnBrk="1" latinLnBrk="0" hangingPunct="1">
+              <a:lnSpc>
+                <a:spcPct val="90000"/>
+              </a:lnSpc>
+              <a:spcBef>
+                <a:spcPts val="500"/>
+              </a:spcBef>
+              <a:buFont typeface="Arial"/>
+              <a:buNone/>
+              <a:defRPr sz="1600" kern="1200">
+                <a:solidFill>
+                  <a:schemeClr val="tx1">
+                    <a:tint val="75000"/>
+                  </a:schemeClr>
+                </a:solidFill>
+                <a:latin typeface="+mn-lt"/>
+                <a:ea typeface="+mn-ea"/>
+                <a:cs typeface="+mn-cs"/>
+              </a:defRPr>
+            </a:lvl6pPr>
+            <a:lvl7pPr marL="2743200" indent="0" algn="l" defTabSz="914400" rtl="0" eaLnBrk="1" latinLnBrk="0" hangingPunct="1">
+              <a:lnSpc>
+                <a:spcPct val="90000"/>
+              </a:lnSpc>
+              <a:spcBef>
+                <a:spcPts val="500"/>
+              </a:spcBef>
+              <a:buFont typeface="Arial"/>
+              <a:buNone/>
+              <a:defRPr sz="1600" kern="1200">
+                <a:solidFill>
+                  <a:schemeClr val="tx1">
+                    <a:tint val="75000"/>
+                  </a:schemeClr>
+                </a:solidFill>
+                <a:latin typeface="+mn-lt"/>
+                <a:ea typeface="+mn-ea"/>
+                <a:cs typeface="+mn-cs"/>
+              </a:defRPr>
+            </a:lvl7pPr>
+            <a:lvl8pPr marL="3200400" indent="0" algn="l" defTabSz="914400" rtl="0" eaLnBrk="1" latinLnBrk="0" hangingPunct="1">
+              <a:lnSpc>
+                <a:spcPct val="90000"/>
+              </a:lnSpc>
+              <a:spcBef>
+                <a:spcPts val="500"/>
+              </a:spcBef>
+              <a:buFont typeface="Arial"/>
+              <a:buNone/>
+              <a:defRPr sz="1600" kern="1200">
+                <a:solidFill>
+                  <a:schemeClr val="tx1">
+                    <a:tint val="75000"/>
+                  </a:schemeClr>
+                </a:solidFill>
+                <a:latin typeface="+mn-lt"/>
+                <a:ea typeface="+mn-ea"/>
+                <a:cs typeface="+mn-cs"/>
+              </a:defRPr>
+            </a:lvl8pPr>
+            <a:lvl9pPr marL="3657600" indent="0" algn="l" defTabSz="914400" rtl="0" eaLnBrk="1" latinLnBrk="0" hangingPunct="1">
+              <a:lnSpc>
+                <a:spcPct val="90000"/>
+              </a:lnSpc>
+              <a:spcBef>
+                <a:spcPts val="500"/>
+              </a:spcBef>
+              <a:buFont typeface="Arial"/>
+              <a:buNone/>
+              <a:defRPr sz="1600" kern="1200">
+                <a:solidFill>
+                  <a:schemeClr val="tx1">
+                    <a:tint val="75000"/>
+                  </a:schemeClr>
+                </a:solidFill>
+                <a:latin typeface="+mn-lt"/>
+                <a:ea typeface="+mn-ea"/>
+                <a:cs typeface="+mn-cs"/>
+              </a:defRPr>
+            </a:lvl9pPr>
+          </a:lstStyle>
+          <a:p>
+            <a:pPr marL="571500" indent="-571500">
+              <a:buFont typeface="Arial" charset="0"/>
+              <a:buChar char="•"/>
+            </a:pPr>
+            <a:endParaRPr lang="en-US" dirty="0">
+              <a:solidFill>
+                <a:schemeClr val="tx1"/>
+              </a:solidFill>
+              <a:latin typeface="+mj-lt"/>
+            </a:endParaRPr>
+          </a:p>
+        </p:txBody>
+      </p:sp>
+      <p:pic>
+        <p:nvPicPr>
+          <p:cNvPr id="3" name="Picture 2"/>
+          <p:cNvPicPr>
+            <a:picLocks noChangeAspect="1"/>
+          </p:cNvPicPr>
+          <p:nvPr/>
+        </p:nvPicPr>
+        <p:blipFill>
+          <a:blip r:embed="rId2"/>
+          <a:stretch>
+            <a:fillRect/>
+          </a:stretch>
+        </p:blipFill>
+        <p:spPr>
+          <a:xfrm>
+            <a:off x="2724691" y="1003965"/>
+            <a:ext cx="7519690" cy="5668056"/>
+          </a:xfrm>
+          <a:prstGeom prst="rect">
+            <a:avLst/>
+          </a:prstGeom>
+        </p:spPr>
+      </p:pic>
+    </p:spTree>
+    <p:extLst>
+      <p:ext uri="{BB962C8B-B14F-4D97-AF65-F5344CB8AC3E}">
+        <p14:creationId xmlns:p14="http://schemas.microsoft.com/office/powerpoint/2010/main" val="167598815"/>
+      </p:ext>
+    </p:extLst>
+  </p:cSld>
+  <p:clrMapOvr>
+    <a:masterClrMapping/>
+  </p:clrMapOvr>
+</p:sld>
+</file>
+
+<file path=ppt/slides/slide33.xml><?xml version="1.0" encoding="utf-8"?>
+<p:sld xmlns:a="http://schemas.openxmlformats.org/drawingml/2006/main" xmlns:r="http://schemas.openxmlformats.org/officeDocument/2006/relationships" xmlns:p="http://schemas.openxmlformats.org/presentationml/2006/main">
+  <p:cSld>
+    <p:spTree>
+      <p:nvGrpSpPr>
+        <p:cNvPr id="1" name=""/>
+        <p:cNvGrpSpPr/>
+        <p:nvPr/>
+      </p:nvGrpSpPr>
+      <p:grpSpPr>
+        <a:xfrm>
+          <a:off x="0" y="0"/>
+          <a:ext cx="0" cy="0"/>
+          <a:chOff x="0" y="0"/>
+          <a:chExt cx="0" cy="0"/>
+        </a:xfrm>
+      </p:grpSpPr>
+      <p:grpSp>
+        <p:nvGrpSpPr>
+          <p:cNvPr id="10" name="Group 9"/>
+          <p:cNvGrpSpPr/>
+          <p:nvPr/>
+        </p:nvGrpSpPr>
+        <p:grpSpPr>
+          <a:xfrm>
+            <a:off x="0" y="-22510"/>
+            <a:ext cx="12192000" cy="307777"/>
+            <a:chOff x="0" y="-22510"/>
+            <a:chExt cx="12192000" cy="307777"/>
+          </a:xfrm>
+        </p:grpSpPr>
+        <p:sp>
+          <p:nvSpPr>
+            <p:cNvPr id="11" name="Rectangle 10"/>
+            <p:cNvSpPr/>
+            <p:nvPr/>
+          </p:nvSpPr>
+          <p:spPr>
+            <a:xfrm>
+              <a:off x="0" y="0"/>
+              <a:ext cx="12192000" cy="262759"/>
+            </a:xfrm>
+            <a:prstGeom prst="rect">
+              <a:avLst/>
+            </a:prstGeom>
+            <a:solidFill>
+              <a:schemeClr val="bg2"/>
+            </a:solidFill>
+            <a:ln>
+              <a:noFill/>
+            </a:ln>
+          </p:spPr>
+          <p:style>
+            <a:lnRef idx="2">
+              <a:schemeClr val="accent1">
+                <a:shade val="50000"/>
+              </a:schemeClr>
+            </a:lnRef>
+            <a:fillRef idx="1">
+              <a:schemeClr val="accent1"/>
+            </a:fillRef>
+            <a:effectRef idx="0">
+              <a:schemeClr val="accent1"/>
+            </a:effectRef>
+            <a:fontRef idx="minor">
+              <a:schemeClr val="lt1"/>
+            </a:fontRef>
+          </p:style>
+          <p:txBody>
+            <a:bodyPr rtlCol="0" anchor="ctr"/>
+            <a:lstStyle/>
+            <a:p>
+              <a:pPr algn="r"/>
+              <a:endParaRPr lang="en-US" sz="1400" b="1" i="1" dirty="0">
+                <a:solidFill>
+                  <a:schemeClr val="tx1">
+                    <a:lumMod val="65000"/>
+                    <a:lumOff val="35000"/>
+                  </a:schemeClr>
+                </a:solidFill>
+                <a:latin typeface="+mj-lt"/>
+              </a:endParaRPr>
+            </a:p>
+          </p:txBody>
+        </p:sp>
+        <p:sp>
+          <p:nvSpPr>
+            <p:cNvPr id="12" name="TextBox 11"/>
+            <p:cNvSpPr txBox="1"/>
+            <p:nvPr/>
+          </p:nvSpPr>
+          <p:spPr>
+            <a:xfrm>
+              <a:off x="188780" y="-22510"/>
+              <a:ext cx="184731" cy="307777"/>
+            </a:xfrm>
+            <a:prstGeom prst="rect">
+              <a:avLst/>
+            </a:prstGeom>
+            <a:noFill/>
+          </p:spPr>
+          <p:txBody>
+            <a:bodyPr wrap="none" rtlCol="0">
+              <a:spAutoFit/>
+            </a:bodyPr>
+            <a:lstStyle/>
+            <a:p>
+              <a:endParaRPr lang="en-US" sz="1400" b="1" i="1" dirty="0">
+                <a:solidFill>
+                  <a:schemeClr val="tx1">
+                    <a:lumMod val="65000"/>
+                    <a:lumOff val="35000"/>
+                  </a:schemeClr>
+                </a:solidFill>
+                <a:latin typeface="+mj-lt"/>
+              </a:endParaRPr>
+            </a:p>
+          </p:txBody>
+        </p:sp>
+      </p:grpSp>
+      <p:sp>
+        <p:nvSpPr>
+          <p:cNvPr id="39" name="Title 1"/>
+          <p:cNvSpPr>
+            <a:spLocks noGrp="1"/>
+          </p:cNvSpPr>
+          <p:nvPr>
+            <p:ph type="title"/>
+          </p:nvPr>
+        </p:nvSpPr>
+        <p:spPr>
+          <a:xfrm>
+            <a:off x="706816" y="-22510"/>
+            <a:ext cx="10515600" cy="1325563"/>
+          </a:xfrm>
+        </p:spPr>
+        <p:txBody>
+          <a:bodyPr>
+            <a:normAutofit/>
+          </a:bodyPr>
+          <a:lstStyle/>
+          <a:p>
+            <a:r>
+              <a:rPr lang="en-US" sz="3600" dirty="0" smtClean="0"/>
+              <a:t>CAP theorem for NoSQL</a:t>
+            </a:r>
+            <a:endParaRPr lang="en-US" sz="3600" dirty="0"/>
+          </a:p>
+        </p:txBody>
+      </p:sp>
+      <p:sp>
+        <p:nvSpPr>
+          <p:cNvPr id="40" name="Content Placeholder 2"/>
+          <p:cNvSpPr txBox="1">
+            <a:spLocks/>
+          </p:cNvSpPr>
+          <p:nvPr/>
+        </p:nvSpPr>
+        <p:spPr>
+          <a:xfrm>
+            <a:off x="838200" y="1825625"/>
+            <a:ext cx="10515600" cy="4351338"/>
+          </a:xfrm>
+          <a:prstGeom prst="rect">
+            <a:avLst/>
+          </a:prstGeom>
+        </p:spPr>
+        <p:txBody>
+          <a:bodyPr vert="horz" lIns="91440" tIns="45720" rIns="91440" bIns="45720" rtlCol="0">
+            <a:normAutofit/>
+          </a:bodyPr>
+          <a:lstStyle>
+            <a:lvl1pPr marL="0" indent="0" algn="l" defTabSz="914400" rtl="0" eaLnBrk="1" latinLnBrk="0" hangingPunct="1">
+              <a:lnSpc>
+                <a:spcPct val="90000"/>
+              </a:lnSpc>
+              <a:spcBef>
+                <a:spcPts val="1000"/>
+              </a:spcBef>
+              <a:buFont typeface="Arial"/>
+              <a:buNone/>
+              <a:defRPr sz="2400" kern="1200">
+                <a:solidFill>
+                  <a:schemeClr val="tx1">
+                    <a:tint val="75000"/>
+                  </a:schemeClr>
+                </a:solidFill>
+                <a:latin typeface="+mn-lt"/>
+                <a:ea typeface="+mn-ea"/>
+                <a:cs typeface="+mn-cs"/>
+              </a:defRPr>
+            </a:lvl1pPr>
+            <a:lvl2pPr marL="457200" indent="0" algn="l" defTabSz="914400" rtl="0" eaLnBrk="1" latinLnBrk="0" hangingPunct="1">
+              <a:lnSpc>
+                <a:spcPct val="90000"/>
+              </a:lnSpc>
+              <a:spcBef>
+                <a:spcPts val="500"/>
+              </a:spcBef>
+              <a:buFont typeface="Arial"/>
+              <a:buNone/>
+              <a:defRPr sz="2000" kern="1200">
+                <a:solidFill>
+                  <a:schemeClr val="tx1">
+                    <a:tint val="75000"/>
+                  </a:schemeClr>
+                </a:solidFill>
+                <a:latin typeface="+mn-lt"/>
+                <a:ea typeface="+mn-ea"/>
+                <a:cs typeface="+mn-cs"/>
+              </a:defRPr>
+            </a:lvl2pPr>
+            <a:lvl3pPr marL="914400" indent="0" algn="l" defTabSz="914400" rtl="0" eaLnBrk="1" latinLnBrk="0" hangingPunct="1">
+              <a:lnSpc>
+                <a:spcPct val="90000"/>
+              </a:lnSpc>
+              <a:spcBef>
+                <a:spcPts val="500"/>
+              </a:spcBef>
+              <a:buFont typeface="Arial"/>
+              <a:buNone/>
+              <a:defRPr sz="1800" kern="1200">
+                <a:solidFill>
+                  <a:schemeClr val="tx1">
+                    <a:tint val="75000"/>
+                  </a:schemeClr>
+                </a:solidFill>
+                <a:latin typeface="+mn-lt"/>
+                <a:ea typeface="+mn-ea"/>
+                <a:cs typeface="+mn-cs"/>
+              </a:defRPr>
+            </a:lvl3pPr>
+            <a:lvl4pPr marL="1371600" indent="0" algn="l" defTabSz="914400" rtl="0" eaLnBrk="1" latinLnBrk="0" hangingPunct="1">
+              <a:lnSpc>
+                <a:spcPct val="90000"/>
+              </a:lnSpc>
+              <a:spcBef>
+                <a:spcPts val="500"/>
+              </a:spcBef>
+              <a:buFont typeface="Arial"/>
+              <a:buNone/>
+              <a:defRPr sz="1600" kern="1200">
+                <a:solidFill>
+                  <a:schemeClr val="tx1">
+                    <a:tint val="75000"/>
+                  </a:schemeClr>
+                </a:solidFill>
+                <a:latin typeface="+mn-lt"/>
+                <a:ea typeface="+mn-ea"/>
+                <a:cs typeface="+mn-cs"/>
+              </a:defRPr>
+            </a:lvl4pPr>
+            <a:lvl5pPr marL="1828800" indent="0" algn="l" defTabSz="914400" rtl="0" eaLnBrk="1" latinLnBrk="0" hangingPunct="1">
+              <a:lnSpc>
+                <a:spcPct val="90000"/>
+              </a:lnSpc>
+              <a:spcBef>
+                <a:spcPts val="500"/>
+              </a:spcBef>
+              <a:buFont typeface="Arial"/>
+              <a:buNone/>
+              <a:defRPr sz="1600" kern="1200">
+                <a:solidFill>
+                  <a:schemeClr val="tx1">
+                    <a:tint val="75000"/>
+                  </a:schemeClr>
+                </a:solidFill>
+                <a:latin typeface="+mn-lt"/>
+                <a:ea typeface="+mn-ea"/>
+                <a:cs typeface="+mn-cs"/>
+              </a:defRPr>
+            </a:lvl5pPr>
+            <a:lvl6pPr marL="2286000" indent="0" algn="l" defTabSz="914400" rtl="0" eaLnBrk="1" latinLnBrk="0" hangingPunct="1">
+              <a:lnSpc>
+                <a:spcPct val="90000"/>
+              </a:lnSpc>
+              <a:spcBef>
+                <a:spcPts val="500"/>
+              </a:spcBef>
+              <a:buFont typeface="Arial"/>
+              <a:buNone/>
+              <a:defRPr sz="1600" kern="1200">
+                <a:solidFill>
+                  <a:schemeClr val="tx1">
+                    <a:tint val="75000"/>
+                  </a:schemeClr>
+                </a:solidFill>
+                <a:latin typeface="+mn-lt"/>
+                <a:ea typeface="+mn-ea"/>
+                <a:cs typeface="+mn-cs"/>
+              </a:defRPr>
+            </a:lvl6pPr>
+            <a:lvl7pPr marL="2743200" indent="0" algn="l" defTabSz="914400" rtl="0" eaLnBrk="1" latinLnBrk="0" hangingPunct="1">
+              <a:lnSpc>
+                <a:spcPct val="90000"/>
+              </a:lnSpc>
+              <a:spcBef>
+                <a:spcPts val="500"/>
+              </a:spcBef>
+              <a:buFont typeface="Arial"/>
+              <a:buNone/>
+              <a:defRPr sz="1600" kern="1200">
+                <a:solidFill>
+                  <a:schemeClr val="tx1">
+                    <a:tint val="75000"/>
+                  </a:schemeClr>
+                </a:solidFill>
+                <a:latin typeface="+mn-lt"/>
+                <a:ea typeface="+mn-ea"/>
+                <a:cs typeface="+mn-cs"/>
+              </a:defRPr>
+            </a:lvl7pPr>
+            <a:lvl8pPr marL="3200400" indent="0" algn="l" defTabSz="914400" rtl="0" eaLnBrk="1" latinLnBrk="0" hangingPunct="1">
+              <a:lnSpc>
+                <a:spcPct val="90000"/>
+              </a:lnSpc>
+              <a:spcBef>
+                <a:spcPts val="500"/>
+              </a:spcBef>
+              <a:buFont typeface="Arial"/>
+              <a:buNone/>
+              <a:defRPr sz="1600" kern="1200">
+                <a:solidFill>
+                  <a:schemeClr val="tx1">
+                    <a:tint val="75000"/>
+                  </a:schemeClr>
+                </a:solidFill>
+                <a:latin typeface="+mn-lt"/>
+                <a:ea typeface="+mn-ea"/>
+                <a:cs typeface="+mn-cs"/>
+              </a:defRPr>
+            </a:lvl8pPr>
+            <a:lvl9pPr marL="3657600" indent="0" algn="l" defTabSz="914400" rtl="0" eaLnBrk="1" latinLnBrk="0" hangingPunct="1">
+              <a:lnSpc>
+                <a:spcPct val="90000"/>
+              </a:lnSpc>
+              <a:spcBef>
+                <a:spcPts val="500"/>
+              </a:spcBef>
+              <a:buFont typeface="Arial"/>
+              <a:buNone/>
+              <a:defRPr sz="1600" kern="1200">
+                <a:solidFill>
+                  <a:schemeClr val="tx1">
+                    <a:tint val="75000"/>
+                  </a:schemeClr>
+                </a:solidFill>
+                <a:latin typeface="+mn-lt"/>
+                <a:ea typeface="+mn-ea"/>
+                <a:cs typeface="+mn-cs"/>
+              </a:defRPr>
+            </a:lvl9pPr>
+          </a:lstStyle>
+          <a:p>
+            <a:pPr marL="571500" indent="-571500">
+              <a:buFont typeface="Arial" charset="0"/>
+              <a:buChar char="•"/>
+            </a:pPr>
+            <a:endParaRPr lang="en-US" dirty="0">
+              <a:solidFill>
+                <a:schemeClr val="tx1"/>
+              </a:solidFill>
+              <a:latin typeface="+mj-lt"/>
+            </a:endParaRPr>
+          </a:p>
+        </p:txBody>
+      </p:sp>
+      <p:sp>
+        <p:nvSpPr>
+          <p:cNvPr id="8" name="Content Placeholder 2"/>
+          <p:cNvSpPr txBox="1">
+            <a:spLocks/>
+          </p:cNvSpPr>
+          <p:nvPr/>
+        </p:nvSpPr>
+        <p:spPr>
+          <a:xfrm>
+            <a:off x="990600" y="1978025"/>
+            <a:ext cx="10515600" cy="4351338"/>
+          </a:xfrm>
+          <a:prstGeom prst="rect">
+            <a:avLst/>
+          </a:prstGeom>
+        </p:spPr>
+        <p:txBody>
+          <a:bodyPr vert="horz" lIns="91440" tIns="45720" rIns="91440" bIns="45720" rtlCol="0">
+            <a:normAutofit/>
+          </a:bodyPr>
+          <a:lstStyle>
+            <a:lvl1pPr marL="0" indent="0" algn="l" defTabSz="914400" rtl="0" eaLnBrk="1" latinLnBrk="0" hangingPunct="1">
+              <a:lnSpc>
+                <a:spcPct val="90000"/>
+              </a:lnSpc>
+              <a:spcBef>
+                <a:spcPts val="1000"/>
+              </a:spcBef>
+              <a:buFont typeface="Arial"/>
+              <a:buNone/>
+              <a:defRPr sz="2400" kern="1200">
+                <a:solidFill>
+                  <a:schemeClr val="tx1">
+                    <a:tint val="75000"/>
+                  </a:schemeClr>
+                </a:solidFill>
+                <a:latin typeface="+mn-lt"/>
+                <a:ea typeface="+mn-ea"/>
+                <a:cs typeface="+mn-cs"/>
+              </a:defRPr>
+            </a:lvl1pPr>
+            <a:lvl2pPr marL="457200" indent="0" algn="l" defTabSz="914400" rtl="0" eaLnBrk="1" latinLnBrk="0" hangingPunct="1">
+              <a:lnSpc>
+                <a:spcPct val="90000"/>
+              </a:lnSpc>
+              <a:spcBef>
+                <a:spcPts val="500"/>
+              </a:spcBef>
+              <a:buFont typeface="Arial"/>
+              <a:buNone/>
+              <a:defRPr sz="2000" kern="1200">
+                <a:solidFill>
+                  <a:schemeClr val="tx1">
+                    <a:tint val="75000"/>
+                  </a:schemeClr>
+                </a:solidFill>
+                <a:latin typeface="+mn-lt"/>
+                <a:ea typeface="+mn-ea"/>
+                <a:cs typeface="+mn-cs"/>
+              </a:defRPr>
+            </a:lvl2pPr>
+            <a:lvl3pPr marL="914400" indent="0" algn="l" defTabSz="914400" rtl="0" eaLnBrk="1" latinLnBrk="0" hangingPunct="1">
+              <a:lnSpc>
+                <a:spcPct val="90000"/>
+              </a:lnSpc>
+              <a:spcBef>
+                <a:spcPts val="500"/>
+              </a:spcBef>
+              <a:buFont typeface="Arial"/>
+              <a:buNone/>
+              <a:defRPr sz="1800" kern="1200">
+                <a:solidFill>
+                  <a:schemeClr val="tx1">
+                    <a:tint val="75000"/>
+                  </a:schemeClr>
+                </a:solidFill>
+                <a:latin typeface="+mn-lt"/>
+                <a:ea typeface="+mn-ea"/>
+                <a:cs typeface="+mn-cs"/>
+              </a:defRPr>
+            </a:lvl3pPr>
+            <a:lvl4pPr marL="1371600" indent="0" algn="l" defTabSz="914400" rtl="0" eaLnBrk="1" latinLnBrk="0" hangingPunct="1">
+              <a:lnSpc>
+                <a:spcPct val="90000"/>
+              </a:lnSpc>
+              <a:spcBef>
+                <a:spcPts val="500"/>
+              </a:spcBef>
+              <a:buFont typeface="Arial"/>
+              <a:buNone/>
+              <a:defRPr sz="1600" kern="1200">
+                <a:solidFill>
+                  <a:schemeClr val="tx1">
+                    <a:tint val="75000"/>
+                  </a:schemeClr>
+                </a:solidFill>
+                <a:latin typeface="+mn-lt"/>
+                <a:ea typeface="+mn-ea"/>
+                <a:cs typeface="+mn-cs"/>
+              </a:defRPr>
+            </a:lvl4pPr>
+            <a:lvl5pPr marL="1828800" indent="0" algn="l" defTabSz="914400" rtl="0" eaLnBrk="1" latinLnBrk="0" hangingPunct="1">
+              <a:lnSpc>
+                <a:spcPct val="90000"/>
+              </a:lnSpc>
+              <a:spcBef>
+                <a:spcPts val="500"/>
+              </a:spcBef>
+              <a:buFont typeface="Arial"/>
+              <a:buNone/>
+              <a:defRPr sz="1600" kern="1200">
+                <a:solidFill>
+                  <a:schemeClr val="tx1">
+                    <a:tint val="75000"/>
+                  </a:schemeClr>
+                </a:solidFill>
+                <a:latin typeface="+mn-lt"/>
+                <a:ea typeface="+mn-ea"/>
+                <a:cs typeface="+mn-cs"/>
+              </a:defRPr>
+            </a:lvl5pPr>
+            <a:lvl6pPr marL="2286000" indent="0" algn="l" defTabSz="914400" rtl="0" eaLnBrk="1" latinLnBrk="0" hangingPunct="1">
+              <a:lnSpc>
+                <a:spcPct val="90000"/>
+              </a:lnSpc>
+              <a:spcBef>
+                <a:spcPts val="500"/>
+              </a:spcBef>
+              <a:buFont typeface="Arial"/>
+              <a:buNone/>
+              <a:defRPr sz="1600" kern="1200">
+                <a:solidFill>
+                  <a:schemeClr val="tx1">
+                    <a:tint val="75000"/>
+                  </a:schemeClr>
+                </a:solidFill>
+                <a:latin typeface="+mn-lt"/>
+                <a:ea typeface="+mn-ea"/>
+                <a:cs typeface="+mn-cs"/>
+              </a:defRPr>
+            </a:lvl6pPr>
+            <a:lvl7pPr marL="2743200" indent="0" algn="l" defTabSz="914400" rtl="0" eaLnBrk="1" latinLnBrk="0" hangingPunct="1">
+              <a:lnSpc>
+                <a:spcPct val="90000"/>
+              </a:lnSpc>
+              <a:spcBef>
+                <a:spcPts val="500"/>
+              </a:spcBef>
+              <a:buFont typeface="Arial"/>
+              <a:buNone/>
+              <a:defRPr sz="1600" kern="1200">
+                <a:solidFill>
+                  <a:schemeClr val="tx1">
+                    <a:tint val="75000"/>
+                  </a:schemeClr>
+                </a:solidFill>
+                <a:latin typeface="+mn-lt"/>
+                <a:ea typeface="+mn-ea"/>
+                <a:cs typeface="+mn-cs"/>
+              </a:defRPr>
+            </a:lvl7pPr>
+            <a:lvl8pPr marL="3200400" indent="0" algn="l" defTabSz="914400" rtl="0" eaLnBrk="1" latinLnBrk="0" hangingPunct="1">
+              <a:lnSpc>
+                <a:spcPct val="90000"/>
+              </a:lnSpc>
+              <a:spcBef>
+                <a:spcPts val="500"/>
+              </a:spcBef>
+              <a:buFont typeface="Arial"/>
+              <a:buNone/>
+              <a:defRPr sz="1600" kern="1200">
+                <a:solidFill>
+                  <a:schemeClr val="tx1">
+                    <a:tint val="75000"/>
+                  </a:schemeClr>
+                </a:solidFill>
+                <a:latin typeface="+mn-lt"/>
+                <a:ea typeface="+mn-ea"/>
+                <a:cs typeface="+mn-cs"/>
+              </a:defRPr>
+            </a:lvl8pPr>
+            <a:lvl9pPr marL="3657600" indent="0" algn="l" defTabSz="914400" rtl="0" eaLnBrk="1" latinLnBrk="0" hangingPunct="1">
+              <a:lnSpc>
+                <a:spcPct val="90000"/>
+              </a:lnSpc>
+              <a:spcBef>
+                <a:spcPts val="500"/>
+              </a:spcBef>
+              <a:buFont typeface="Arial"/>
+              <a:buNone/>
+              <a:defRPr sz="1600" kern="1200">
+                <a:solidFill>
+                  <a:schemeClr val="tx1">
+                    <a:tint val="75000"/>
+                  </a:schemeClr>
+                </a:solidFill>
+                <a:latin typeface="+mn-lt"/>
+                <a:ea typeface="+mn-ea"/>
+                <a:cs typeface="+mn-cs"/>
+              </a:defRPr>
+            </a:lvl9pPr>
+          </a:lstStyle>
+          <a:p>
+            <a:pPr marL="571500" indent="-571500">
+              <a:buFont typeface="Arial" charset="0"/>
+              <a:buChar char="•"/>
+            </a:pPr>
+            <a:r>
+              <a:rPr lang="en-US" sz="2800" dirty="0" smtClean="0">
+                <a:solidFill>
+                  <a:schemeClr val="tx1"/>
+                </a:solidFill>
+              </a:rPr>
+              <a:t>What the CAP theorem really says:</a:t>
+            </a:r>
+            <a:r>
+              <a:rPr lang="en-US" dirty="0">
+                <a:solidFill>
+                  <a:schemeClr val="tx1"/>
+                </a:solidFill>
+              </a:rPr>
+              <a:t> </a:t>
+            </a:r>
+            <a:r>
+              <a:rPr lang="en-US" dirty="0" smtClean="0">
+                <a:solidFill>
+                  <a:schemeClr val="tx1"/>
+                </a:solidFill>
+              </a:rPr>
+              <a:t>If you cannot limit the number of faults and requests can be directed to any server and you insist on serving every request you receive then you cannot possibly be consistent</a:t>
+            </a:r>
+          </a:p>
+          <a:p>
+            <a:pPr marL="571500" indent="-571500">
+              <a:buFont typeface="Arial" charset="0"/>
+              <a:buChar char="•"/>
+            </a:pPr>
+            <a:endParaRPr lang="en-US" sz="2800" dirty="0">
+              <a:solidFill>
+                <a:schemeClr val="tx1"/>
+              </a:solidFill>
+            </a:endParaRPr>
+          </a:p>
+          <a:p>
+            <a:pPr marL="571500" indent="-571500">
+              <a:buFont typeface="Arial" charset="0"/>
+              <a:buChar char="•"/>
+            </a:pPr>
+            <a:r>
+              <a:rPr lang="en-US" sz="2800" dirty="0" smtClean="0">
+                <a:solidFill>
+                  <a:schemeClr val="tx1"/>
+                </a:solidFill>
+              </a:rPr>
+              <a:t>How it is interpreted:</a:t>
+            </a:r>
+            <a:r>
+              <a:rPr lang="en-US" dirty="0">
+                <a:solidFill>
+                  <a:schemeClr val="tx1"/>
+                </a:solidFill>
+              </a:rPr>
+              <a:t> </a:t>
+            </a:r>
+            <a:r>
+              <a:rPr lang="en-US" dirty="0" smtClean="0">
+                <a:solidFill>
+                  <a:schemeClr val="tx1"/>
+                </a:solidFill>
+              </a:rPr>
+              <a:t>You must always give something up: consistency, availability or tolerance to failure and reconfiguration</a:t>
+            </a:r>
+            <a:endParaRPr lang="en-US" sz="2800" dirty="0" smtClean="0">
+              <a:solidFill>
+                <a:schemeClr val="tx1"/>
+              </a:solidFill>
+            </a:endParaRPr>
+          </a:p>
+        </p:txBody>
+      </p:sp>
+    </p:spTree>
+    <p:extLst>
+      <p:ext uri="{BB962C8B-B14F-4D97-AF65-F5344CB8AC3E}">
+        <p14:creationId xmlns:p14="http://schemas.microsoft.com/office/powerpoint/2010/main" val="1583422629"/>
+      </p:ext>
+    </p:extLst>
+  </p:cSld>
+  <p:clrMapOvr>
+    <a:masterClrMapping/>
+  </p:clrMapOvr>
+</p:sld>
+</file>
+
+<file path=ppt/slides/slide34.xml><?xml version="1.0" encoding="utf-8"?>
+<p:sld xmlns:a="http://schemas.openxmlformats.org/drawingml/2006/main" xmlns:r="http://schemas.openxmlformats.org/officeDocument/2006/relationships" xmlns:p="http://schemas.openxmlformats.org/presentationml/2006/main">
+  <p:cSld>
+    <p:spTree>
+      <p:nvGrpSpPr>
+        <p:cNvPr id="1" name=""/>
+        <p:cNvGrpSpPr/>
+        <p:nvPr/>
+      </p:nvGrpSpPr>
+      <p:grpSpPr>
+        <a:xfrm>
+          <a:off x="0" y="0"/>
+          <a:ext cx="0" cy="0"/>
+          <a:chOff x="0" y="0"/>
+          <a:chExt cx="0" cy="0"/>
+        </a:xfrm>
+      </p:grpSpPr>
+      <p:grpSp>
+        <p:nvGrpSpPr>
+          <p:cNvPr id="10" name="Group 9"/>
+          <p:cNvGrpSpPr/>
+          <p:nvPr/>
+        </p:nvGrpSpPr>
+        <p:grpSpPr>
+          <a:xfrm>
+            <a:off x="0" y="-22510"/>
+            <a:ext cx="12192000" cy="307777"/>
+            <a:chOff x="0" y="-22510"/>
+            <a:chExt cx="12192000" cy="307777"/>
+          </a:xfrm>
+        </p:grpSpPr>
+        <p:sp>
+          <p:nvSpPr>
+            <p:cNvPr id="11" name="Rectangle 10"/>
+            <p:cNvSpPr/>
+            <p:nvPr/>
+          </p:nvSpPr>
+          <p:spPr>
+            <a:xfrm>
+              <a:off x="0" y="0"/>
+              <a:ext cx="12192000" cy="262759"/>
+            </a:xfrm>
+            <a:prstGeom prst="rect">
+              <a:avLst/>
+            </a:prstGeom>
+            <a:solidFill>
+              <a:schemeClr val="bg2"/>
+            </a:solidFill>
+            <a:ln>
+              <a:noFill/>
+            </a:ln>
+          </p:spPr>
+          <p:style>
+            <a:lnRef idx="2">
+              <a:schemeClr val="accent1">
+                <a:shade val="50000"/>
+              </a:schemeClr>
+            </a:lnRef>
+            <a:fillRef idx="1">
+              <a:schemeClr val="accent1"/>
+            </a:fillRef>
+            <a:effectRef idx="0">
+              <a:schemeClr val="accent1"/>
+            </a:effectRef>
+            <a:fontRef idx="minor">
+              <a:schemeClr val="lt1"/>
+            </a:fontRef>
+          </p:style>
+          <p:txBody>
+            <a:bodyPr rtlCol="0" anchor="ctr"/>
+            <a:lstStyle/>
+            <a:p>
+              <a:pPr algn="r"/>
+              <a:endParaRPr lang="en-US" sz="1400" b="1" i="1" dirty="0">
+                <a:solidFill>
+                  <a:schemeClr val="tx1">
+                    <a:lumMod val="65000"/>
+                    <a:lumOff val="35000"/>
+                  </a:schemeClr>
+                </a:solidFill>
+                <a:latin typeface="+mj-lt"/>
+              </a:endParaRPr>
+            </a:p>
+          </p:txBody>
+        </p:sp>
+        <p:sp>
+          <p:nvSpPr>
+            <p:cNvPr id="12" name="TextBox 11"/>
+            <p:cNvSpPr txBox="1"/>
+            <p:nvPr/>
+          </p:nvSpPr>
+          <p:spPr>
+            <a:xfrm>
+              <a:off x="188780" y="-22510"/>
+              <a:ext cx="184731" cy="307777"/>
+            </a:xfrm>
+            <a:prstGeom prst="rect">
+              <a:avLst/>
+            </a:prstGeom>
+            <a:noFill/>
+          </p:spPr>
+          <p:txBody>
+            <a:bodyPr wrap="none" rtlCol="0">
+              <a:spAutoFit/>
+            </a:bodyPr>
+            <a:lstStyle/>
+            <a:p>
+              <a:endParaRPr lang="en-US" sz="1400" b="1" i="1" dirty="0">
+                <a:solidFill>
+                  <a:schemeClr val="tx1">
+                    <a:lumMod val="65000"/>
+                    <a:lumOff val="35000"/>
+                  </a:schemeClr>
+                </a:solidFill>
+                <a:latin typeface="+mj-lt"/>
+              </a:endParaRPr>
+            </a:p>
+          </p:txBody>
+        </p:sp>
+      </p:grpSp>
+      <p:sp>
+        <p:nvSpPr>
+          <p:cNvPr id="39" name="Title 1"/>
+          <p:cNvSpPr>
+            <a:spLocks noGrp="1"/>
+          </p:cNvSpPr>
+          <p:nvPr>
+            <p:ph type="title"/>
+          </p:nvPr>
+        </p:nvSpPr>
+        <p:spPr>
+          <a:xfrm>
+            <a:off x="706816" y="-22510"/>
+            <a:ext cx="10515600" cy="1325563"/>
+          </a:xfrm>
+        </p:spPr>
+        <p:txBody>
+          <a:bodyPr>
+            <a:normAutofit/>
+          </a:bodyPr>
+          <a:lstStyle/>
+          <a:p>
+            <a:r>
+              <a:rPr lang="en-US" sz="3600" dirty="0" smtClean="0"/>
+              <a:t>CAP theorem for NoSQL</a:t>
+            </a:r>
+            <a:endParaRPr lang="en-US" sz="3600" dirty="0"/>
+          </a:p>
+        </p:txBody>
+      </p:sp>
+      <p:sp>
+        <p:nvSpPr>
+          <p:cNvPr id="40" name="Content Placeholder 2"/>
+          <p:cNvSpPr txBox="1">
+            <a:spLocks/>
+          </p:cNvSpPr>
+          <p:nvPr/>
+        </p:nvSpPr>
+        <p:spPr>
+          <a:xfrm>
+            <a:off x="838200" y="1825625"/>
+            <a:ext cx="10515600" cy="4351338"/>
+          </a:xfrm>
+          <a:prstGeom prst="rect">
+            <a:avLst/>
+          </a:prstGeom>
+        </p:spPr>
+        <p:txBody>
+          <a:bodyPr vert="horz" lIns="91440" tIns="45720" rIns="91440" bIns="45720" rtlCol="0">
+            <a:normAutofit/>
+          </a:bodyPr>
+          <a:lstStyle>
+            <a:lvl1pPr marL="0" indent="0" algn="l" defTabSz="914400" rtl="0" eaLnBrk="1" latinLnBrk="0" hangingPunct="1">
+              <a:lnSpc>
+                <a:spcPct val="90000"/>
+              </a:lnSpc>
+              <a:spcBef>
+                <a:spcPts val="1000"/>
+              </a:spcBef>
+              <a:buFont typeface="Arial"/>
+              <a:buNone/>
+              <a:defRPr sz="2400" kern="1200">
+                <a:solidFill>
+                  <a:schemeClr val="tx1">
+                    <a:tint val="75000"/>
+                  </a:schemeClr>
+                </a:solidFill>
+                <a:latin typeface="+mn-lt"/>
+                <a:ea typeface="+mn-ea"/>
+                <a:cs typeface="+mn-cs"/>
+              </a:defRPr>
+            </a:lvl1pPr>
+            <a:lvl2pPr marL="457200" indent="0" algn="l" defTabSz="914400" rtl="0" eaLnBrk="1" latinLnBrk="0" hangingPunct="1">
+              <a:lnSpc>
+                <a:spcPct val="90000"/>
+              </a:lnSpc>
+              <a:spcBef>
+                <a:spcPts val="500"/>
+              </a:spcBef>
+              <a:buFont typeface="Arial"/>
+              <a:buNone/>
+              <a:defRPr sz="2000" kern="1200">
+                <a:solidFill>
+                  <a:schemeClr val="tx1">
+                    <a:tint val="75000"/>
+                  </a:schemeClr>
+                </a:solidFill>
+                <a:latin typeface="+mn-lt"/>
+                <a:ea typeface="+mn-ea"/>
+                <a:cs typeface="+mn-cs"/>
+              </a:defRPr>
+            </a:lvl2pPr>
+            <a:lvl3pPr marL="914400" indent="0" algn="l" defTabSz="914400" rtl="0" eaLnBrk="1" latinLnBrk="0" hangingPunct="1">
+              <a:lnSpc>
+                <a:spcPct val="90000"/>
+              </a:lnSpc>
+              <a:spcBef>
+                <a:spcPts val="500"/>
+              </a:spcBef>
+              <a:buFont typeface="Arial"/>
+              <a:buNone/>
+              <a:defRPr sz="1800" kern="1200">
+                <a:solidFill>
+                  <a:schemeClr val="tx1">
+                    <a:tint val="75000"/>
+                  </a:schemeClr>
+                </a:solidFill>
+                <a:latin typeface="+mn-lt"/>
+                <a:ea typeface="+mn-ea"/>
+                <a:cs typeface="+mn-cs"/>
+              </a:defRPr>
+            </a:lvl3pPr>
+            <a:lvl4pPr marL="1371600" indent="0" algn="l" defTabSz="914400" rtl="0" eaLnBrk="1" latinLnBrk="0" hangingPunct="1">
+              <a:lnSpc>
+                <a:spcPct val="90000"/>
+              </a:lnSpc>
+              <a:spcBef>
+                <a:spcPts val="500"/>
+              </a:spcBef>
+              <a:buFont typeface="Arial"/>
+              <a:buNone/>
+              <a:defRPr sz="1600" kern="1200">
+                <a:solidFill>
+                  <a:schemeClr val="tx1">
+                    <a:tint val="75000"/>
+                  </a:schemeClr>
+                </a:solidFill>
+                <a:latin typeface="+mn-lt"/>
+                <a:ea typeface="+mn-ea"/>
+                <a:cs typeface="+mn-cs"/>
+              </a:defRPr>
+            </a:lvl4pPr>
+            <a:lvl5pPr marL="1828800" indent="0" algn="l" defTabSz="914400" rtl="0" eaLnBrk="1" latinLnBrk="0" hangingPunct="1">
+              <a:lnSpc>
+                <a:spcPct val="90000"/>
+              </a:lnSpc>
+              <a:spcBef>
+                <a:spcPts val="500"/>
+              </a:spcBef>
+              <a:buFont typeface="Arial"/>
+              <a:buNone/>
+              <a:defRPr sz="1600" kern="1200">
+                <a:solidFill>
+                  <a:schemeClr val="tx1">
+                    <a:tint val="75000"/>
+                  </a:schemeClr>
+                </a:solidFill>
+                <a:latin typeface="+mn-lt"/>
+                <a:ea typeface="+mn-ea"/>
+                <a:cs typeface="+mn-cs"/>
+              </a:defRPr>
+            </a:lvl5pPr>
+            <a:lvl6pPr marL="2286000" indent="0" algn="l" defTabSz="914400" rtl="0" eaLnBrk="1" latinLnBrk="0" hangingPunct="1">
+              <a:lnSpc>
+                <a:spcPct val="90000"/>
+              </a:lnSpc>
+              <a:spcBef>
+                <a:spcPts val="500"/>
+              </a:spcBef>
+              <a:buFont typeface="Arial"/>
+              <a:buNone/>
+              <a:defRPr sz="1600" kern="1200">
+                <a:solidFill>
+                  <a:schemeClr val="tx1">
+                    <a:tint val="75000"/>
+                  </a:schemeClr>
+                </a:solidFill>
+                <a:latin typeface="+mn-lt"/>
+                <a:ea typeface="+mn-ea"/>
+                <a:cs typeface="+mn-cs"/>
+              </a:defRPr>
+            </a:lvl6pPr>
+            <a:lvl7pPr marL="2743200" indent="0" algn="l" defTabSz="914400" rtl="0" eaLnBrk="1" latinLnBrk="0" hangingPunct="1">
+              <a:lnSpc>
+                <a:spcPct val="90000"/>
+              </a:lnSpc>
+              <a:spcBef>
+                <a:spcPts val="500"/>
+              </a:spcBef>
+              <a:buFont typeface="Arial"/>
+              <a:buNone/>
+              <a:defRPr sz="1600" kern="1200">
+                <a:solidFill>
+                  <a:schemeClr val="tx1">
+                    <a:tint val="75000"/>
+                  </a:schemeClr>
+                </a:solidFill>
+                <a:latin typeface="+mn-lt"/>
+                <a:ea typeface="+mn-ea"/>
+                <a:cs typeface="+mn-cs"/>
+              </a:defRPr>
+            </a:lvl7pPr>
+            <a:lvl8pPr marL="3200400" indent="0" algn="l" defTabSz="914400" rtl="0" eaLnBrk="1" latinLnBrk="0" hangingPunct="1">
+              <a:lnSpc>
+                <a:spcPct val="90000"/>
+              </a:lnSpc>
+              <a:spcBef>
+                <a:spcPts val="500"/>
+              </a:spcBef>
+              <a:buFont typeface="Arial"/>
+              <a:buNone/>
+              <a:defRPr sz="1600" kern="1200">
+                <a:solidFill>
+                  <a:schemeClr val="tx1">
+                    <a:tint val="75000"/>
+                  </a:schemeClr>
+                </a:solidFill>
+                <a:latin typeface="+mn-lt"/>
+                <a:ea typeface="+mn-ea"/>
+                <a:cs typeface="+mn-cs"/>
+              </a:defRPr>
+            </a:lvl8pPr>
+            <a:lvl9pPr marL="3657600" indent="0" algn="l" defTabSz="914400" rtl="0" eaLnBrk="1" latinLnBrk="0" hangingPunct="1">
+              <a:lnSpc>
+                <a:spcPct val="90000"/>
+              </a:lnSpc>
+              <a:spcBef>
+                <a:spcPts val="500"/>
+              </a:spcBef>
+              <a:buFont typeface="Arial"/>
+              <a:buNone/>
+              <a:defRPr sz="1600" kern="1200">
+                <a:solidFill>
+                  <a:schemeClr val="tx1">
+                    <a:tint val="75000"/>
+                  </a:schemeClr>
+                </a:solidFill>
+                <a:latin typeface="+mn-lt"/>
+                <a:ea typeface="+mn-ea"/>
+                <a:cs typeface="+mn-cs"/>
+              </a:defRPr>
+            </a:lvl9pPr>
+          </a:lstStyle>
+          <a:p>
+            <a:pPr marL="571500" indent="-571500">
+              <a:buFont typeface="Arial" charset="0"/>
+              <a:buChar char="•"/>
+            </a:pPr>
+            <a:endParaRPr lang="en-US" dirty="0">
+              <a:solidFill>
+                <a:schemeClr val="tx1"/>
+              </a:solidFill>
+              <a:latin typeface="+mj-lt"/>
+            </a:endParaRPr>
+          </a:p>
+        </p:txBody>
+      </p:sp>
+      <p:pic>
+        <p:nvPicPr>
+          <p:cNvPr id="2" name="Picture 1"/>
+          <p:cNvPicPr>
+            <a:picLocks noChangeAspect="1"/>
+          </p:cNvPicPr>
+          <p:nvPr/>
+        </p:nvPicPr>
+        <p:blipFill>
+          <a:blip r:embed="rId2"/>
+          <a:stretch>
+            <a:fillRect/>
+          </a:stretch>
+        </p:blipFill>
+        <p:spPr>
+          <a:xfrm>
+            <a:off x="1807920" y="1059892"/>
+            <a:ext cx="8513951" cy="5798108"/>
+          </a:xfrm>
+          <a:prstGeom prst="rect">
+            <a:avLst/>
+          </a:prstGeom>
+        </p:spPr>
+      </p:pic>
+    </p:spTree>
+    <p:extLst>
+      <p:ext uri="{BB962C8B-B14F-4D97-AF65-F5344CB8AC3E}">
+        <p14:creationId xmlns:p14="http://schemas.microsoft.com/office/powerpoint/2010/main" val="966771979"/>
+      </p:ext>
+    </p:extLst>
+  </p:cSld>
+  <p:clrMapOvr>
+    <a:masterClrMapping/>
+  </p:clrMapOvr>
+</p:sld>
+</file>
+
+<file path=ppt/slides/slide35.xml><?xml version="1.0" encoding="utf-8"?>
+<p:sld xmlns:a="http://schemas.openxmlformats.org/drawingml/2006/main" xmlns:r="http://schemas.openxmlformats.org/officeDocument/2006/relationships" xmlns:p="http://schemas.openxmlformats.org/presentationml/2006/main">
+  <p:cSld>
+    <p:spTree>
+      <p:nvGrpSpPr>
+        <p:cNvPr id="1" name=""/>
+        <p:cNvGrpSpPr/>
+        <p:nvPr/>
+      </p:nvGrpSpPr>
+      <p:grpSpPr>
+        <a:xfrm>
+          <a:off x="0" y="0"/>
+          <a:ext cx="0" cy="0"/>
+          <a:chOff x="0" y="0"/>
+          <a:chExt cx="0" cy="0"/>
+        </a:xfrm>
+      </p:grpSpPr>
+      <p:sp>
+        <p:nvSpPr>
+          <p:cNvPr id="4" name="Slide Number Placeholder 3"/>
+          <p:cNvSpPr>
+            <a:spLocks noGrp="1"/>
+          </p:cNvSpPr>
+          <p:nvPr>
+            <p:ph type="sldNum" sz="quarter" idx="12"/>
+          </p:nvPr>
+        </p:nvSpPr>
+        <p:spPr/>
+        <p:txBody>
+          <a:bodyPr/>
+          <a:lstStyle/>
+          <a:p>
+            <a:fld id="{40A01959-B587-3B45-A9B3-C17F42F09305}" type="slidenum">
+              <a:rPr lang="en-US" smtClean="0"/>
+              <a:t>35</a:t>
+            </a:fld>
+            <a:endParaRPr lang="en-US"/>
+          </a:p>
+        </p:txBody>
+      </p:sp>
+      <p:pic>
+        <p:nvPicPr>
+          <p:cNvPr id="5" name="Picture 4"/>
+          <p:cNvPicPr>
+            <a:picLocks noChangeAspect="1"/>
+          </p:cNvPicPr>
+          <p:nvPr/>
+        </p:nvPicPr>
+        <p:blipFill>
+          <a:blip r:embed="rId2"/>
+          <a:stretch>
+            <a:fillRect/>
+          </a:stretch>
+        </p:blipFill>
+        <p:spPr>
+          <a:xfrm>
+            <a:off x="1597861" y="0"/>
+            <a:ext cx="8996278" cy="6858000"/>
+          </a:xfrm>
+          <a:prstGeom prst="rect">
+            <a:avLst/>
+          </a:prstGeom>
+        </p:spPr>
+      </p:pic>
+    </p:spTree>
+    <p:extLst>
+      <p:ext uri="{BB962C8B-B14F-4D97-AF65-F5344CB8AC3E}">
+        <p14:creationId xmlns:p14="http://schemas.microsoft.com/office/powerpoint/2010/main" val="675377851"/>
+      </p:ext>
+    </p:extLst>
+  </p:cSld>
+  <p:clrMapOvr>
+    <a:masterClrMapping/>
+  </p:clrMapOvr>
+</p:sld>
+</file>
+
+<file path=ppt/slides/slide36.xml><?xml version="1.0" encoding="utf-8"?>
+<p:sld xmlns:a="http://schemas.openxmlformats.org/drawingml/2006/main" xmlns:r="http://schemas.openxmlformats.org/officeDocument/2006/relationships" xmlns:p="http://schemas.openxmlformats.org/presentationml/2006/main">
+  <p:cSld>
+    <p:spTree>
+      <p:nvGrpSpPr>
+        <p:cNvPr id="1" name=""/>
+        <p:cNvGrpSpPr/>
+        <p:nvPr/>
+      </p:nvGrpSpPr>
+      <p:grpSpPr>
+        <a:xfrm>
+          <a:off x="0" y="0"/>
+          <a:ext cx="0" cy="0"/>
+          <a:chOff x="0" y="0"/>
+          <a:chExt cx="0" cy="0"/>
+        </a:xfrm>
+      </p:grpSpPr>
+      <p:grpSp>
+        <p:nvGrpSpPr>
+          <p:cNvPr id="10" name="Group 9"/>
+          <p:cNvGrpSpPr/>
+          <p:nvPr/>
+        </p:nvGrpSpPr>
+        <p:grpSpPr>
+          <a:xfrm>
+            <a:off x="0" y="-22510"/>
+            <a:ext cx="12192000" cy="307777"/>
+            <a:chOff x="0" y="-22510"/>
+            <a:chExt cx="12192000" cy="307777"/>
+          </a:xfrm>
+        </p:grpSpPr>
+        <p:sp>
+          <p:nvSpPr>
+            <p:cNvPr id="11" name="Rectangle 10"/>
+            <p:cNvSpPr/>
+            <p:nvPr/>
+          </p:nvSpPr>
+          <p:spPr>
+            <a:xfrm>
+              <a:off x="0" y="0"/>
+              <a:ext cx="12192000" cy="262759"/>
+            </a:xfrm>
+            <a:prstGeom prst="rect">
+              <a:avLst/>
+            </a:prstGeom>
+            <a:solidFill>
+              <a:schemeClr val="bg2"/>
+            </a:solidFill>
+            <a:ln>
+              <a:noFill/>
+            </a:ln>
+          </p:spPr>
+          <p:style>
+            <a:lnRef idx="2">
+              <a:schemeClr val="accent1">
+                <a:shade val="50000"/>
+              </a:schemeClr>
+            </a:lnRef>
+            <a:fillRef idx="1">
+              <a:schemeClr val="accent1"/>
+            </a:fillRef>
+            <a:effectRef idx="0">
+              <a:schemeClr val="accent1"/>
+            </a:effectRef>
+            <a:fontRef idx="minor">
+              <a:schemeClr val="lt1"/>
+            </a:fontRef>
+          </p:style>
+          <p:txBody>
+            <a:bodyPr rtlCol="0" anchor="ctr"/>
+            <a:lstStyle/>
+            <a:p>
+              <a:pPr algn="r"/>
+              <a:endParaRPr lang="en-US" sz="1400" b="1" i="1" dirty="0">
+                <a:solidFill>
+                  <a:schemeClr val="tx1">
+                    <a:lumMod val="65000"/>
+                    <a:lumOff val="35000"/>
+                  </a:schemeClr>
+                </a:solidFill>
+                <a:latin typeface="+mj-lt"/>
+              </a:endParaRPr>
+            </a:p>
+          </p:txBody>
+        </p:sp>
+        <p:sp>
+          <p:nvSpPr>
+            <p:cNvPr id="12" name="TextBox 11"/>
+            <p:cNvSpPr txBox="1"/>
+            <p:nvPr/>
+          </p:nvSpPr>
+          <p:spPr>
+            <a:xfrm>
+              <a:off x="188780" y="-22510"/>
+              <a:ext cx="184731" cy="307777"/>
+            </a:xfrm>
+            <a:prstGeom prst="rect">
+              <a:avLst/>
+            </a:prstGeom>
+            <a:noFill/>
+          </p:spPr>
+          <p:txBody>
+            <a:bodyPr wrap="none" rtlCol="0">
+              <a:spAutoFit/>
+            </a:bodyPr>
+            <a:lstStyle/>
+            <a:p>
+              <a:endParaRPr lang="en-US" sz="1400" b="1" i="1" dirty="0">
+                <a:solidFill>
+                  <a:schemeClr val="tx1">
+                    <a:lumMod val="65000"/>
+                    <a:lumOff val="35000"/>
+                  </a:schemeClr>
+                </a:solidFill>
+                <a:latin typeface="+mj-lt"/>
+              </a:endParaRPr>
+            </a:p>
+          </p:txBody>
+        </p:sp>
+      </p:grpSp>
+      <p:sp>
+        <p:nvSpPr>
+          <p:cNvPr id="39" name="Title 1"/>
+          <p:cNvSpPr>
+            <a:spLocks noGrp="1"/>
+          </p:cNvSpPr>
+          <p:nvPr>
+            <p:ph type="title"/>
+          </p:nvPr>
+        </p:nvSpPr>
+        <p:spPr>
+          <a:xfrm>
+            <a:off x="706816" y="-22510"/>
+            <a:ext cx="10515600" cy="1325563"/>
+          </a:xfrm>
+        </p:spPr>
+        <p:txBody>
+          <a:bodyPr>
+            <a:normAutofit/>
+          </a:bodyPr>
+          <a:lstStyle/>
+          <a:p>
+            <a:r>
+              <a:rPr lang="en-US" sz="3600" dirty="0" err="1" smtClean="0"/>
+              <a:t>Sharding</a:t>
+            </a:r>
+            <a:r>
+              <a:rPr lang="en-US" sz="3600" dirty="0" smtClean="0"/>
+              <a:t> of data</a:t>
+            </a:r>
+            <a:endParaRPr lang="en-US" sz="3600" dirty="0"/>
+          </a:p>
+        </p:txBody>
+      </p:sp>
+      <p:sp>
+        <p:nvSpPr>
+          <p:cNvPr id="40" name="Content Placeholder 2"/>
+          <p:cNvSpPr txBox="1">
+            <a:spLocks/>
+          </p:cNvSpPr>
+          <p:nvPr/>
+        </p:nvSpPr>
+        <p:spPr>
+          <a:xfrm>
+            <a:off x="838200" y="1825625"/>
+            <a:ext cx="10515600" cy="4351338"/>
+          </a:xfrm>
+          <a:prstGeom prst="rect">
+            <a:avLst/>
+          </a:prstGeom>
+        </p:spPr>
+        <p:txBody>
+          <a:bodyPr vert="horz" lIns="91440" tIns="45720" rIns="91440" bIns="45720" rtlCol="0">
+            <a:normAutofit/>
+          </a:bodyPr>
+          <a:lstStyle>
+            <a:lvl1pPr marL="0" indent="0" algn="l" defTabSz="914400" rtl="0" eaLnBrk="1" latinLnBrk="0" hangingPunct="1">
+              <a:lnSpc>
+                <a:spcPct val="90000"/>
+              </a:lnSpc>
+              <a:spcBef>
+                <a:spcPts val="1000"/>
+              </a:spcBef>
+              <a:buFont typeface="Arial"/>
+              <a:buNone/>
+              <a:defRPr sz="2400" kern="1200">
+                <a:solidFill>
+                  <a:schemeClr val="tx1">
+                    <a:tint val="75000"/>
+                  </a:schemeClr>
+                </a:solidFill>
+                <a:latin typeface="+mn-lt"/>
+                <a:ea typeface="+mn-ea"/>
+                <a:cs typeface="+mn-cs"/>
+              </a:defRPr>
+            </a:lvl1pPr>
+            <a:lvl2pPr marL="457200" indent="0" algn="l" defTabSz="914400" rtl="0" eaLnBrk="1" latinLnBrk="0" hangingPunct="1">
+              <a:lnSpc>
+                <a:spcPct val="90000"/>
+              </a:lnSpc>
+              <a:spcBef>
+                <a:spcPts val="500"/>
+              </a:spcBef>
+              <a:buFont typeface="Arial"/>
+              <a:buNone/>
+              <a:defRPr sz="2000" kern="1200">
+                <a:solidFill>
+                  <a:schemeClr val="tx1">
+                    <a:tint val="75000"/>
+                  </a:schemeClr>
+                </a:solidFill>
+                <a:latin typeface="+mn-lt"/>
+                <a:ea typeface="+mn-ea"/>
+                <a:cs typeface="+mn-cs"/>
+              </a:defRPr>
+            </a:lvl2pPr>
+            <a:lvl3pPr marL="914400" indent="0" algn="l" defTabSz="914400" rtl="0" eaLnBrk="1" latinLnBrk="0" hangingPunct="1">
+              <a:lnSpc>
+                <a:spcPct val="90000"/>
+              </a:lnSpc>
+              <a:spcBef>
+                <a:spcPts val="500"/>
+              </a:spcBef>
+              <a:buFont typeface="Arial"/>
+              <a:buNone/>
+              <a:defRPr sz="1800" kern="1200">
+                <a:solidFill>
+                  <a:schemeClr val="tx1">
+                    <a:tint val="75000"/>
+                  </a:schemeClr>
+                </a:solidFill>
+                <a:latin typeface="+mn-lt"/>
+                <a:ea typeface="+mn-ea"/>
+                <a:cs typeface="+mn-cs"/>
+              </a:defRPr>
+            </a:lvl3pPr>
+            <a:lvl4pPr marL="1371600" indent="0" algn="l" defTabSz="914400" rtl="0" eaLnBrk="1" latinLnBrk="0" hangingPunct="1">
+              <a:lnSpc>
+                <a:spcPct val="90000"/>
+              </a:lnSpc>
+              <a:spcBef>
+                <a:spcPts val="500"/>
+              </a:spcBef>
+              <a:buFont typeface="Arial"/>
+              <a:buNone/>
+              <a:defRPr sz="1600" kern="1200">
+                <a:solidFill>
+                  <a:schemeClr val="tx1">
+                    <a:tint val="75000"/>
+                  </a:schemeClr>
+                </a:solidFill>
+                <a:latin typeface="+mn-lt"/>
+                <a:ea typeface="+mn-ea"/>
+                <a:cs typeface="+mn-cs"/>
+              </a:defRPr>
+            </a:lvl4pPr>
+            <a:lvl5pPr marL="1828800" indent="0" algn="l" defTabSz="914400" rtl="0" eaLnBrk="1" latinLnBrk="0" hangingPunct="1">
+              <a:lnSpc>
+                <a:spcPct val="90000"/>
+              </a:lnSpc>
+              <a:spcBef>
+                <a:spcPts val="500"/>
+              </a:spcBef>
+              <a:buFont typeface="Arial"/>
+              <a:buNone/>
+              <a:defRPr sz="1600" kern="1200">
+                <a:solidFill>
+                  <a:schemeClr val="tx1">
+                    <a:tint val="75000"/>
+                  </a:schemeClr>
+                </a:solidFill>
+                <a:latin typeface="+mn-lt"/>
+                <a:ea typeface="+mn-ea"/>
+                <a:cs typeface="+mn-cs"/>
+              </a:defRPr>
+            </a:lvl5pPr>
+            <a:lvl6pPr marL="2286000" indent="0" algn="l" defTabSz="914400" rtl="0" eaLnBrk="1" latinLnBrk="0" hangingPunct="1">
+              <a:lnSpc>
+                <a:spcPct val="90000"/>
+              </a:lnSpc>
+              <a:spcBef>
+                <a:spcPts val="500"/>
+              </a:spcBef>
+              <a:buFont typeface="Arial"/>
+              <a:buNone/>
+              <a:defRPr sz="1600" kern="1200">
+                <a:solidFill>
+                  <a:schemeClr val="tx1">
+                    <a:tint val="75000"/>
+                  </a:schemeClr>
+                </a:solidFill>
+                <a:latin typeface="+mn-lt"/>
+                <a:ea typeface="+mn-ea"/>
+                <a:cs typeface="+mn-cs"/>
+              </a:defRPr>
+            </a:lvl6pPr>
+            <a:lvl7pPr marL="2743200" indent="0" algn="l" defTabSz="914400" rtl="0" eaLnBrk="1" latinLnBrk="0" hangingPunct="1">
+              <a:lnSpc>
+                <a:spcPct val="90000"/>
+              </a:lnSpc>
+              <a:spcBef>
+                <a:spcPts val="500"/>
+              </a:spcBef>
+              <a:buFont typeface="Arial"/>
+              <a:buNone/>
+              <a:defRPr sz="1600" kern="1200">
+                <a:solidFill>
+                  <a:schemeClr val="tx1">
+                    <a:tint val="75000"/>
+                  </a:schemeClr>
+                </a:solidFill>
+                <a:latin typeface="+mn-lt"/>
+                <a:ea typeface="+mn-ea"/>
+                <a:cs typeface="+mn-cs"/>
+              </a:defRPr>
+            </a:lvl7pPr>
+            <a:lvl8pPr marL="3200400" indent="0" algn="l" defTabSz="914400" rtl="0" eaLnBrk="1" latinLnBrk="0" hangingPunct="1">
+              <a:lnSpc>
+                <a:spcPct val="90000"/>
+              </a:lnSpc>
+              <a:spcBef>
+                <a:spcPts val="500"/>
+              </a:spcBef>
+              <a:buFont typeface="Arial"/>
+              <a:buNone/>
+              <a:defRPr sz="1600" kern="1200">
+                <a:solidFill>
+                  <a:schemeClr val="tx1">
+                    <a:tint val="75000"/>
+                  </a:schemeClr>
+                </a:solidFill>
+                <a:latin typeface="+mn-lt"/>
+                <a:ea typeface="+mn-ea"/>
+                <a:cs typeface="+mn-cs"/>
+              </a:defRPr>
+            </a:lvl8pPr>
+            <a:lvl9pPr marL="3657600" indent="0" algn="l" defTabSz="914400" rtl="0" eaLnBrk="1" latinLnBrk="0" hangingPunct="1">
+              <a:lnSpc>
+                <a:spcPct val="90000"/>
+              </a:lnSpc>
+              <a:spcBef>
+                <a:spcPts val="500"/>
+              </a:spcBef>
+              <a:buFont typeface="Arial"/>
+              <a:buNone/>
+              <a:defRPr sz="1600" kern="1200">
+                <a:solidFill>
+                  <a:schemeClr val="tx1">
+                    <a:tint val="75000"/>
+                  </a:schemeClr>
+                </a:solidFill>
+                <a:latin typeface="+mn-lt"/>
+                <a:ea typeface="+mn-ea"/>
+                <a:cs typeface="+mn-cs"/>
+              </a:defRPr>
+            </a:lvl9pPr>
+          </a:lstStyle>
+          <a:p>
+            <a:pPr marL="571500" indent="-571500">
+              <a:buFont typeface="Arial" charset="0"/>
+              <a:buChar char="•"/>
+            </a:pPr>
+            <a:endParaRPr lang="en-US" dirty="0">
+              <a:solidFill>
+                <a:schemeClr val="tx1"/>
+              </a:solidFill>
+              <a:latin typeface="+mj-lt"/>
+            </a:endParaRPr>
+          </a:p>
+        </p:txBody>
+      </p:sp>
+      <p:pic>
+        <p:nvPicPr>
+          <p:cNvPr id="3" name="Picture 2"/>
+          <p:cNvPicPr>
+            <a:picLocks noChangeAspect="1"/>
+          </p:cNvPicPr>
+          <p:nvPr/>
+        </p:nvPicPr>
+        <p:blipFill>
+          <a:blip r:embed="rId2"/>
+          <a:stretch>
+            <a:fillRect/>
+          </a:stretch>
+        </p:blipFill>
+        <p:spPr>
+          <a:xfrm>
+            <a:off x="1238250" y="1714500"/>
+            <a:ext cx="9715500" cy="3429000"/>
+          </a:xfrm>
+          <a:prstGeom prst="rect">
+            <a:avLst/>
+          </a:prstGeom>
+        </p:spPr>
+      </p:pic>
+    </p:spTree>
+    <p:extLst>
+      <p:ext uri="{BB962C8B-B14F-4D97-AF65-F5344CB8AC3E}">
+        <p14:creationId xmlns:p14="http://schemas.microsoft.com/office/powerpoint/2010/main" val="1624467362"/>
+      </p:ext>
+    </p:extLst>
+  </p:cSld>
+  <p:clrMapOvr>
+    <a:masterClrMapping/>
+  </p:clrMapOvr>
+</p:sld>
+</file>
+
+<file path=ppt/slides/slide37.xml><?xml version="1.0" encoding="utf-8"?>
+<p:sld xmlns:a="http://schemas.openxmlformats.org/drawingml/2006/main" xmlns:r="http://schemas.openxmlformats.org/officeDocument/2006/relationships" xmlns:p="http://schemas.openxmlformats.org/presentationml/2006/main">
+  <p:cSld>
+    <p:spTree>
+      <p:nvGrpSpPr>
+        <p:cNvPr id="1" name=""/>
+        <p:cNvGrpSpPr/>
+        <p:nvPr/>
+      </p:nvGrpSpPr>
+      <p:grpSpPr>
+        <a:xfrm>
+          <a:off x="0" y="0"/>
+          <a:ext cx="0" cy="0"/>
+          <a:chOff x="0" y="0"/>
+          <a:chExt cx="0" cy="0"/>
+        </a:xfrm>
+      </p:grpSpPr>
+      <p:grpSp>
+        <p:nvGrpSpPr>
+          <p:cNvPr id="10" name="Group 9"/>
+          <p:cNvGrpSpPr/>
+          <p:nvPr/>
+        </p:nvGrpSpPr>
+        <p:grpSpPr>
+          <a:xfrm>
+            <a:off x="0" y="-22510"/>
+            <a:ext cx="12192000" cy="307777"/>
+            <a:chOff x="0" y="-22510"/>
+            <a:chExt cx="12192000" cy="307777"/>
+          </a:xfrm>
+        </p:grpSpPr>
+        <p:sp>
+          <p:nvSpPr>
+            <p:cNvPr id="11" name="Rectangle 10"/>
+            <p:cNvSpPr/>
+            <p:nvPr/>
+          </p:nvSpPr>
+          <p:spPr>
+            <a:xfrm>
+              <a:off x="0" y="0"/>
+              <a:ext cx="12192000" cy="262759"/>
+            </a:xfrm>
+            <a:prstGeom prst="rect">
+              <a:avLst/>
+            </a:prstGeom>
+            <a:solidFill>
+              <a:schemeClr val="bg2"/>
+            </a:solidFill>
+            <a:ln>
+              <a:noFill/>
+            </a:ln>
+          </p:spPr>
+          <p:style>
+            <a:lnRef idx="2">
+              <a:schemeClr val="accent1">
+                <a:shade val="50000"/>
+              </a:schemeClr>
+            </a:lnRef>
+            <a:fillRef idx="1">
+              <a:schemeClr val="accent1"/>
+            </a:fillRef>
+            <a:effectRef idx="0">
+              <a:schemeClr val="accent1"/>
+            </a:effectRef>
+            <a:fontRef idx="minor">
+              <a:schemeClr val="lt1"/>
+            </a:fontRef>
+          </p:style>
+          <p:txBody>
+            <a:bodyPr rtlCol="0" anchor="ctr"/>
+            <a:lstStyle/>
+            <a:p>
+              <a:pPr algn="r"/>
+              <a:endParaRPr lang="en-US" sz="1400" b="1" i="1" dirty="0">
+                <a:solidFill>
+                  <a:schemeClr val="tx1">
+                    <a:lumMod val="65000"/>
+                    <a:lumOff val="35000"/>
+                  </a:schemeClr>
+                </a:solidFill>
+                <a:latin typeface="+mj-lt"/>
+              </a:endParaRPr>
+            </a:p>
+          </p:txBody>
+        </p:sp>
+        <p:sp>
+          <p:nvSpPr>
+            <p:cNvPr id="12" name="TextBox 11"/>
+            <p:cNvSpPr txBox="1"/>
+            <p:nvPr/>
+          </p:nvSpPr>
+          <p:spPr>
+            <a:xfrm>
+              <a:off x="188780" y="-22510"/>
+              <a:ext cx="184731" cy="307777"/>
+            </a:xfrm>
+            <a:prstGeom prst="rect">
+              <a:avLst/>
+            </a:prstGeom>
+            <a:noFill/>
+          </p:spPr>
+          <p:txBody>
+            <a:bodyPr wrap="none" rtlCol="0">
+              <a:spAutoFit/>
+            </a:bodyPr>
+            <a:lstStyle/>
+            <a:p>
+              <a:endParaRPr lang="en-US" sz="1400" b="1" i="1" dirty="0">
+                <a:solidFill>
+                  <a:schemeClr val="tx1">
+                    <a:lumMod val="65000"/>
+                    <a:lumOff val="35000"/>
+                  </a:schemeClr>
+                </a:solidFill>
+                <a:latin typeface="+mj-lt"/>
+              </a:endParaRPr>
+            </a:p>
+          </p:txBody>
+        </p:sp>
+      </p:grpSp>
+      <p:sp>
+        <p:nvSpPr>
+          <p:cNvPr id="39" name="Title 1"/>
+          <p:cNvSpPr>
+            <a:spLocks noGrp="1"/>
+          </p:cNvSpPr>
+          <p:nvPr>
+            <p:ph type="title"/>
+          </p:nvPr>
+        </p:nvSpPr>
+        <p:spPr>
+          <a:xfrm>
+            <a:off x="706816" y="-22510"/>
+            <a:ext cx="10515600" cy="1325563"/>
+          </a:xfrm>
+        </p:spPr>
+        <p:txBody>
+          <a:bodyPr>
+            <a:normAutofit/>
+          </a:bodyPr>
+          <a:lstStyle/>
+          <a:p>
+            <a:r>
+              <a:rPr lang="en-US" sz="3600" dirty="0" smtClean="0"/>
+              <a:t>Replica Sets</a:t>
+            </a:r>
+            <a:endParaRPr lang="en-US" sz="3600" dirty="0"/>
+          </a:p>
+        </p:txBody>
+      </p:sp>
+      <p:sp>
+        <p:nvSpPr>
+          <p:cNvPr id="40" name="Content Placeholder 2"/>
+          <p:cNvSpPr txBox="1">
+            <a:spLocks/>
+          </p:cNvSpPr>
+          <p:nvPr/>
+        </p:nvSpPr>
+        <p:spPr>
+          <a:xfrm>
+            <a:off x="838200" y="1825625"/>
+            <a:ext cx="10515600" cy="4351338"/>
+          </a:xfrm>
+          <a:prstGeom prst="rect">
+            <a:avLst/>
+          </a:prstGeom>
+        </p:spPr>
+        <p:txBody>
+          <a:bodyPr vert="horz" lIns="91440" tIns="45720" rIns="91440" bIns="45720" rtlCol="0">
+            <a:normAutofit/>
+          </a:bodyPr>
+          <a:lstStyle>
+            <a:lvl1pPr marL="0" indent="0" algn="l" defTabSz="914400" rtl="0" eaLnBrk="1" latinLnBrk="0" hangingPunct="1">
+              <a:lnSpc>
+                <a:spcPct val="90000"/>
+              </a:lnSpc>
+              <a:spcBef>
+                <a:spcPts val="1000"/>
+              </a:spcBef>
+              <a:buFont typeface="Arial"/>
+              <a:buNone/>
+              <a:defRPr sz="2400" kern="1200">
+                <a:solidFill>
+                  <a:schemeClr val="tx1">
+                    <a:tint val="75000"/>
+                  </a:schemeClr>
+                </a:solidFill>
+                <a:latin typeface="+mn-lt"/>
+                <a:ea typeface="+mn-ea"/>
+                <a:cs typeface="+mn-cs"/>
+              </a:defRPr>
+            </a:lvl1pPr>
+            <a:lvl2pPr marL="457200" indent="0" algn="l" defTabSz="914400" rtl="0" eaLnBrk="1" latinLnBrk="0" hangingPunct="1">
+              <a:lnSpc>
+                <a:spcPct val="90000"/>
+              </a:lnSpc>
+              <a:spcBef>
+                <a:spcPts val="500"/>
+              </a:spcBef>
+              <a:buFont typeface="Arial"/>
+              <a:buNone/>
+              <a:defRPr sz="2000" kern="1200">
+                <a:solidFill>
+                  <a:schemeClr val="tx1">
+                    <a:tint val="75000"/>
+                  </a:schemeClr>
+                </a:solidFill>
+                <a:latin typeface="+mn-lt"/>
+                <a:ea typeface="+mn-ea"/>
+                <a:cs typeface="+mn-cs"/>
+              </a:defRPr>
+            </a:lvl2pPr>
+            <a:lvl3pPr marL="914400" indent="0" algn="l" defTabSz="914400" rtl="0" eaLnBrk="1" latinLnBrk="0" hangingPunct="1">
+              <a:lnSpc>
+                <a:spcPct val="90000"/>
+              </a:lnSpc>
+              <a:spcBef>
+                <a:spcPts val="500"/>
+              </a:spcBef>
+              <a:buFont typeface="Arial"/>
+              <a:buNone/>
+              <a:defRPr sz="1800" kern="1200">
+                <a:solidFill>
+                  <a:schemeClr val="tx1">
+                    <a:tint val="75000"/>
+                  </a:schemeClr>
+                </a:solidFill>
+                <a:latin typeface="+mn-lt"/>
+                <a:ea typeface="+mn-ea"/>
+                <a:cs typeface="+mn-cs"/>
+              </a:defRPr>
+            </a:lvl3pPr>
+            <a:lvl4pPr marL="1371600" indent="0" algn="l" defTabSz="914400" rtl="0" eaLnBrk="1" latinLnBrk="0" hangingPunct="1">
+              <a:lnSpc>
+                <a:spcPct val="90000"/>
+              </a:lnSpc>
+              <a:spcBef>
+                <a:spcPts val="500"/>
+              </a:spcBef>
+              <a:buFont typeface="Arial"/>
+              <a:buNone/>
+              <a:defRPr sz="1600" kern="1200">
+                <a:solidFill>
+                  <a:schemeClr val="tx1">
+                    <a:tint val="75000"/>
+                  </a:schemeClr>
+                </a:solidFill>
+                <a:latin typeface="+mn-lt"/>
+                <a:ea typeface="+mn-ea"/>
+                <a:cs typeface="+mn-cs"/>
+              </a:defRPr>
+            </a:lvl4pPr>
+            <a:lvl5pPr marL="1828800" indent="0" algn="l" defTabSz="914400" rtl="0" eaLnBrk="1" latinLnBrk="0" hangingPunct="1">
+              <a:lnSpc>
+                <a:spcPct val="90000"/>
+              </a:lnSpc>
+              <a:spcBef>
+                <a:spcPts val="500"/>
+              </a:spcBef>
+              <a:buFont typeface="Arial"/>
+              <a:buNone/>
+              <a:defRPr sz="1600" kern="1200">
+                <a:solidFill>
+                  <a:schemeClr val="tx1">
+                    <a:tint val="75000"/>
+                  </a:schemeClr>
+                </a:solidFill>
+                <a:latin typeface="+mn-lt"/>
+                <a:ea typeface="+mn-ea"/>
+                <a:cs typeface="+mn-cs"/>
+              </a:defRPr>
+            </a:lvl5pPr>
+            <a:lvl6pPr marL="2286000" indent="0" algn="l" defTabSz="914400" rtl="0" eaLnBrk="1" latinLnBrk="0" hangingPunct="1">
+              <a:lnSpc>
+                <a:spcPct val="90000"/>
+              </a:lnSpc>
+              <a:spcBef>
+                <a:spcPts val="500"/>
+              </a:spcBef>
+              <a:buFont typeface="Arial"/>
+              <a:buNone/>
+              <a:defRPr sz="1600" kern="1200">
+                <a:solidFill>
+                  <a:schemeClr val="tx1">
+                    <a:tint val="75000"/>
+                  </a:schemeClr>
+                </a:solidFill>
+                <a:latin typeface="+mn-lt"/>
+                <a:ea typeface="+mn-ea"/>
+                <a:cs typeface="+mn-cs"/>
+              </a:defRPr>
+            </a:lvl6pPr>
+            <a:lvl7pPr marL="2743200" indent="0" algn="l" defTabSz="914400" rtl="0" eaLnBrk="1" latinLnBrk="0" hangingPunct="1">
+              <a:lnSpc>
+                <a:spcPct val="90000"/>
+              </a:lnSpc>
+              <a:spcBef>
+                <a:spcPts val="500"/>
+              </a:spcBef>
+              <a:buFont typeface="Arial"/>
+              <a:buNone/>
+              <a:defRPr sz="1600" kern="1200">
+                <a:solidFill>
+                  <a:schemeClr val="tx1">
+                    <a:tint val="75000"/>
+                  </a:schemeClr>
+                </a:solidFill>
+                <a:latin typeface="+mn-lt"/>
+                <a:ea typeface="+mn-ea"/>
+                <a:cs typeface="+mn-cs"/>
+              </a:defRPr>
+            </a:lvl7pPr>
+            <a:lvl8pPr marL="3200400" indent="0" algn="l" defTabSz="914400" rtl="0" eaLnBrk="1" latinLnBrk="0" hangingPunct="1">
+              <a:lnSpc>
+                <a:spcPct val="90000"/>
+              </a:lnSpc>
+              <a:spcBef>
+                <a:spcPts val="500"/>
+              </a:spcBef>
+              <a:buFont typeface="Arial"/>
+              <a:buNone/>
+              <a:defRPr sz="1600" kern="1200">
+                <a:solidFill>
+                  <a:schemeClr val="tx1">
+                    <a:tint val="75000"/>
+                  </a:schemeClr>
+                </a:solidFill>
+                <a:latin typeface="+mn-lt"/>
+                <a:ea typeface="+mn-ea"/>
+                <a:cs typeface="+mn-cs"/>
+              </a:defRPr>
+            </a:lvl8pPr>
+            <a:lvl9pPr marL="3657600" indent="0" algn="l" defTabSz="914400" rtl="0" eaLnBrk="1" latinLnBrk="0" hangingPunct="1">
+              <a:lnSpc>
+                <a:spcPct val="90000"/>
+              </a:lnSpc>
+              <a:spcBef>
+                <a:spcPts val="500"/>
+              </a:spcBef>
+              <a:buFont typeface="Arial"/>
+              <a:buNone/>
+              <a:defRPr sz="1600" kern="1200">
+                <a:solidFill>
+                  <a:schemeClr val="tx1">
+                    <a:tint val="75000"/>
+                  </a:schemeClr>
+                </a:solidFill>
+                <a:latin typeface="+mn-lt"/>
+                <a:ea typeface="+mn-ea"/>
+                <a:cs typeface="+mn-cs"/>
+              </a:defRPr>
+            </a:lvl9pPr>
+          </a:lstStyle>
+          <a:p>
+            <a:pPr marL="571500" indent="-571500">
+              <a:buFont typeface="Arial" charset="0"/>
+              <a:buChar char="•"/>
+            </a:pPr>
+            <a:endParaRPr lang="en-US" dirty="0">
+              <a:solidFill>
+                <a:schemeClr val="tx1"/>
+              </a:solidFill>
+              <a:latin typeface="+mj-lt"/>
+            </a:endParaRPr>
+          </a:p>
+        </p:txBody>
+      </p:sp>
+      <p:pic>
+        <p:nvPicPr>
+          <p:cNvPr id="2" name="Picture 1"/>
+          <p:cNvPicPr>
+            <a:picLocks noChangeAspect="1"/>
+          </p:cNvPicPr>
+          <p:nvPr/>
+        </p:nvPicPr>
+        <p:blipFill>
+          <a:blip r:embed="rId2"/>
+          <a:stretch>
+            <a:fillRect/>
+          </a:stretch>
+        </p:blipFill>
+        <p:spPr>
+          <a:xfrm>
+            <a:off x="838200" y="1303053"/>
+            <a:ext cx="4813515" cy="5154198"/>
+          </a:xfrm>
+          <a:prstGeom prst="rect">
+            <a:avLst/>
+          </a:prstGeom>
+        </p:spPr>
+      </p:pic>
+      <p:pic>
+        <p:nvPicPr>
+          <p:cNvPr id="4" name="Picture 3"/>
+          <p:cNvPicPr>
+            <a:picLocks noChangeAspect="1"/>
+          </p:cNvPicPr>
+          <p:nvPr/>
+        </p:nvPicPr>
+        <p:blipFill>
+          <a:blip r:embed="rId3"/>
+          <a:stretch>
+            <a:fillRect/>
+          </a:stretch>
+        </p:blipFill>
+        <p:spPr>
+          <a:xfrm>
+            <a:off x="7298634" y="923850"/>
+            <a:ext cx="3511546" cy="5912603"/>
+          </a:xfrm>
+          <a:prstGeom prst="rect">
+            <a:avLst/>
+          </a:prstGeom>
+        </p:spPr>
+      </p:pic>
+    </p:spTree>
+    <p:extLst>
+      <p:ext uri="{BB962C8B-B14F-4D97-AF65-F5344CB8AC3E}">
+        <p14:creationId xmlns:p14="http://schemas.microsoft.com/office/powerpoint/2010/main" val="1463348823"/>
+      </p:ext>
+    </p:extLst>
+  </p:cSld>
+  <p:clrMapOvr>
+    <a:masterClrMapping/>
+  </p:clrMapOvr>
+</p:sld>
+</file>
+
+<file path=ppt/slides/slide38.xml><?xml version="1.0" encoding="utf-8"?>
+<p:sld xmlns:a="http://schemas.openxmlformats.org/drawingml/2006/main" xmlns:r="http://schemas.openxmlformats.org/officeDocument/2006/relationships" xmlns:p="http://schemas.openxmlformats.org/presentationml/2006/main">
+  <p:cSld>
+    <p:spTree>
+      <p:nvGrpSpPr>
+        <p:cNvPr id="1" name=""/>
+        <p:cNvGrpSpPr/>
+        <p:nvPr/>
+      </p:nvGrpSpPr>
+      <p:grpSpPr>
+        <a:xfrm>
+          <a:off x="0" y="0"/>
+          <a:ext cx="0" cy="0"/>
+          <a:chOff x="0" y="0"/>
+          <a:chExt cx="0" cy="0"/>
+        </a:xfrm>
+      </p:grpSpPr>
+      <p:grpSp>
+        <p:nvGrpSpPr>
+          <p:cNvPr id="10" name="Group 9"/>
+          <p:cNvGrpSpPr/>
+          <p:nvPr/>
+        </p:nvGrpSpPr>
+        <p:grpSpPr>
+          <a:xfrm>
+            <a:off x="0" y="-22510"/>
+            <a:ext cx="12192000" cy="307777"/>
+            <a:chOff x="0" y="-22510"/>
+            <a:chExt cx="12192000" cy="307777"/>
+          </a:xfrm>
+        </p:grpSpPr>
+        <p:sp>
+          <p:nvSpPr>
+            <p:cNvPr id="11" name="Rectangle 10"/>
+            <p:cNvSpPr/>
+            <p:nvPr/>
+          </p:nvSpPr>
+          <p:spPr>
+            <a:xfrm>
+              <a:off x="0" y="0"/>
+              <a:ext cx="12192000" cy="262759"/>
+            </a:xfrm>
+            <a:prstGeom prst="rect">
+              <a:avLst/>
+            </a:prstGeom>
+            <a:solidFill>
+              <a:schemeClr val="bg2"/>
+            </a:solidFill>
+            <a:ln>
+              <a:noFill/>
+            </a:ln>
+          </p:spPr>
+          <p:style>
+            <a:lnRef idx="2">
+              <a:schemeClr val="accent1">
+                <a:shade val="50000"/>
+              </a:schemeClr>
+            </a:lnRef>
+            <a:fillRef idx="1">
+              <a:schemeClr val="accent1"/>
+            </a:fillRef>
+            <a:effectRef idx="0">
+              <a:schemeClr val="accent1"/>
+            </a:effectRef>
+            <a:fontRef idx="minor">
+              <a:schemeClr val="lt1"/>
+            </a:fontRef>
+          </p:style>
+          <p:txBody>
+            <a:bodyPr rtlCol="0" anchor="ctr"/>
+            <a:lstStyle/>
+            <a:p>
+              <a:pPr algn="r"/>
+              <a:endParaRPr lang="en-US" sz="1400" b="1" i="1" dirty="0">
+                <a:solidFill>
+                  <a:schemeClr val="tx1">
+                    <a:lumMod val="65000"/>
+                    <a:lumOff val="35000"/>
+                  </a:schemeClr>
+                </a:solidFill>
+                <a:latin typeface="+mj-lt"/>
+              </a:endParaRPr>
+            </a:p>
+          </p:txBody>
+        </p:sp>
+        <p:sp>
+          <p:nvSpPr>
+            <p:cNvPr id="12" name="TextBox 11"/>
+            <p:cNvSpPr txBox="1"/>
+            <p:nvPr/>
+          </p:nvSpPr>
+          <p:spPr>
+            <a:xfrm>
+              <a:off x="188780" y="-22510"/>
+              <a:ext cx="184731" cy="307777"/>
+            </a:xfrm>
+            <a:prstGeom prst="rect">
+              <a:avLst/>
+            </a:prstGeom>
+            <a:noFill/>
+          </p:spPr>
+          <p:txBody>
+            <a:bodyPr wrap="none" rtlCol="0">
+              <a:spAutoFit/>
+            </a:bodyPr>
+            <a:lstStyle/>
+            <a:p>
+              <a:endParaRPr lang="en-US" sz="1400" b="1" i="1" dirty="0">
+                <a:solidFill>
+                  <a:schemeClr val="tx1">
+                    <a:lumMod val="65000"/>
+                    <a:lumOff val="35000"/>
+                  </a:schemeClr>
+                </a:solidFill>
+                <a:latin typeface="+mj-lt"/>
+              </a:endParaRPr>
+            </a:p>
+          </p:txBody>
+        </p:sp>
+      </p:grpSp>
+      <p:sp>
+        <p:nvSpPr>
+          <p:cNvPr id="39" name="Title 1"/>
+          <p:cNvSpPr>
+            <a:spLocks noGrp="1"/>
+          </p:cNvSpPr>
+          <p:nvPr>
+            <p:ph type="title"/>
+          </p:nvPr>
+        </p:nvSpPr>
+        <p:spPr>
+          <a:xfrm>
+            <a:off x="706816" y="-22510"/>
+            <a:ext cx="10515600" cy="1325563"/>
+          </a:xfrm>
+        </p:spPr>
+        <p:txBody>
+          <a:bodyPr>
+            <a:normAutofit/>
+          </a:bodyPr>
+          <a:lstStyle/>
+          <a:p>
+            <a:r>
+              <a:rPr lang="en-US" sz="3600" dirty="0" smtClean="0"/>
+              <a:t>How does NoSQL vary from RDBMS?</a:t>
+            </a:r>
+            <a:endParaRPr lang="en-US" sz="3600" dirty="0"/>
+          </a:p>
+        </p:txBody>
+      </p:sp>
+      <p:sp>
+        <p:nvSpPr>
+          <p:cNvPr id="40" name="Content Placeholder 2"/>
+          <p:cNvSpPr txBox="1">
+            <a:spLocks/>
+          </p:cNvSpPr>
+          <p:nvPr/>
+        </p:nvSpPr>
+        <p:spPr>
+          <a:xfrm>
+            <a:off x="838200" y="1825625"/>
+            <a:ext cx="10515600" cy="4351338"/>
+          </a:xfrm>
+          <a:prstGeom prst="rect">
+            <a:avLst/>
+          </a:prstGeom>
+        </p:spPr>
+        <p:txBody>
+          <a:bodyPr vert="horz" lIns="91440" tIns="45720" rIns="91440" bIns="45720" rtlCol="0">
+            <a:normAutofit/>
+          </a:bodyPr>
+          <a:lstStyle>
+            <a:lvl1pPr marL="0" indent="0" algn="l" defTabSz="914400" rtl="0" eaLnBrk="1" latinLnBrk="0" hangingPunct="1">
+              <a:lnSpc>
+                <a:spcPct val="90000"/>
+              </a:lnSpc>
+              <a:spcBef>
+                <a:spcPts val="1000"/>
+              </a:spcBef>
+              <a:buFont typeface="Arial"/>
+              <a:buNone/>
+              <a:defRPr sz="2400" kern="1200">
+                <a:solidFill>
+                  <a:schemeClr val="tx1">
+                    <a:tint val="75000"/>
+                  </a:schemeClr>
+                </a:solidFill>
+                <a:latin typeface="+mn-lt"/>
+                <a:ea typeface="+mn-ea"/>
+                <a:cs typeface="+mn-cs"/>
+              </a:defRPr>
+            </a:lvl1pPr>
+            <a:lvl2pPr marL="457200" indent="0" algn="l" defTabSz="914400" rtl="0" eaLnBrk="1" latinLnBrk="0" hangingPunct="1">
+              <a:lnSpc>
+                <a:spcPct val="90000"/>
+              </a:lnSpc>
+              <a:spcBef>
+                <a:spcPts val="500"/>
+              </a:spcBef>
+              <a:buFont typeface="Arial"/>
+              <a:buNone/>
+              <a:defRPr sz="2000" kern="1200">
+                <a:solidFill>
+                  <a:schemeClr val="tx1">
+                    <a:tint val="75000"/>
+                  </a:schemeClr>
+                </a:solidFill>
+                <a:latin typeface="+mn-lt"/>
+                <a:ea typeface="+mn-ea"/>
+                <a:cs typeface="+mn-cs"/>
+              </a:defRPr>
+            </a:lvl2pPr>
+            <a:lvl3pPr marL="914400" indent="0" algn="l" defTabSz="914400" rtl="0" eaLnBrk="1" latinLnBrk="0" hangingPunct="1">
+              <a:lnSpc>
+                <a:spcPct val="90000"/>
+              </a:lnSpc>
+              <a:spcBef>
+                <a:spcPts val="500"/>
+              </a:spcBef>
+              <a:buFont typeface="Arial"/>
+              <a:buNone/>
+              <a:defRPr sz="1800" kern="1200">
+                <a:solidFill>
+                  <a:schemeClr val="tx1">
+                    <a:tint val="75000"/>
+                  </a:schemeClr>
+                </a:solidFill>
+                <a:latin typeface="+mn-lt"/>
+                <a:ea typeface="+mn-ea"/>
+                <a:cs typeface="+mn-cs"/>
+              </a:defRPr>
+            </a:lvl3pPr>
+            <a:lvl4pPr marL="1371600" indent="0" algn="l" defTabSz="914400" rtl="0" eaLnBrk="1" latinLnBrk="0" hangingPunct="1">
+              <a:lnSpc>
+                <a:spcPct val="90000"/>
+              </a:lnSpc>
+              <a:spcBef>
+                <a:spcPts val="500"/>
+              </a:spcBef>
+              <a:buFont typeface="Arial"/>
+              <a:buNone/>
+              <a:defRPr sz="1600" kern="1200">
+                <a:solidFill>
+                  <a:schemeClr val="tx1">
+                    <a:tint val="75000"/>
+                  </a:schemeClr>
+                </a:solidFill>
+                <a:latin typeface="+mn-lt"/>
+                <a:ea typeface="+mn-ea"/>
+                <a:cs typeface="+mn-cs"/>
+              </a:defRPr>
+            </a:lvl4pPr>
+            <a:lvl5pPr marL="1828800" indent="0" algn="l" defTabSz="914400" rtl="0" eaLnBrk="1" latinLnBrk="0" hangingPunct="1">
+              <a:lnSpc>
+                <a:spcPct val="90000"/>
+              </a:lnSpc>
+              <a:spcBef>
+                <a:spcPts val="500"/>
+              </a:spcBef>
+              <a:buFont typeface="Arial"/>
+              <a:buNone/>
+              <a:defRPr sz="1600" kern="1200">
+                <a:solidFill>
+                  <a:schemeClr val="tx1">
+                    <a:tint val="75000"/>
+                  </a:schemeClr>
+                </a:solidFill>
+                <a:latin typeface="+mn-lt"/>
+                <a:ea typeface="+mn-ea"/>
+                <a:cs typeface="+mn-cs"/>
+              </a:defRPr>
+            </a:lvl5pPr>
+            <a:lvl6pPr marL="2286000" indent="0" algn="l" defTabSz="914400" rtl="0" eaLnBrk="1" latinLnBrk="0" hangingPunct="1">
+              <a:lnSpc>
+                <a:spcPct val="90000"/>
+              </a:lnSpc>
+              <a:spcBef>
+                <a:spcPts val="500"/>
+              </a:spcBef>
+              <a:buFont typeface="Arial"/>
+              <a:buNone/>
+              <a:defRPr sz="1600" kern="1200">
+                <a:solidFill>
+                  <a:schemeClr val="tx1">
+                    <a:tint val="75000"/>
+                  </a:schemeClr>
+                </a:solidFill>
+                <a:latin typeface="+mn-lt"/>
+                <a:ea typeface="+mn-ea"/>
+                <a:cs typeface="+mn-cs"/>
+              </a:defRPr>
+            </a:lvl6pPr>
+            <a:lvl7pPr marL="2743200" indent="0" algn="l" defTabSz="914400" rtl="0" eaLnBrk="1" latinLnBrk="0" hangingPunct="1">
+              <a:lnSpc>
+                <a:spcPct val="90000"/>
+              </a:lnSpc>
+              <a:spcBef>
+                <a:spcPts val="500"/>
+              </a:spcBef>
+              <a:buFont typeface="Arial"/>
+              <a:buNone/>
+              <a:defRPr sz="1600" kern="1200">
+                <a:solidFill>
+                  <a:schemeClr val="tx1">
+                    <a:tint val="75000"/>
+                  </a:schemeClr>
+                </a:solidFill>
+                <a:latin typeface="+mn-lt"/>
+                <a:ea typeface="+mn-ea"/>
+                <a:cs typeface="+mn-cs"/>
+              </a:defRPr>
+            </a:lvl7pPr>
+            <a:lvl8pPr marL="3200400" indent="0" algn="l" defTabSz="914400" rtl="0" eaLnBrk="1" latinLnBrk="0" hangingPunct="1">
+              <a:lnSpc>
+                <a:spcPct val="90000"/>
+              </a:lnSpc>
+              <a:spcBef>
+                <a:spcPts val="500"/>
+              </a:spcBef>
+              <a:buFont typeface="Arial"/>
+              <a:buNone/>
+              <a:defRPr sz="1600" kern="1200">
+                <a:solidFill>
+                  <a:schemeClr val="tx1">
+                    <a:tint val="75000"/>
+                  </a:schemeClr>
+                </a:solidFill>
+                <a:latin typeface="+mn-lt"/>
+                <a:ea typeface="+mn-ea"/>
+                <a:cs typeface="+mn-cs"/>
+              </a:defRPr>
+            </a:lvl8pPr>
+            <a:lvl9pPr marL="3657600" indent="0" algn="l" defTabSz="914400" rtl="0" eaLnBrk="1" latinLnBrk="0" hangingPunct="1">
+              <a:lnSpc>
+                <a:spcPct val="90000"/>
+              </a:lnSpc>
+              <a:spcBef>
+                <a:spcPts val="500"/>
+              </a:spcBef>
+              <a:buFont typeface="Arial"/>
+              <a:buNone/>
+              <a:defRPr sz="1600" kern="1200">
+                <a:solidFill>
+                  <a:schemeClr val="tx1">
+                    <a:tint val="75000"/>
+                  </a:schemeClr>
+                </a:solidFill>
+                <a:latin typeface="+mn-lt"/>
+                <a:ea typeface="+mn-ea"/>
+                <a:cs typeface="+mn-cs"/>
+              </a:defRPr>
+            </a:lvl9pPr>
+          </a:lstStyle>
+          <a:p>
+            <a:pPr marL="571500" indent="-571500">
+              <a:buFont typeface="Arial" charset="0"/>
+              <a:buChar char="•"/>
+            </a:pPr>
+            <a:endParaRPr lang="en-US" dirty="0">
+              <a:solidFill>
+                <a:schemeClr val="tx1"/>
+              </a:solidFill>
+              <a:latin typeface="+mj-lt"/>
+            </a:endParaRPr>
+          </a:p>
+        </p:txBody>
+      </p:sp>
+      <p:pic>
+        <p:nvPicPr>
+          <p:cNvPr id="3" name="Picture 2"/>
+          <p:cNvPicPr>
+            <a:picLocks noChangeAspect="1"/>
+          </p:cNvPicPr>
+          <p:nvPr/>
+        </p:nvPicPr>
+        <p:blipFill>
+          <a:blip r:embed="rId2"/>
+          <a:stretch>
+            <a:fillRect/>
+          </a:stretch>
+        </p:blipFill>
+        <p:spPr>
+          <a:xfrm>
+            <a:off x="1123950" y="1270000"/>
+            <a:ext cx="9944100" cy="4318000"/>
+          </a:xfrm>
+          <a:prstGeom prst="rect">
+            <a:avLst/>
+          </a:prstGeom>
+        </p:spPr>
+      </p:pic>
+    </p:spTree>
+    <p:extLst>
+      <p:ext uri="{BB962C8B-B14F-4D97-AF65-F5344CB8AC3E}">
+        <p14:creationId xmlns:p14="http://schemas.microsoft.com/office/powerpoint/2010/main" val="986394378"/>
+      </p:ext>
+    </p:extLst>
+  </p:cSld>
+  <p:clrMapOvr>
+    <a:masterClrMapping/>
+  </p:clrMapOvr>
+</p:sld>
+</file>
+
+<file path=ppt/slides/slide39.xml><?xml version="1.0" encoding="utf-8"?>
+<p:sld xmlns:a="http://schemas.openxmlformats.org/drawingml/2006/main" xmlns:r="http://schemas.openxmlformats.org/officeDocument/2006/relationships" xmlns:p="http://schemas.openxmlformats.org/presentationml/2006/main">
+  <p:cSld>
+    <p:spTree>
+      <p:nvGrpSpPr>
+        <p:cNvPr id="1" name=""/>
+        <p:cNvGrpSpPr/>
+        <p:nvPr/>
+      </p:nvGrpSpPr>
+      <p:grpSpPr>
+        <a:xfrm>
+          <a:off x="0" y="0"/>
+          <a:ext cx="0" cy="0"/>
+          <a:chOff x="0" y="0"/>
+          <a:chExt cx="0" cy="0"/>
+        </a:xfrm>
+      </p:grpSpPr>
+      <p:grpSp>
+        <p:nvGrpSpPr>
+          <p:cNvPr id="10" name="Group 9"/>
+          <p:cNvGrpSpPr/>
+          <p:nvPr/>
+        </p:nvGrpSpPr>
+        <p:grpSpPr>
+          <a:xfrm>
+            <a:off x="0" y="-22510"/>
+            <a:ext cx="12192000" cy="307777"/>
+            <a:chOff x="0" y="-22510"/>
+            <a:chExt cx="12192000" cy="307777"/>
+          </a:xfrm>
+        </p:grpSpPr>
+        <p:sp>
+          <p:nvSpPr>
+            <p:cNvPr id="11" name="Rectangle 10"/>
+            <p:cNvSpPr/>
+            <p:nvPr/>
+          </p:nvSpPr>
+          <p:spPr>
+            <a:xfrm>
+              <a:off x="0" y="0"/>
+              <a:ext cx="12192000" cy="262759"/>
+            </a:xfrm>
+            <a:prstGeom prst="rect">
+              <a:avLst/>
+            </a:prstGeom>
+            <a:solidFill>
+              <a:schemeClr val="bg2"/>
+            </a:solidFill>
+            <a:ln>
+              <a:noFill/>
+            </a:ln>
+          </p:spPr>
+          <p:style>
+            <a:lnRef idx="2">
+              <a:schemeClr val="accent1">
+                <a:shade val="50000"/>
+              </a:schemeClr>
+            </a:lnRef>
+            <a:fillRef idx="1">
+              <a:schemeClr val="accent1"/>
+            </a:fillRef>
+            <a:effectRef idx="0">
+              <a:schemeClr val="accent1"/>
+            </a:effectRef>
+            <a:fontRef idx="minor">
+              <a:schemeClr val="lt1"/>
+            </a:fontRef>
+          </p:style>
+          <p:txBody>
+            <a:bodyPr rtlCol="0" anchor="ctr"/>
+            <a:lstStyle/>
+            <a:p>
+              <a:pPr algn="r"/>
+              <a:endParaRPr lang="en-US" sz="1400" b="1" i="1" dirty="0">
+                <a:solidFill>
+                  <a:schemeClr val="tx1">
+                    <a:lumMod val="65000"/>
+                    <a:lumOff val="35000"/>
+                  </a:schemeClr>
+                </a:solidFill>
+                <a:latin typeface="+mj-lt"/>
+              </a:endParaRPr>
+            </a:p>
+          </p:txBody>
+        </p:sp>
+        <p:sp>
+          <p:nvSpPr>
+            <p:cNvPr id="12" name="TextBox 11"/>
+            <p:cNvSpPr txBox="1"/>
+            <p:nvPr/>
+          </p:nvSpPr>
+          <p:spPr>
+            <a:xfrm>
+              <a:off x="188780" y="-22510"/>
+              <a:ext cx="184731" cy="307777"/>
+            </a:xfrm>
+            <a:prstGeom prst="rect">
+              <a:avLst/>
+            </a:prstGeom>
+            <a:noFill/>
+          </p:spPr>
+          <p:txBody>
+            <a:bodyPr wrap="none" rtlCol="0">
+              <a:spAutoFit/>
+            </a:bodyPr>
+            <a:lstStyle/>
+            <a:p>
+              <a:endParaRPr lang="en-US" sz="1400" b="1" i="1" dirty="0">
+                <a:solidFill>
+                  <a:schemeClr val="tx1">
+                    <a:lumMod val="65000"/>
+                    <a:lumOff val="35000"/>
+                  </a:schemeClr>
+                </a:solidFill>
+                <a:latin typeface="+mj-lt"/>
+              </a:endParaRPr>
+            </a:p>
+          </p:txBody>
+        </p:sp>
+      </p:grpSp>
+      <p:sp>
+        <p:nvSpPr>
+          <p:cNvPr id="39" name="Title 1"/>
+          <p:cNvSpPr>
+            <a:spLocks noGrp="1"/>
+          </p:cNvSpPr>
+          <p:nvPr>
+            <p:ph type="title"/>
+          </p:nvPr>
+        </p:nvSpPr>
+        <p:spPr>
+          <a:xfrm>
+            <a:off x="706816" y="-22510"/>
+            <a:ext cx="10515600" cy="1325563"/>
+          </a:xfrm>
+        </p:spPr>
+        <p:txBody>
+          <a:bodyPr>
+            <a:normAutofit/>
+          </a:bodyPr>
+          <a:lstStyle/>
+          <a:p>
+            <a:r>
+              <a:rPr lang="en-US" sz="3600" dirty="0" smtClean="0"/>
+              <a:t>Benefits of NoSQL</a:t>
+            </a:r>
+            <a:endParaRPr lang="en-US" sz="3600" dirty="0"/>
+          </a:p>
+        </p:txBody>
+      </p:sp>
+      <p:sp>
+        <p:nvSpPr>
+          <p:cNvPr id="40" name="Content Placeholder 2"/>
+          <p:cNvSpPr txBox="1">
+            <a:spLocks/>
+          </p:cNvSpPr>
+          <p:nvPr/>
+        </p:nvSpPr>
+        <p:spPr>
+          <a:xfrm>
+            <a:off x="838200" y="1825625"/>
+            <a:ext cx="10515600" cy="4351338"/>
+          </a:xfrm>
+          <a:prstGeom prst="rect">
+            <a:avLst/>
+          </a:prstGeom>
+        </p:spPr>
+        <p:txBody>
+          <a:bodyPr vert="horz" lIns="91440" tIns="45720" rIns="91440" bIns="45720" rtlCol="0">
+            <a:normAutofit/>
+          </a:bodyPr>
+          <a:lstStyle>
+            <a:lvl1pPr marL="0" indent="0" algn="l" defTabSz="914400" rtl="0" eaLnBrk="1" latinLnBrk="0" hangingPunct="1">
+              <a:lnSpc>
+                <a:spcPct val="90000"/>
+              </a:lnSpc>
+              <a:spcBef>
+                <a:spcPts val="1000"/>
+              </a:spcBef>
+              <a:buFont typeface="Arial"/>
+              <a:buNone/>
+              <a:defRPr sz="2400" kern="1200">
+                <a:solidFill>
+                  <a:schemeClr val="tx1">
+                    <a:tint val="75000"/>
+                  </a:schemeClr>
+                </a:solidFill>
+                <a:latin typeface="+mn-lt"/>
+                <a:ea typeface="+mn-ea"/>
+                <a:cs typeface="+mn-cs"/>
+              </a:defRPr>
+            </a:lvl1pPr>
+            <a:lvl2pPr marL="457200" indent="0" algn="l" defTabSz="914400" rtl="0" eaLnBrk="1" latinLnBrk="0" hangingPunct="1">
+              <a:lnSpc>
+                <a:spcPct val="90000"/>
+              </a:lnSpc>
+              <a:spcBef>
+                <a:spcPts val="500"/>
+              </a:spcBef>
+              <a:buFont typeface="Arial"/>
+              <a:buNone/>
+              <a:defRPr sz="2000" kern="1200">
+                <a:solidFill>
+                  <a:schemeClr val="tx1">
+                    <a:tint val="75000"/>
+                  </a:schemeClr>
+                </a:solidFill>
+                <a:latin typeface="+mn-lt"/>
+                <a:ea typeface="+mn-ea"/>
+                <a:cs typeface="+mn-cs"/>
+              </a:defRPr>
+            </a:lvl2pPr>
+            <a:lvl3pPr marL="914400" indent="0" algn="l" defTabSz="914400" rtl="0" eaLnBrk="1" latinLnBrk="0" hangingPunct="1">
+              <a:lnSpc>
+                <a:spcPct val="90000"/>
+              </a:lnSpc>
+              <a:spcBef>
+                <a:spcPts val="500"/>
+              </a:spcBef>
+              <a:buFont typeface="Arial"/>
+              <a:buNone/>
+              <a:defRPr sz="1800" kern="1200">
+                <a:solidFill>
+                  <a:schemeClr val="tx1">
+                    <a:tint val="75000"/>
+                  </a:schemeClr>
+                </a:solidFill>
+                <a:latin typeface="+mn-lt"/>
+                <a:ea typeface="+mn-ea"/>
+                <a:cs typeface="+mn-cs"/>
+              </a:defRPr>
+            </a:lvl3pPr>
+            <a:lvl4pPr marL="1371600" indent="0" algn="l" defTabSz="914400" rtl="0" eaLnBrk="1" latinLnBrk="0" hangingPunct="1">
+              <a:lnSpc>
+                <a:spcPct val="90000"/>
+              </a:lnSpc>
+              <a:spcBef>
+                <a:spcPts val="500"/>
+              </a:spcBef>
+              <a:buFont typeface="Arial"/>
+              <a:buNone/>
+              <a:defRPr sz="1600" kern="1200">
+                <a:solidFill>
+                  <a:schemeClr val="tx1">
+                    <a:tint val="75000"/>
+                  </a:schemeClr>
+                </a:solidFill>
+                <a:latin typeface="+mn-lt"/>
+                <a:ea typeface="+mn-ea"/>
+                <a:cs typeface="+mn-cs"/>
+              </a:defRPr>
+            </a:lvl4pPr>
+            <a:lvl5pPr marL="1828800" indent="0" algn="l" defTabSz="914400" rtl="0" eaLnBrk="1" latinLnBrk="0" hangingPunct="1">
+              <a:lnSpc>
+                <a:spcPct val="90000"/>
+              </a:lnSpc>
+              <a:spcBef>
+                <a:spcPts val="500"/>
+              </a:spcBef>
+              <a:buFont typeface="Arial"/>
+              <a:buNone/>
+              <a:defRPr sz="1600" kern="1200">
+                <a:solidFill>
+                  <a:schemeClr val="tx1">
+                    <a:tint val="75000"/>
+                  </a:schemeClr>
+                </a:solidFill>
+                <a:latin typeface="+mn-lt"/>
+                <a:ea typeface="+mn-ea"/>
+                <a:cs typeface="+mn-cs"/>
+              </a:defRPr>
+            </a:lvl5pPr>
+            <a:lvl6pPr marL="2286000" indent="0" algn="l" defTabSz="914400" rtl="0" eaLnBrk="1" latinLnBrk="0" hangingPunct="1">
+              <a:lnSpc>
+                <a:spcPct val="90000"/>
+              </a:lnSpc>
+              <a:spcBef>
+                <a:spcPts val="500"/>
+              </a:spcBef>
+              <a:buFont typeface="Arial"/>
+              <a:buNone/>
+              <a:defRPr sz="1600" kern="1200">
+                <a:solidFill>
+                  <a:schemeClr val="tx1">
+                    <a:tint val="75000"/>
+                  </a:schemeClr>
+                </a:solidFill>
+                <a:latin typeface="+mn-lt"/>
+                <a:ea typeface="+mn-ea"/>
+                <a:cs typeface="+mn-cs"/>
+              </a:defRPr>
+            </a:lvl6pPr>
+            <a:lvl7pPr marL="2743200" indent="0" algn="l" defTabSz="914400" rtl="0" eaLnBrk="1" latinLnBrk="0" hangingPunct="1">
+              <a:lnSpc>
+                <a:spcPct val="90000"/>
+              </a:lnSpc>
+              <a:spcBef>
+                <a:spcPts val="500"/>
+              </a:spcBef>
+              <a:buFont typeface="Arial"/>
+              <a:buNone/>
+              <a:defRPr sz="1600" kern="1200">
+                <a:solidFill>
+                  <a:schemeClr val="tx1">
+                    <a:tint val="75000"/>
+                  </a:schemeClr>
+                </a:solidFill>
+                <a:latin typeface="+mn-lt"/>
+                <a:ea typeface="+mn-ea"/>
+                <a:cs typeface="+mn-cs"/>
+              </a:defRPr>
+            </a:lvl7pPr>
+            <a:lvl8pPr marL="3200400" indent="0" algn="l" defTabSz="914400" rtl="0" eaLnBrk="1" latinLnBrk="0" hangingPunct="1">
+              <a:lnSpc>
+                <a:spcPct val="90000"/>
+              </a:lnSpc>
+              <a:spcBef>
+                <a:spcPts val="500"/>
+              </a:spcBef>
+              <a:buFont typeface="Arial"/>
+              <a:buNone/>
+              <a:defRPr sz="1600" kern="1200">
+                <a:solidFill>
+                  <a:schemeClr val="tx1">
+                    <a:tint val="75000"/>
+                  </a:schemeClr>
+                </a:solidFill>
+                <a:latin typeface="+mn-lt"/>
+                <a:ea typeface="+mn-ea"/>
+                <a:cs typeface="+mn-cs"/>
+              </a:defRPr>
+            </a:lvl8pPr>
+            <a:lvl9pPr marL="3657600" indent="0" algn="l" defTabSz="914400" rtl="0" eaLnBrk="1" latinLnBrk="0" hangingPunct="1">
+              <a:lnSpc>
+                <a:spcPct val="90000"/>
+              </a:lnSpc>
+              <a:spcBef>
+                <a:spcPts val="500"/>
+              </a:spcBef>
+              <a:buFont typeface="Arial"/>
+              <a:buNone/>
+              <a:defRPr sz="1600" kern="1200">
+                <a:solidFill>
+                  <a:schemeClr val="tx1">
+                    <a:tint val="75000"/>
+                  </a:schemeClr>
+                </a:solidFill>
+                <a:latin typeface="+mn-lt"/>
+                <a:ea typeface="+mn-ea"/>
+                <a:cs typeface="+mn-cs"/>
+              </a:defRPr>
+            </a:lvl9pPr>
+          </a:lstStyle>
+          <a:p>
+            <a:pPr marL="571500" indent="-571500">
+              <a:buFont typeface="Arial" charset="0"/>
+              <a:buChar char="•"/>
+            </a:pPr>
+            <a:endParaRPr lang="en-US" dirty="0">
+              <a:solidFill>
+                <a:schemeClr val="tx1"/>
+              </a:solidFill>
+              <a:latin typeface="+mj-lt"/>
+            </a:endParaRPr>
+          </a:p>
+        </p:txBody>
+      </p:sp>
+      <p:pic>
+        <p:nvPicPr>
+          <p:cNvPr id="2" name="Picture 1"/>
+          <p:cNvPicPr>
+            <a:picLocks noChangeAspect="1"/>
+          </p:cNvPicPr>
+          <p:nvPr/>
+        </p:nvPicPr>
+        <p:blipFill>
+          <a:blip r:embed="rId2"/>
+          <a:stretch>
+            <a:fillRect/>
+          </a:stretch>
+        </p:blipFill>
+        <p:spPr>
+          <a:xfrm>
+            <a:off x="1801785" y="1139482"/>
+            <a:ext cx="8597577" cy="5299417"/>
+          </a:xfrm>
+          <a:prstGeom prst="rect">
+            <a:avLst/>
+          </a:prstGeom>
+        </p:spPr>
+      </p:pic>
+    </p:spTree>
+    <p:extLst>
+      <p:ext uri="{BB962C8B-B14F-4D97-AF65-F5344CB8AC3E}">
+        <p14:creationId xmlns:p14="http://schemas.microsoft.com/office/powerpoint/2010/main" val="1904039853"/>
+      </p:ext>
+    </p:extLst>
+  </p:cSld>
+  <p:clrMapOvr>
+    <a:masterClrMapping/>
+  </p:clrMapOvr>
+</p:sld>
+</file>
+
+<file path=ppt/slides/slide4.xml><?xml version="1.0" encoding="utf-8"?>
+<p:sld xmlns:a="http://schemas.openxmlformats.org/drawingml/2006/main" xmlns:r="http://schemas.openxmlformats.org/officeDocument/2006/relationships" xmlns:p="http://schemas.openxmlformats.org/presentationml/2006/main">
+  <p:cSld>
+    <p:spTree>
+      <p:nvGrpSpPr>
+        <p:cNvPr id="1" name=""/>
+        <p:cNvGrpSpPr/>
+        <p:nvPr/>
+      </p:nvGrpSpPr>
+      <p:grpSpPr>
+        <a:xfrm>
+          <a:off x="0" y="0"/>
+          <a:ext cx="0" cy="0"/>
+          <a:chOff x="0" y="0"/>
+          <a:chExt cx="0" cy="0"/>
+        </a:xfrm>
+      </p:grpSpPr>
+      <p:sp>
+        <p:nvSpPr>
+          <p:cNvPr id="2" name="Title 1"/>
+          <p:cNvSpPr>
+            <a:spLocks noGrp="1"/>
+          </p:cNvSpPr>
+          <p:nvPr>
+            <p:ph type="title"/>
+          </p:nvPr>
+        </p:nvSpPr>
+        <p:spPr/>
+        <p:txBody>
+          <a:bodyPr/>
+          <a:lstStyle/>
+          <a:p>
+            <a:pPr marL="514350" indent="-514350">
+              <a:buFont typeface="+mj-lt"/>
+              <a:buAutoNum type="arabicPeriod"/>
+            </a:pPr>
+            <a:r>
+              <a:rPr lang="en-US" dirty="0"/>
+              <a:t> </a:t>
+            </a:r>
+            <a:r>
+              <a:rPr lang="en-US" dirty="0" smtClean="0"/>
+              <a:t>MapReduce Implementation</a:t>
+            </a:r>
+            <a:endParaRPr lang="en-US" dirty="0"/>
+          </a:p>
+        </p:txBody>
+      </p:sp>
+      <p:sp>
+        <p:nvSpPr>
+          <p:cNvPr id="4" name="Slide Number Placeholder 3"/>
+          <p:cNvSpPr>
+            <a:spLocks noGrp="1"/>
+          </p:cNvSpPr>
+          <p:nvPr>
+            <p:ph type="sldNum" sz="quarter" idx="12"/>
+          </p:nvPr>
+        </p:nvSpPr>
+        <p:spPr/>
+        <p:txBody>
+          <a:bodyPr/>
+          <a:lstStyle/>
+          <a:p>
+            <a:fld id="{40A01959-B587-3B45-A9B3-C17F42F09305}" type="slidenum">
+              <a:rPr lang="en-US" smtClean="0"/>
+              <a:t>4</a:t>
+            </a:fld>
+            <a:endParaRPr lang="en-US"/>
+          </a:p>
+        </p:txBody>
+      </p:sp>
+      <p:sp>
+        <p:nvSpPr>
+          <p:cNvPr id="6" name="Rectangle 5"/>
+          <p:cNvSpPr/>
+          <p:nvPr/>
+        </p:nvSpPr>
+        <p:spPr>
+          <a:xfrm>
+            <a:off x="0" y="0"/>
+            <a:ext cx="12192000" cy="262759"/>
+          </a:xfrm>
+          <a:prstGeom prst="rect">
+            <a:avLst/>
+          </a:prstGeom>
+          <a:solidFill>
+            <a:schemeClr val="bg2"/>
+          </a:solidFill>
+          <a:ln>
+            <a:noFill/>
+          </a:ln>
+        </p:spPr>
+        <p:style>
+          <a:lnRef idx="2">
+            <a:schemeClr val="accent1">
+              <a:shade val="50000"/>
+            </a:schemeClr>
+          </a:lnRef>
+          <a:fillRef idx="1">
+            <a:schemeClr val="accent1"/>
+          </a:fillRef>
+          <a:effectRef idx="0">
+            <a:schemeClr val="accent1"/>
+          </a:effectRef>
+          <a:fontRef idx="minor">
+            <a:schemeClr val="lt1"/>
+          </a:fontRef>
+        </p:style>
+        <p:txBody>
+          <a:bodyPr rtlCol="0" anchor="ctr"/>
+          <a:lstStyle/>
+          <a:p>
+            <a:pPr algn="r"/>
+            <a:endParaRPr lang="en-US" sz="1400" b="1" i="1" dirty="0">
+              <a:solidFill>
+                <a:schemeClr val="tx1">
+                  <a:lumMod val="65000"/>
+                  <a:lumOff val="35000"/>
+                </a:schemeClr>
+              </a:solidFill>
+              <a:latin typeface="+mj-lt"/>
+            </a:endParaRPr>
+          </a:p>
+        </p:txBody>
+      </p:sp>
+    </p:spTree>
+    <p:extLst>
+      <p:ext uri="{BB962C8B-B14F-4D97-AF65-F5344CB8AC3E}">
+        <p14:creationId xmlns:p14="http://schemas.microsoft.com/office/powerpoint/2010/main" val="1680195656"/>
+      </p:ext>
+    </p:extLst>
+  </p:cSld>
+  <p:clrMapOvr>
+    <a:masterClrMapping/>
+  </p:clrMapOvr>
+</p:sld>
+</file>
+
+<file path=ppt/slides/slide40.xml><?xml version="1.0" encoding="utf-8"?>
+<p:sld xmlns:a="http://schemas.openxmlformats.org/drawingml/2006/main" xmlns:r="http://schemas.openxmlformats.org/officeDocument/2006/relationships" xmlns:p="http://schemas.openxmlformats.org/presentationml/2006/main">
+  <p:cSld>
+    <p:spTree>
+      <p:nvGrpSpPr>
+        <p:cNvPr id="1" name=""/>
+        <p:cNvGrpSpPr/>
+        <p:nvPr/>
+      </p:nvGrpSpPr>
+      <p:grpSpPr>
+        <a:xfrm>
+          <a:off x="0" y="0"/>
+          <a:ext cx="0" cy="0"/>
+          <a:chOff x="0" y="0"/>
+          <a:chExt cx="0" cy="0"/>
+        </a:xfrm>
+      </p:grpSpPr>
+      <p:grpSp>
+        <p:nvGrpSpPr>
+          <p:cNvPr id="10" name="Group 9"/>
+          <p:cNvGrpSpPr/>
+          <p:nvPr/>
+        </p:nvGrpSpPr>
+        <p:grpSpPr>
+          <a:xfrm>
+            <a:off x="0" y="-22510"/>
+            <a:ext cx="12192000" cy="307777"/>
+            <a:chOff x="0" y="-22510"/>
+            <a:chExt cx="12192000" cy="307777"/>
+          </a:xfrm>
+        </p:grpSpPr>
+        <p:sp>
+          <p:nvSpPr>
+            <p:cNvPr id="11" name="Rectangle 10"/>
+            <p:cNvSpPr/>
+            <p:nvPr/>
+          </p:nvSpPr>
+          <p:spPr>
+            <a:xfrm>
+              <a:off x="0" y="0"/>
+              <a:ext cx="12192000" cy="262759"/>
+            </a:xfrm>
+            <a:prstGeom prst="rect">
+              <a:avLst/>
+            </a:prstGeom>
+            <a:solidFill>
+              <a:schemeClr val="bg2"/>
+            </a:solidFill>
+            <a:ln>
+              <a:noFill/>
+            </a:ln>
+          </p:spPr>
+          <p:style>
+            <a:lnRef idx="2">
+              <a:schemeClr val="accent1">
+                <a:shade val="50000"/>
+              </a:schemeClr>
+            </a:lnRef>
+            <a:fillRef idx="1">
+              <a:schemeClr val="accent1"/>
+            </a:fillRef>
+            <a:effectRef idx="0">
+              <a:schemeClr val="accent1"/>
+            </a:effectRef>
+            <a:fontRef idx="minor">
+              <a:schemeClr val="lt1"/>
+            </a:fontRef>
+          </p:style>
+          <p:txBody>
+            <a:bodyPr rtlCol="0" anchor="ctr"/>
+            <a:lstStyle/>
+            <a:p>
+              <a:pPr algn="r"/>
+              <a:endParaRPr lang="en-US" sz="1400" b="1" i="1" dirty="0">
+                <a:solidFill>
+                  <a:schemeClr val="tx1">
+                    <a:lumMod val="65000"/>
+                    <a:lumOff val="35000"/>
+                  </a:schemeClr>
+                </a:solidFill>
+                <a:latin typeface="+mj-lt"/>
+              </a:endParaRPr>
+            </a:p>
+          </p:txBody>
+        </p:sp>
+        <p:sp>
+          <p:nvSpPr>
+            <p:cNvPr id="12" name="TextBox 11"/>
+            <p:cNvSpPr txBox="1"/>
+            <p:nvPr/>
+          </p:nvSpPr>
+          <p:spPr>
+            <a:xfrm>
+              <a:off x="188780" y="-22510"/>
+              <a:ext cx="184731" cy="307777"/>
+            </a:xfrm>
+            <a:prstGeom prst="rect">
+              <a:avLst/>
+            </a:prstGeom>
+            <a:noFill/>
+          </p:spPr>
+          <p:txBody>
+            <a:bodyPr wrap="none" rtlCol="0">
+              <a:spAutoFit/>
+            </a:bodyPr>
+            <a:lstStyle/>
+            <a:p>
+              <a:endParaRPr lang="en-US" sz="1400" b="1" i="1" dirty="0">
+                <a:solidFill>
+                  <a:schemeClr val="tx1">
+                    <a:lumMod val="65000"/>
+                    <a:lumOff val="35000"/>
+                  </a:schemeClr>
+                </a:solidFill>
+                <a:latin typeface="+mj-lt"/>
+              </a:endParaRPr>
+            </a:p>
+          </p:txBody>
+        </p:sp>
+      </p:grpSp>
+      <p:sp>
+        <p:nvSpPr>
+          <p:cNvPr id="39" name="Title 1"/>
+          <p:cNvSpPr>
+            <a:spLocks noGrp="1"/>
+          </p:cNvSpPr>
+          <p:nvPr>
+            <p:ph type="title"/>
+          </p:nvPr>
+        </p:nvSpPr>
+        <p:spPr>
+          <a:xfrm>
+            <a:off x="706816" y="-22510"/>
+            <a:ext cx="10515600" cy="1325563"/>
+          </a:xfrm>
+        </p:spPr>
+        <p:txBody>
+          <a:bodyPr>
+            <a:normAutofit/>
+          </a:bodyPr>
+          <a:lstStyle/>
+          <a:p>
+            <a:r>
+              <a:rPr lang="en-US" sz="3600" dirty="0" smtClean="0"/>
+              <a:t>Benefits of NoSQL</a:t>
+            </a:r>
+            <a:endParaRPr lang="en-US" sz="3600" dirty="0"/>
+          </a:p>
+        </p:txBody>
+      </p:sp>
+      <p:sp>
+        <p:nvSpPr>
+          <p:cNvPr id="40" name="Content Placeholder 2"/>
+          <p:cNvSpPr txBox="1">
+            <a:spLocks/>
+          </p:cNvSpPr>
+          <p:nvPr/>
+        </p:nvSpPr>
+        <p:spPr>
+          <a:xfrm>
+            <a:off x="838200" y="1825625"/>
+            <a:ext cx="10515600" cy="4351338"/>
+          </a:xfrm>
+          <a:prstGeom prst="rect">
+            <a:avLst/>
+          </a:prstGeom>
+        </p:spPr>
+        <p:txBody>
+          <a:bodyPr vert="horz" lIns="91440" tIns="45720" rIns="91440" bIns="45720" rtlCol="0">
+            <a:normAutofit/>
+          </a:bodyPr>
+          <a:lstStyle>
+            <a:lvl1pPr marL="0" indent="0" algn="l" defTabSz="914400" rtl="0" eaLnBrk="1" latinLnBrk="0" hangingPunct="1">
+              <a:lnSpc>
+                <a:spcPct val="90000"/>
+              </a:lnSpc>
+              <a:spcBef>
+                <a:spcPts val="1000"/>
+              </a:spcBef>
+              <a:buFont typeface="Arial"/>
+              <a:buNone/>
+              <a:defRPr sz="2400" kern="1200">
+                <a:solidFill>
+                  <a:schemeClr val="tx1">
+                    <a:tint val="75000"/>
+                  </a:schemeClr>
+                </a:solidFill>
+                <a:latin typeface="+mn-lt"/>
+                <a:ea typeface="+mn-ea"/>
+                <a:cs typeface="+mn-cs"/>
+              </a:defRPr>
+            </a:lvl1pPr>
+            <a:lvl2pPr marL="457200" indent="0" algn="l" defTabSz="914400" rtl="0" eaLnBrk="1" latinLnBrk="0" hangingPunct="1">
+              <a:lnSpc>
+                <a:spcPct val="90000"/>
+              </a:lnSpc>
+              <a:spcBef>
+                <a:spcPts val="500"/>
+              </a:spcBef>
+              <a:buFont typeface="Arial"/>
+              <a:buNone/>
+              <a:defRPr sz="2000" kern="1200">
+                <a:solidFill>
+                  <a:schemeClr val="tx1">
+                    <a:tint val="75000"/>
+                  </a:schemeClr>
+                </a:solidFill>
+                <a:latin typeface="+mn-lt"/>
+                <a:ea typeface="+mn-ea"/>
+                <a:cs typeface="+mn-cs"/>
+              </a:defRPr>
+            </a:lvl2pPr>
+            <a:lvl3pPr marL="914400" indent="0" algn="l" defTabSz="914400" rtl="0" eaLnBrk="1" latinLnBrk="0" hangingPunct="1">
+              <a:lnSpc>
+                <a:spcPct val="90000"/>
+              </a:lnSpc>
+              <a:spcBef>
+                <a:spcPts val="500"/>
+              </a:spcBef>
+              <a:buFont typeface="Arial"/>
+              <a:buNone/>
+              <a:defRPr sz="1800" kern="1200">
+                <a:solidFill>
+                  <a:schemeClr val="tx1">
+                    <a:tint val="75000"/>
+                  </a:schemeClr>
+                </a:solidFill>
+                <a:latin typeface="+mn-lt"/>
+                <a:ea typeface="+mn-ea"/>
+                <a:cs typeface="+mn-cs"/>
+              </a:defRPr>
+            </a:lvl3pPr>
+            <a:lvl4pPr marL="1371600" indent="0" algn="l" defTabSz="914400" rtl="0" eaLnBrk="1" latinLnBrk="0" hangingPunct="1">
+              <a:lnSpc>
+                <a:spcPct val="90000"/>
+              </a:lnSpc>
+              <a:spcBef>
+                <a:spcPts val="500"/>
+              </a:spcBef>
+              <a:buFont typeface="Arial"/>
+              <a:buNone/>
+              <a:defRPr sz="1600" kern="1200">
+                <a:solidFill>
+                  <a:schemeClr val="tx1">
+                    <a:tint val="75000"/>
+                  </a:schemeClr>
+                </a:solidFill>
+                <a:latin typeface="+mn-lt"/>
+                <a:ea typeface="+mn-ea"/>
+                <a:cs typeface="+mn-cs"/>
+              </a:defRPr>
+            </a:lvl4pPr>
+            <a:lvl5pPr marL="1828800" indent="0" algn="l" defTabSz="914400" rtl="0" eaLnBrk="1" latinLnBrk="0" hangingPunct="1">
+              <a:lnSpc>
+                <a:spcPct val="90000"/>
+              </a:lnSpc>
+              <a:spcBef>
+                <a:spcPts val="500"/>
+              </a:spcBef>
+              <a:buFont typeface="Arial"/>
+              <a:buNone/>
+              <a:defRPr sz="1600" kern="1200">
+                <a:solidFill>
+                  <a:schemeClr val="tx1">
+                    <a:tint val="75000"/>
+                  </a:schemeClr>
+                </a:solidFill>
+                <a:latin typeface="+mn-lt"/>
+                <a:ea typeface="+mn-ea"/>
+                <a:cs typeface="+mn-cs"/>
+              </a:defRPr>
+            </a:lvl5pPr>
+            <a:lvl6pPr marL="2286000" indent="0" algn="l" defTabSz="914400" rtl="0" eaLnBrk="1" latinLnBrk="0" hangingPunct="1">
+              <a:lnSpc>
+                <a:spcPct val="90000"/>
+              </a:lnSpc>
+              <a:spcBef>
+                <a:spcPts val="500"/>
+              </a:spcBef>
+              <a:buFont typeface="Arial"/>
+              <a:buNone/>
+              <a:defRPr sz="1600" kern="1200">
+                <a:solidFill>
+                  <a:schemeClr val="tx1">
+                    <a:tint val="75000"/>
+                  </a:schemeClr>
+                </a:solidFill>
+                <a:latin typeface="+mn-lt"/>
+                <a:ea typeface="+mn-ea"/>
+                <a:cs typeface="+mn-cs"/>
+              </a:defRPr>
+            </a:lvl6pPr>
+            <a:lvl7pPr marL="2743200" indent="0" algn="l" defTabSz="914400" rtl="0" eaLnBrk="1" latinLnBrk="0" hangingPunct="1">
+              <a:lnSpc>
+                <a:spcPct val="90000"/>
+              </a:lnSpc>
+              <a:spcBef>
+                <a:spcPts val="500"/>
+              </a:spcBef>
+              <a:buFont typeface="Arial"/>
+              <a:buNone/>
+              <a:defRPr sz="1600" kern="1200">
+                <a:solidFill>
+                  <a:schemeClr val="tx1">
+                    <a:tint val="75000"/>
+                  </a:schemeClr>
+                </a:solidFill>
+                <a:latin typeface="+mn-lt"/>
+                <a:ea typeface="+mn-ea"/>
+                <a:cs typeface="+mn-cs"/>
+              </a:defRPr>
+            </a:lvl7pPr>
+            <a:lvl8pPr marL="3200400" indent="0" algn="l" defTabSz="914400" rtl="0" eaLnBrk="1" latinLnBrk="0" hangingPunct="1">
+              <a:lnSpc>
+                <a:spcPct val="90000"/>
+              </a:lnSpc>
+              <a:spcBef>
+                <a:spcPts val="500"/>
+              </a:spcBef>
+              <a:buFont typeface="Arial"/>
+              <a:buNone/>
+              <a:defRPr sz="1600" kern="1200">
+                <a:solidFill>
+                  <a:schemeClr val="tx1">
+                    <a:tint val="75000"/>
+                  </a:schemeClr>
+                </a:solidFill>
+                <a:latin typeface="+mn-lt"/>
+                <a:ea typeface="+mn-ea"/>
+                <a:cs typeface="+mn-cs"/>
+              </a:defRPr>
+            </a:lvl8pPr>
+            <a:lvl9pPr marL="3657600" indent="0" algn="l" defTabSz="914400" rtl="0" eaLnBrk="1" latinLnBrk="0" hangingPunct="1">
+              <a:lnSpc>
+                <a:spcPct val="90000"/>
+              </a:lnSpc>
+              <a:spcBef>
+                <a:spcPts val="500"/>
+              </a:spcBef>
+              <a:buFont typeface="Arial"/>
+              <a:buNone/>
+              <a:defRPr sz="1600" kern="1200">
+                <a:solidFill>
+                  <a:schemeClr val="tx1">
+                    <a:tint val="75000"/>
+                  </a:schemeClr>
+                </a:solidFill>
+                <a:latin typeface="+mn-lt"/>
+                <a:ea typeface="+mn-ea"/>
+                <a:cs typeface="+mn-cs"/>
+              </a:defRPr>
+            </a:lvl9pPr>
+          </a:lstStyle>
+          <a:p>
+            <a:pPr marL="571500" indent="-571500">
+              <a:buFont typeface="Arial" charset="0"/>
+              <a:buChar char="•"/>
+            </a:pPr>
+            <a:endParaRPr lang="en-US" dirty="0">
+              <a:solidFill>
+                <a:schemeClr val="tx1"/>
+              </a:solidFill>
+              <a:latin typeface="+mj-lt"/>
+            </a:endParaRPr>
+          </a:p>
+        </p:txBody>
+      </p:sp>
+      <p:pic>
+        <p:nvPicPr>
+          <p:cNvPr id="3" name="Picture 2"/>
+          <p:cNvPicPr>
+            <a:picLocks noChangeAspect="1"/>
+          </p:cNvPicPr>
+          <p:nvPr/>
+        </p:nvPicPr>
+        <p:blipFill>
+          <a:blip r:embed="rId2"/>
+          <a:stretch>
+            <a:fillRect/>
+          </a:stretch>
+        </p:blipFill>
+        <p:spPr>
+          <a:xfrm>
+            <a:off x="1872927" y="981917"/>
+            <a:ext cx="8991385" cy="5499925"/>
+          </a:xfrm>
+          <a:prstGeom prst="rect">
+            <a:avLst/>
+          </a:prstGeom>
+        </p:spPr>
+      </p:pic>
+    </p:spTree>
+    <p:extLst>
+      <p:ext uri="{BB962C8B-B14F-4D97-AF65-F5344CB8AC3E}">
+        <p14:creationId xmlns:p14="http://schemas.microsoft.com/office/powerpoint/2010/main" val="1543985424"/>
+      </p:ext>
+    </p:extLst>
+  </p:cSld>
+  <p:clrMapOvr>
+    <a:masterClrMapping/>
+  </p:clrMapOvr>
+</p:sld>
+</file>
+
+<file path=ppt/slides/slide41.xml><?xml version="1.0" encoding="utf-8"?>
+<p:sld xmlns:a="http://schemas.openxmlformats.org/drawingml/2006/main" xmlns:r="http://schemas.openxmlformats.org/officeDocument/2006/relationships" xmlns:p="http://schemas.openxmlformats.org/presentationml/2006/main">
+  <p:cSld>
+    <p:spTree>
+      <p:nvGrpSpPr>
+        <p:cNvPr id="1" name=""/>
+        <p:cNvGrpSpPr/>
+        <p:nvPr/>
+      </p:nvGrpSpPr>
+      <p:grpSpPr>
+        <a:xfrm>
+          <a:off x="0" y="0"/>
+          <a:ext cx="0" cy="0"/>
+          <a:chOff x="0" y="0"/>
+          <a:chExt cx="0" cy="0"/>
+        </a:xfrm>
+      </p:grpSpPr>
+      <p:grpSp>
+        <p:nvGrpSpPr>
+          <p:cNvPr id="10" name="Group 9"/>
+          <p:cNvGrpSpPr/>
+          <p:nvPr/>
+        </p:nvGrpSpPr>
+        <p:grpSpPr>
+          <a:xfrm>
+            <a:off x="0" y="-22510"/>
+            <a:ext cx="12192000" cy="307777"/>
+            <a:chOff x="0" y="-22510"/>
+            <a:chExt cx="12192000" cy="307777"/>
+          </a:xfrm>
+        </p:grpSpPr>
+        <p:sp>
+          <p:nvSpPr>
+            <p:cNvPr id="11" name="Rectangle 10"/>
+            <p:cNvSpPr/>
+            <p:nvPr/>
+          </p:nvSpPr>
+          <p:spPr>
+            <a:xfrm>
+              <a:off x="0" y="0"/>
+              <a:ext cx="12192000" cy="262759"/>
+            </a:xfrm>
+            <a:prstGeom prst="rect">
+              <a:avLst/>
+            </a:prstGeom>
+            <a:solidFill>
+              <a:schemeClr val="bg2"/>
+            </a:solidFill>
+            <a:ln>
+              <a:noFill/>
+            </a:ln>
+          </p:spPr>
+          <p:style>
+            <a:lnRef idx="2">
+              <a:schemeClr val="accent1">
+                <a:shade val="50000"/>
+              </a:schemeClr>
+            </a:lnRef>
+            <a:fillRef idx="1">
+              <a:schemeClr val="accent1"/>
+            </a:fillRef>
+            <a:effectRef idx="0">
+              <a:schemeClr val="accent1"/>
+            </a:effectRef>
+            <a:fontRef idx="minor">
+              <a:schemeClr val="lt1"/>
+            </a:fontRef>
+          </p:style>
+          <p:txBody>
+            <a:bodyPr rtlCol="0" anchor="ctr"/>
+            <a:lstStyle/>
+            <a:p>
+              <a:pPr algn="r"/>
+              <a:endParaRPr lang="en-US" sz="1400" b="1" i="1" dirty="0">
+                <a:solidFill>
+                  <a:schemeClr val="tx1">
+                    <a:lumMod val="65000"/>
+                    <a:lumOff val="35000"/>
+                  </a:schemeClr>
+                </a:solidFill>
+                <a:latin typeface="+mj-lt"/>
+              </a:endParaRPr>
+            </a:p>
+          </p:txBody>
+        </p:sp>
+        <p:sp>
+          <p:nvSpPr>
+            <p:cNvPr id="12" name="TextBox 11"/>
+            <p:cNvSpPr txBox="1"/>
+            <p:nvPr/>
+          </p:nvSpPr>
+          <p:spPr>
+            <a:xfrm>
+              <a:off x="188780" y="-22510"/>
+              <a:ext cx="184731" cy="307777"/>
+            </a:xfrm>
+            <a:prstGeom prst="rect">
+              <a:avLst/>
+            </a:prstGeom>
+            <a:noFill/>
+          </p:spPr>
+          <p:txBody>
+            <a:bodyPr wrap="none" rtlCol="0">
+              <a:spAutoFit/>
+            </a:bodyPr>
+            <a:lstStyle/>
+            <a:p>
+              <a:endParaRPr lang="en-US" sz="1400" b="1" i="1" dirty="0">
+                <a:solidFill>
+                  <a:schemeClr val="tx1">
+                    <a:lumMod val="65000"/>
+                    <a:lumOff val="35000"/>
+                  </a:schemeClr>
+                </a:solidFill>
+                <a:latin typeface="+mj-lt"/>
+              </a:endParaRPr>
+            </a:p>
+          </p:txBody>
+        </p:sp>
+      </p:grpSp>
+      <p:sp>
+        <p:nvSpPr>
+          <p:cNvPr id="39" name="Title 1"/>
+          <p:cNvSpPr>
+            <a:spLocks noGrp="1"/>
+          </p:cNvSpPr>
+          <p:nvPr>
+            <p:ph type="title"/>
+          </p:nvPr>
+        </p:nvSpPr>
+        <p:spPr>
+          <a:xfrm>
+            <a:off x="706816" y="-22510"/>
+            <a:ext cx="10515600" cy="1325563"/>
+          </a:xfrm>
+        </p:spPr>
+        <p:txBody>
+          <a:bodyPr>
+            <a:normAutofit/>
+          </a:bodyPr>
+          <a:lstStyle/>
+          <a:p>
+            <a:r>
+              <a:rPr lang="en-US" sz="3600" dirty="0" smtClean="0"/>
+              <a:t>Drawbacks of NoSQL</a:t>
+            </a:r>
+            <a:endParaRPr lang="en-US" sz="3600" dirty="0"/>
+          </a:p>
+        </p:txBody>
+      </p:sp>
+      <p:sp>
+        <p:nvSpPr>
+          <p:cNvPr id="40" name="Content Placeholder 2"/>
+          <p:cNvSpPr txBox="1">
+            <a:spLocks/>
+          </p:cNvSpPr>
+          <p:nvPr/>
+        </p:nvSpPr>
+        <p:spPr>
+          <a:xfrm>
+            <a:off x="838200" y="1825625"/>
+            <a:ext cx="10515600" cy="4351338"/>
+          </a:xfrm>
+          <a:prstGeom prst="rect">
+            <a:avLst/>
+          </a:prstGeom>
+        </p:spPr>
+        <p:txBody>
+          <a:bodyPr vert="horz" lIns="91440" tIns="45720" rIns="91440" bIns="45720" rtlCol="0">
+            <a:normAutofit/>
+          </a:bodyPr>
+          <a:lstStyle>
+            <a:lvl1pPr marL="0" indent="0" algn="l" defTabSz="914400" rtl="0" eaLnBrk="1" latinLnBrk="0" hangingPunct="1">
+              <a:lnSpc>
+                <a:spcPct val="90000"/>
+              </a:lnSpc>
+              <a:spcBef>
+                <a:spcPts val="1000"/>
+              </a:spcBef>
+              <a:buFont typeface="Arial"/>
+              <a:buNone/>
+              <a:defRPr sz="2400" kern="1200">
+                <a:solidFill>
+                  <a:schemeClr val="tx1">
+                    <a:tint val="75000"/>
+                  </a:schemeClr>
+                </a:solidFill>
+                <a:latin typeface="+mn-lt"/>
+                <a:ea typeface="+mn-ea"/>
+                <a:cs typeface="+mn-cs"/>
+              </a:defRPr>
+            </a:lvl1pPr>
+            <a:lvl2pPr marL="457200" indent="0" algn="l" defTabSz="914400" rtl="0" eaLnBrk="1" latinLnBrk="0" hangingPunct="1">
+              <a:lnSpc>
+                <a:spcPct val="90000"/>
+              </a:lnSpc>
+              <a:spcBef>
+                <a:spcPts val="500"/>
+              </a:spcBef>
+              <a:buFont typeface="Arial"/>
+              <a:buNone/>
+              <a:defRPr sz="2000" kern="1200">
+                <a:solidFill>
+                  <a:schemeClr val="tx1">
+                    <a:tint val="75000"/>
+                  </a:schemeClr>
+                </a:solidFill>
+                <a:latin typeface="+mn-lt"/>
+                <a:ea typeface="+mn-ea"/>
+                <a:cs typeface="+mn-cs"/>
+              </a:defRPr>
+            </a:lvl2pPr>
+            <a:lvl3pPr marL="914400" indent="0" algn="l" defTabSz="914400" rtl="0" eaLnBrk="1" latinLnBrk="0" hangingPunct="1">
+              <a:lnSpc>
+                <a:spcPct val="90000"/>
+              </a:lnSpc>
+              <a:spcBef>
+                <a:spcPts val="500"/>
+              </a:spcBef>
+              <a:buFont typeface="Arial"/>
+              <a:buNone/>
+              <a:defRPr sz="1800" kern="1200">
+                <a:solidFill>
+                  <a:schemeClr val="tx1">
+                    <a:tint val="75000"/>
+                  </a:schemeClr>
+                </a:solidFill>
+                <a:latin typeface="+mn-lt"/>
+                <a:ea typeface="+mn-ea"/>
+                <a:cs typeface="+mn-cs"/>
+              </a:defRPr>
+            </a:lvl3pPr>
+            <a:lvl4pPr marL="1371600" indent="0" algn="l" defTabSz="914400" rtl="0" eaLnBrk="1" latinLnBrk="0" hangingPunct="1">
+              <a:lnSpc>
+                <a:spcPct val="90000"/>
+              </a:lnSpc>
+              <a:spcBef>
+                <a:spcPts val="500"/>
+              </a:spcBef>
+              <a:buFont typeface="Arial"/>
+              <a:buNone/>
+              <a:defRPr sz="1600" kern="1200">
+                <a:solidFill>
+                  <a:schemeClr val="tx1">
+                    <a:tint val="75000"/>
+                  </a:schemeClr>
+                </a:solidFill>
+                <a:latin typeface="+mn-lt"/>
+                <a:ea typeface="+mn-ea"/>
+                <a:cs typeface="+mn-cs"/>
+              </a:defRPr>
+            </a:lvl4pPr>
+            <a:lvl5pPr marL="1828800" indent="0" algn="l" defTabSz="914400" rtl="0" eaLnBrk="1" latinLnBrk="0" hangingPunct="1">
+              <a:lnSpc>
+                <a:spcPct val="90000"/>
+              </a:lnSpc>
+              <a:spcBef>
+                <a:spcPts val="500"/>
+              </a:spcBef>
+              <a:buFont typeface="Arial"/>
+              <a:buNone/>
+              <a:defRPr sz="1600" kern="1200">
+                <a:solidFill>
+                  <a:schemeClr val="tx1">
+                    <a:tint val="75000"/>
+                  </a:schemeClr>
+                </a:solidFill>
+                <a:latin typeface="+mn-lt"/>
+                <a:ea typeface="+mn-ea"/>
+                <a:cs typeface="+mn-cs"/>
+              </a:defRPr>
+            </a:lvl5pPr>
+            <a:lvl6pPr marL="2286000" indent="0" algn="l" defTabSz="914400" rtl="0" eaLnBrk="1" latinLnBrk="0" hangingPunct="1">
+              <a:lnSpc>
+                <a:spcPct val="90000"/>
+              </a:lnSpc>
+              <a:spcBef>
+                <a:spcPts val="500"/>
+              </a:spcBef>
+              <a:buFont typeface="Arial"/>
+              <a:buNone/>
+              <a:defRPr sz="1600" kern="1200">
+                <a:solidFill>
+                  <a:schemeClr val="tx1">
+                    <a:tint val="75000"/>
+                  </a:schemeClr>
+                </a:solidFill>
+                <a:latin typeface="+mn-lt"/>
+                <a:ea typeface="+mn-ea"/>
+                <a:cs typeface="+mn-cs"/>
+              </a:defRPr>
+            </a:lvl6pPr>
+            <a:lvl7pPr marL="2743200" indent="0" algn="l" defTabSz="914400" rtl="0" eaLnBrk="1" latinLnBrk="0" hangingPunct="1">
+              <a:lnSpc>
+                <a:spcPct val="90000"/>
+              </a:lnSpc>
+              <a:spcBef>
+                <a:spcPts val="500"/>
+              </a:spcBef>
+              <a:buFont typeface="Arial"/>
+              <a:buNone/>
+              <a:defRPr sz="1600" kern="1200">
+                <a:solidFill>
+                  <a:schemeClr val="tx1">
+                    <a:tint val="75000"/>
+                  </a:schemeClr>
+                </a:solidFill>
+                <a:latin typeface="+mn-lt"/>
+                <a:ea typeface="+mn-ea"/>
+                <a:cs typeface="+mn-cs"/>
+              </a:defRPr>
+            </a:lvl7pPr>
+            <a:lvl8pPr marL="3200400" indent="0" algn="l" defTabSz="914400" rtl="0" eaLnBrk="1" latinLnBrk="0" hangingPunct="1">
+              <a:lnSpc>
+                <a:spcPct val="90000"/>
+              </a:lnSpc>
+              <a:spcBef>
+                <a:spcPts val="500"/>
+              </a:spcBef>
+              <a:buFont typeface="Arial"/>
+              <a:buNone/>
+              <a:defRPr sz="1600" kern="1200">
+                <a:solidFill>
+                  <a:schemeClr val="tx1">
+                    <a:tint val="75000"/>
+                  </a:schemeClr>
+                </a:solidFill>
+                <a:latin typeface="+mn-lt"/>
+                <a:ea typeface="+mn-ea"/>
+                <a:cs typeface="+mn-cs"/>
+              </a:defRPr>
+            </a:lvl8pPr>
+            <a:lvl9pPr marL="3657600" indent="0" algn="l" defTabSz="914400" rtl="0" eaLnBrk="1" latinLnBrk="0" hangingPunct="1">
+              <a:lnSpc>
+                <a:spcPct val="90000"/>
+              </a:lnSpc>
+              <a:spcBef>
+                <a:spcPts val="500"/>
+              </a:spcBef>
+              <a:buFont typeface="Arial"/>
+              <a:buNone/>
+              <a:defRPr sz="1600" kern="1200">
+                <a:solidFill>
+                  <a:schemeClr val="tx1">
+                    <a:tint val="75000"/>
+                  </a:schemeClr>
+                </a:solidFill>
+                <a:latin typeface="+mn-lt"/>
+                <a:ea typeface="+mn-ea"/>
+                <a:cs typeface="+mn-cs"/>
+              </a:defRPr>
+            </a:lvl9pPr>
+          </a:lstStyle>
+          <a:p>
+            <a:pPr marL="571500" indent="-571500">
+              <a:buFont typeface="Arial" charset="0"/>
+              <a:buChar char="•"/>
+            </a:pPr>
+            <a:endParaRPr lang="en-US" dirty="0">
+              <a:solidFill>
+                <a:schemeClr val="tx1"/>
+              </a:solidFill>
+              <a:latin typeface="+mj-lt"/>
+            </a:endParaRPr>
+          </a:p>
+        </p:txBody>
+      </p:sp>
+      <p:pic>
+        <p:nvPicPr>
+          <p:cNvPr id="2" name="Picture 1"/>
+          <p:cNvPicPr>
+            <a:picLocks noChangeAspect="1"/>
+          </p:cNvPicPr>
+          <p:nvPr/>
+        </p:nvPicPr>
+        <p:blipFill>
+          <a:blip r:embed="rId2"/>
+          <a:stretch>
+            <a:fillRect/>
+          </a:stretch>
+        </p:blipFill>
+        <p:spPr>
+          <a:xfrm>
+            <a:off x="1289050" y="1032360"/>
+            <a:ext cx="9613900" cy="5537200"/>
+          </a:xfrm>
+          <a:prstGeom prst="rect">
+            <a:avLst/>
+          </a:prstGeom>
+        </p:spPr>
+      </p:pic>
+    </p:spTree>
+    <p:extLst>
+      <p:ext uri="{BB962C8B-B14F-4D97-AF65-F5344CB8AC3E}">
+        <p14:creationId xmlns:p14="http://schemas.microsoft.com/office/powerpoint/2010/main" val="1718114467"/>
+      </p:ext>
+    </p:extLst>
+  </p:cSld>
+  <p:clrMapOvr>
+    <a:masterClrMapping/>
+  </p:clrMapOvr>
+</p:sld>
+</file>
+
+<file path=ppt/slides/slide42.xml><?xml version="1.0" encoding="utf-8"?>
+<p:sld xmlns:a="http://schemas.openxmlformats.org/drawingml/2006/main" xmlns:r="http://schemas.openxmlformats.org/officeDocument/2006/relationships" xmlns:p="http://schemas.openxmlformats.org/presentationml/2006/main">
+  <p:cSld>
+    <p:spTree>
+      <p:nvGrpSpPr>
+        <p:cNvPr id="1" name=""/>
+        <p:cNvGrpSpPr/>
+        <p:nvPr/>
+      </p:nvGrpSpPr>
+      <p:grpSpPr>
+        <a:xfrm>
+          <a:off x="0" y="0"/>
+          <a:ext cx="0" cy="0"/>
+          <a:chOff x="0" y="0"/>
+          <a:chExt cx="0" cy="0"/>
+        </a:xfrm>
+      </p:grpSpPr>
+      <p:grpSp>
+        <p:nvGrpSpPr>
+          <p:cNvPr id="10" name="Group 9"/>
+          <p:cNvGrpSpPr/>
+          <p:nvPr/>
+        </p:nvGrpSpPr>
+        <p:grpSpPr>
+          <a:xfrm>
+            <a:off x="0" y="-22510"/>
+            <a:ext cx="12192000" cy="307777"/>
+            <a:chOff x="0" y="-22510"/>
+            <a:chExt cx="12192000" cy="307777"/>
+          </a:xfrm>
+        </p:grpSpPr>
+        <p:sp>
+          <p:nvSpPr>
+            <p:cNvPr id="11" name="Rectangle 10"/>
+            <p:cNvSpPr/>
+            <p:nvPr/>
+          </p:nvSpPr>
+          <p:spPr>
+            <a:xfrm>
+              <a:off x="0" y="0"/>
+              <a:ext cx="12192000" cy="262759"/>
+            </a:xfrm>
+            <a:prstGeom prst="rect">
+              <a:avLst/>
+            </a:prstGeom>
+            <a:solidFill>
+              <a:schemeClr val="bg2"/>
+            </a:solidFill>
+            <a:ln>
+              <a:noFill/>
+            </a:ln>
+          </p:spPr>
+          <p:style>
+            <a:lnRef idx="2">
+              <a:schemeClr val="accent1">
+                <a:shade val="50000"/>
+              </a:schemeClr>
+            </a:lnRef>
+            <a:fillRef idx="1">
+              <a:schemeClr val="accent1"/>
+            </a:fillRef>
+            <a:effectRef idx="0">
+              <a:schemeClr val="accent1"/>
+            </a:effectRef>
+            <a:fontRef idx="minor">
+              <a:schemeClr val="lt1"/>
+            </a:fontRef>
+          </p:style>
+          <p:txBody>
+            <a:bodyPr rtlCol="0" anchor="ctr"/>
+            <a:lstStyle/>
+            <a:p>
+              <a:pPr algn="r"/>
+              <a:endParaRPr lang="en-US" sz="1400" b="1" i="1" dirty="0">
+                <a:solidFill>
+                  <a:schemeClr val="tx1">
+                    <a:lumMod val="65000"/>
+                    <a:lumOff val="35000"/>
+                  </a:schemeClr>
+                </a:solidFill>
+                <a:latin typeface="+mj-lt"/>
+              </a:endParaRPr>
+            </a:p>
+          </p:txBody>
+        </p:sp>
+        <p:sp>
+          <p:nvSpPr>
+            <p:cNvPr id="12" name="TextBox 11"/>
+            <p:cNvSpPr txBox="1"/>
+            <p:nvPr/>
+          </p:nvSpPr>
+          <p:spPr>
+            <a:xfrm>
+              <a:off x="188780" y="-22510"/>
+              <a:ext cx="184731" cy="307777"/>
+            </a:xfrm>
+            <a:prstGeom prst="rect">
+              <a:avLst/>
+            </a:prstGeom>
+            <a:noFill/>
+          </p:spPr>
+          <p:txBody>
+            <a:bodyPr wrap="none" rtlCol="0">
+              <a:spAutoFit/>
+            </a:bodyPr>
+            <a:lstStyle/>
+            <a:p>
+              <a:endParaRPr lang="en-US" sz="1400" b="1" i="1" dirty="0">
+                <a:solidFill>
+                  <a:schemeClr val="tx1">
+                    <a:lumMod val="65000"/>
+                    <a:lumOff val="35000"/>
+                  </a:schemeClr>
+                </a:solidFill>
+                <a:latin typeface="+mj-lt"/>
+              </a:endParaRPr>
+            </a:p>
+          </p:txBody>
+        </p:sp>
+      </p:grpSp>
+      <p:sp>
+        <p:nvSpPr>
+          <p:cNvPr id="39" name="Title 1"/>
+          <p:cNvSpPr>
+            <a:spLocks noGrp="1"/>
+          </p:cNvSpPr>
+          <p:nvPr>
+            <p:ph type="title"/>
+          </p:nvPr>
+        </p:nvSpPr>
+        <p:spPr>
+          <a:xfrm>
+            <a:off x="706816" y="-22510"/>
+            <a:ext cx="10515600" cy="1325563"/>
+          </a:xfrm>
+        </p:spPr>
+        <p:txBody>
+          <a:bodyPr>
+            <a:normAutofit/>
+          </a:bodyPr>
+          <a:lstStyle/>
+          <a:p>
+            <a:r>
+              <a:rPr lang="en-US" sz="3600" dirty="0" smtClean="0"/>
+              <a:t>Drawbacks of NoSQL</a:t>
+            </a:r>
+            <a:endParaRPr lang="en-US" sz="3600" dirty="0"/>
+          </a:p>
+        </p:txBody>
+      </p:sp>
+      <p:sp>
+        <p:nvSpPr>
+          <p:cNvPr id="40" name="Content Placeholder 2"/>
+          <p:cNvSpPr txBox="1">
+            <a:spLocks/>
+          </p:cNvSpPr>
+          <p:nvPr/>
+        </p:nvSpPr>
+        <p:spPr>
+          <a:xfrm>
+            <a:off x="838200" y="1825625"/>
+            <a:ext cx="10515600" cy="4351338"/>
+          </a:xfrm>
+          <a:prstGeom prst="rect">
+            <a:avLst/>
+          </a:prstGeom>
+        </p:spPr>
+        <p:txBody>
+          <a:bodyPr vert="horz" lIns="91440" tIns="45720" rIns="91440" bIns="45720" rtlCol="0">
+            <a:normAutofit/>
+          </a:bodyPr>
+          <a:lstStyle>
+            <a:lvl1pPr marL="0" indent="0" algn="l" defTabSz="914400" rtl="0" eaLnBrk="1" latinLnBrk="0" hangingPunct="1">
+              <a:lnSpc>
+                <a:spcPct val="90000"/>
+              </a:lnSpc>
+              <a:spcBef>
+                <a:spcPts val="1000"/>
+              </a:spcBef>
+              <a:buFont typeface="Arial"/>
+              <a:buNone/>
+              <a:defRPr sz="2400" kern="1200">
+                <a:solidFill>
+                  <a:schemeClr val="tx1">
+                    <a:tint val="75000"/>
+                  </a:schemeClr>
+                </a:solidFill>
+                <a:latin typeface="+mn-lt"/>
+                <a:ea typeface="+mn-ea"/>
+                <a:cs typeface="+mn-cs"/>
+              </a:defRPr>
+            </a:lvl1pPr>
+            <a:lvl2pPr marL="457200" indent="0" algn="l" defTabSz="914400" rtl="0" eaLnBrk="1" latinLnBrk="0" hangingPunct="1">
+              <a:lnSpc>
+                <a:spcPct val="90000"/>
+              </a:lnSpc>
+              <a:spcBef>
+                <a:spcPts val="500"/>
+              </a:spcBef>
+              <a:buFont typeface="Arial"/>
+              <a:buNone/>
+              <a:defRPr sz="2000" kern="1200">
+                <a:solidFill>
+                  <a:schemeClr val="tx1">
+                    <a:tint val="75000"/>
+                  </a:schemeClr>
+                </a:solidFill>
+                <a:latin typeface="+mn-lt"/>
+                <a:ea typeface="+mn-ea"/>
+                <a:cs typeface="+mn-cs"/>
+              </a:defRPr>
+            </a:lvl2pPr>
+            <a:lvl3pPr marL="914400" indent="0" algn="l" defTabSz="914400" rtl="0" eaLnBrk="1" latinLnBrk="0" hangingPunct="1">
+              <a:lnSpc>
+                <a:spcPct val="90000"/>
+              </a:lnSpc>
+              <a:spcBef>
+                <a:spcPts val="500"/>
+              </a:spcBef>
+              <a:buFont typeface="Arial"/>
+              <a:buNone/>
+              <a:defRPr sz="1800" kern="1200">
+                <a:solidFill>
+                  <a:schemeClr val="tx1">
+                    <a:tint val="75000"/>
+                  </a:schemeClr>
+                </a:solidFill>
+                <a:latin typeface="+mn-lt"/>
+                <a:ea typeface="+mn-ea"/>
+                <a:cs typeface="+mn-cs"/>
+              </a:defRPr>
+            </a:lvl3pPr>
+            <a:lvl4pPr marL="1371600" indent="0" algn="l" defTabSz="914400" rtl="0" eaLnBrk="1" latinLnBrk="0" hangingPunct="1">
+              <a:lnSpc>
+                <a:spcPct val="90000"/>
+              </a:lnSpc>
+              <a:spcBef>
+                <a:spcPts val="500"/>
+              </a:spcBef>
+              <a:buFont typeface="Arial"/>
+              <a:buNone/>
+              <a:defRPr sz="1600" kern="1200">
+                <a:solidFill>
+                  <a:schemeClr val="tx1">
+                    <a:tint val="75000"/>
+                  </a:schemeClr>
+                </a:solidFill>
+                <a:latin typeface="+mn-lt"/>
+                <a:ea typeface="+mn-ea"/>
+                <a:cs typeface="+mn-cs"/>
+              </a:defRPr>
+            </a:lvl4pPr>
+            <a:lvl5pPr marL="1828800" indent="0" algn="l" defTabSz="914400" rtl="0" eaLnBrk="1" latinLnBrk="0" hangingPunct="1">
+              <a:lnSpc>
+                <a:spcPct val="90000"/>
+              </a:lnSpc>
+              <a:spcBef>
+                <a:spcPts val="500"/>
+              </a:spcBef>
+              <a:buFont typeface="Arial"/>
+              <a:buNone/>
+              <a:defRPr sz="1600" kern="1200">
+                <a:solidFill>
+                  <a:schemeClr val="tx1">
+                    <a:tint val="75000"/>
+                  </a:schemeClr>
+                </a:solidFill>
+                <a:latin typeface="+mn-lt"/>
+                <a:ea typeface="+mn-ea"/>
+                <a:cs typeface="+mn-cs"/>
+              </a:defRPr>
+            </a:lvl5pPr>
+            <a:lvl6pPr marL="2286000" indent="0" algn="l" defTabSz="914400" rtl="0" eaLnBrk="1" latinLnBrk="0" hangingPunct="1">
+              <a:lnSpc>
+                <a:spcPct val="90000"/>
+              </a:lnSpc>
+              <a:spcBef>
+                <a:spcPts val="500"/>
+              </a:spcBef>
+              <a:buFont typeface="Arial"/>
+              <a:buNone/>
+              <a:defRPr sz="1600" kern="1200">
+                <a:solidFill>
+                  <a:schemeClr val="tx1">
+                    <a:tint val="75000"/>
+                  </a:schemeClr>
+                </a:solidFill>
+                <a:latin typeface="+mn-lt"/>
+                <a:ea typeface="+mn-ea"/>
+                <a:cs typeface="+mn-cs"/>
+              </a:defRPr>
+            </a:lvl6pPr>
+            <a:lvl7pPr marL="2743200" indent="0" algn="l" defTabSz="914400" rtl="0" eaLnBrk="1" latinLnBrk="0" hangingPunct="1">
+              <a:lnSpc>
+                <a:spcPct val="90000"/>
+              </a:lnSpc>
+              <a:spcBef>
+                <a:spcPts val="500"/>
+              </a:spcBef>
+              <a:buFont typeface="Arial"/>
+              <a:buNone/>
+              <a:defRPr sz="1600" kern="1200">
+                <a:solidFill>
+                  <a:schemeClr val="tx1">
+                    <a:tint val="75000"/>
+                  </a:schemeClr>
+                </a:solidFill>
+                <a:latin typeface="+mn-lt"/>
+                <a:ea typeface="+mn-ea"/>
+                <a:cs typeface="+mn-cs"/>
+              </a:defRPr>
+            </a:lvl7pPr>
+            <a:lvl8pPr marL="3200400" indent="0" algn="l" defTabSz="914400" rtl="0" eaLnBrk="1" latinLnBrk="0" hangingPunct="1">
+              <a:lnSpc>
+                <a:spcPct val="90000"/>
+              </a:lnSpc>
+              <a:spcBef>
+                <a:spcPts val="500"/>
+              </a:spcBef>
+              <a:buFont typeface="Arial"/>
+              <a:buNone/>
+              <a:defRPr sz="1600" kern="1200">
+                <a:solidFill>
+                  <a:schemeClr val="tx1">
+                    <a:tint val="75000"/>
+                  </a:schemeClr>
+                </a:solidFill>
+                <a:latin typeface="+mn-lt"/>
+                <a:ea typeface="+mn-ea"/>
+                <a:cs typeface="+mn-cs"/>
+              </a:defRPr>
+            </a:lvl8pPr>
+            <a:lvl9pPr marL="3657600" indent="0" algn="l" defTabSz="914400" rtl="0" eaLnBrk="1" latinLnBrk="0" hangingPunct="1">
+              <a:lnSpc>
+                <a:spcPct val="90000"/>
+              </a:lnSpc>
+              <a:spcBef>
+                <a:spcPts val="500"/>
+              </a:spcBef>
+              <a:buFont typeface="Arial"/>
+              <a:buNone/>
+              <a:defRPr sz="1600" kern="1200">
+                <a:solidFill>
+                  <a:schemeClr val="tx1">
+                    <a:tint val="75000"/>
+                  </a:schemeClr>
+                </a:solidFill>
+                <a:latin typeface="+mn-lt"/>
+                <a:ea typeface="+mn-ea"/>
+                <a:cs typeface="+mn-cs"/>
+              </a:defRPr>
+            </a:lvl9pPr>
+          </a:lstStyle>
+          <a:p>
+            <a:pPr marL="571500" indent="-571500">
+              <a:buFont typeface="Arial" charset="0"/>
+              <a:buChar char="•"/>
+            </a:pPr>
+            <a:endParaRPr lang="en-US" dirty="0">
+              <a:solidFill>
+                <a:schemeClr val="tx1"/>
+              </a:solidFill>
+              <a:latin typeface="+mj-lt"/>
+            </a:endParaRPr>
+          </a:p>
+        </p:txBody>
+      </p:sp>
+      <p:pic>
+        <p:nvPicPr>
+          <p:cNvPr id="3" name="Picture 2"/>
+          <p:cNvPicPr>
+            <a:picLocks noChangeAspect="1"/>
+          </p:cNvPicPr>
+          <p:nvPr/>
+        </p:nvPicPr>
+        <p:blipFill>
+          <a:blip r:embed="rId2"/>
+          <a:stretch>
+            <a:fillRect/>
+          </a:stretch>
+        </p:blipFill>
+        <p:spPr>
+          <a:xfrm>
+            <a:off x="1970222" y="902225"/>
+            <a:ext cx="8677114" cy="5431737"/>
+          </a:xfrm>
+          <a:prstGeom prst="rect">
+            <a:avLst/>
+          </a:prstGeom>
+        </p:spPr>
+      </p:pic>
+    </p:spTree>
+    <p:extLst>
+      <p:ext uri="{BB962C8B-B14F-4D97-AF65-F5344CB8AC3E}">
+        <p14:creationId xmlns:p14="http://schemas.microsoft.com/office/powerpoint/2010/main" val="1284729307"/>
+      </p:ext>
+    </p:extLst>
+  </p:cSld>
+  <p:clrMapOvr>
+    <a:masterClrMapping/>
+  </p:clrMapOvr>
+</p:sld>
+</file>
+
+<file path=ppt/slides/slide43.xml><?xml version="1.0" encoding="utf-8"?>
+<p:sld xmlns:a="http://schemas.openxmlformats.org/drawingml/2006/main" xmlns:r="http://schemas.openxmlformats.org/officeDocument/2006/relationships" xmlns:p="http://schemas.openxmlformats.org/presentationml/2006/main">
+  <p:cSld>
+    <p:spTree>
+      <p:nvGrpSpPr>
+        <p:cNvPr id="1" name=""/>
+        <p:cNvGrpSpPr/>
+        <p:nvPr/>
+      </p:nvGrpSpPr>
+      <p:grpSpPr>
+        <a:xfrm>
+          <a:off x="0" y="0"/>
+          <a:ext cx="0" cy="0"/>
+          <a:chOff x="0" y="0"/>
+          <a:chExt cx="0" cy="0"/>
+        </a:xfrm>
+      </p:grpSpPr>
+      <p:grpSp>
+        <p:nvGrpSpPr>
+          <p:cNvPr id="10" name="Group 9"/>
+          <p:cNvGrpSpPr/>
+          <p:nvPr/>
+        </p:nvGrpSpPr>
+        <p:grpSpPr>
+          <a:xfrm>
+            <a:off x="0" y="-22510"/>
+            <a:ext cx="12192000" cy="307777"/>
+            <a:chOff x="0" y="-22510"/>
+            <a:chExt cx="12192000" cy="307777"/>
+          </a:xfrm>
+        </p:grpSpPr>
+        <p:sp>
+          <p:nvSpPr>
+            <p:cNvPr id="11" name="Rectangle 10"/>
+            <p:cNvSpPr/>
+            <p:nvPr/>
+          </p:nvSpPr>
+          <p:spPr>
+            <a:xfrm>
+              <a:off x="0" y="0"/>
+              <a:ext cx="12192000" cy="262759"/>
+            </a:xfrm>
+            <a:prstGeom prst="rect">
+              <a:avLst/>
+            </a:prstGeom>
+            <a:solidFill>
+              <a:schemeClr val="bg2"/>
+            </a:solidFill>
+            <a:ln>
+              <a:noFill/>
+            </a:ln>
+          </p:spPr>
+          <p:style>
+            <a:lnRef idx="2">
+              <a:schemeClr val="accent1">
+                <a:shade val="50000"/>
+              </a:schemeClr>
+            </a:lnRef>
+            <a:fillRef idx="1">
+              <a:schemeClr val="accent1"/>
+            </a:fillRef>
+            <a:effectRef idx="0">
+              <a:schemeClr val="accent1"/>
+            </a:effectRef>
+            <a:fontRef idx="minor">
+              <a:schemeClr val="lt1"/>
+            </a:fontRef>
+          </p:style>
+          <p:txBody>
+            <a:bodyPr rtlCol="0" anchor="ctr"/>
+            <a:lstStyle/>
+            <a:p>
+              <a:pPr algn="r"/>
+              <a:endParaRPr lang="en-US" sz="1400" b="1" i="1" dirty="0">
+                <a:solidFill>
+                  <a:schemeClr val="tx1">
+                    <a:lumMod val="65000"/>
+                    <a:lumOff val="35000"/>
+                  </a:schemeClr>
+                </a:solidFill>
+                <a:latin typeface="+mj-lt"/>
+              </a:endParaRPr>
+            </a:p>
+          </p:txBody>
+        </p:sp>
+        <p:sp>
+          <p:nvSpPr>
+            <p:cNvPr id="12" name="TextBox 11"/>
+            <p:cNvSpPr txBox="1"/>
+            <p:nvPr/>
+          </p:nvSpPr>
+          <p:spPr>
+            <a:xfrm>
+              <a:off x="188780" y="-22510"/>
+              <a:ext cx="184731" cy="307777"/>
+            </a:xfrm>
+            <a:prstGeom prst="rect">
+              <a:avLst/>
+            </a:prstGeom>
+            <a:noFill/>
+          </p:spPr>
+          <p:txBody>
+            <a:bodyPr wrap="none" rtlCol="0">
+              <a:spAutoFit/>
+            </a:bodyPr>
+            <a:lstStyle/>
+            <a:p>
+              <a:endParaRPr lang="en-US" sz="1400" b="1" i="1" dirty="0">
+                <a:solidFill>
+                  <a:schemeClr val="tx1">
+                    <a:lumMod val="65000"/>
+                    <a:lumOff val="35000"/>
+                  </a:schemeClr>
+                </a:solidFill>
+                <a:latin typeface="+mj-lt"/>
+              </a:endParaRPr>
+            </a:p>
+          </p:txBody>
+        </p:sp>
+      </p:grpSp>
+      <p:sp>
+        <p:nvSpPr>
+          <p:cNvPr id="39" name="Title 1"/>
+          <p:cNvSpPr>
+            <a:spLocks noGrp="1"/>
+          </p:cNvSpPr>
+          <p:nvPr>
+            <p:ph type="title"/>
+          </p:nvPr>
+        </p:nvSpPr>
+        <p:spPr>
+          <a:xfrm>
+            <a:off x="706816" y="-22510"/>
+            <a:ext cx="10515600" cy="1325563"/>
+          </a:xfrm>
+        </p:spPr>
+        <p:txBody>
+          <a:bodyPr>
+            <a:normAutofit/>
+          </a:bodyPr>
+          <a:lstStyle/>
+          <a:p>
+            <a:r>
+              <a:rPr lang="en-US" sz="3600" dirty="0" smtClean="0"/>
+              <a:t>ACID or BASE</a:t>
+            </a:r>
+            <a:endParaRPr lang="en-US" sz="3600" dirty="0"/>
+          </a:p>
+        </p:txBody>
+      </p:sp>
+      <p:sp>
+        <p:nvSpPr>
+          <p:cNvPr id="40" name="Content Placeholder 2"/>
+          <p:cNvSpPr txBox="1">
+            <a:spLocks/>
+          </p:cNvSpPr>
+          <p:nvPr/>
+        </p:nvSpPr>
+        <p:spPr>
+          <a:xfrm>
+            <a:off x="838200" y="1825625"/>
+            <a:ext cx="10515600" cy="4351338"/>
+          </a:xfrm>
+          <a:prstGeom prst="rect">
+            <a:avLst/>
+          </a:prstGeom>
+        </p:spPr>
+        <p:txBody>
+          <a:bodyPr vert="horz" lIns="91440" tIns="45720" rIns="91440" bIns="45720" rtlCol="0">
+            <a:normAutofit/>
+          </a:bodyPr>
+          <a:lstStyle>
+            <a:lvl1pPr marL="0" indent="0" algn="l" defTabSz="914400" rtl="0" eaLnBrk="1" latinLnBrk="0" hangingPunct="1">
+              <a:lnSpc>
+                <a:spcPct val="90000"/>
+              </a:lnSpc>
+              <a:spcBef>
+                <a:spcPts val="1000"/>
+              </a:spcBef>
+              <a:buFont typeface="Arial"/>
+              <a:buNone/>
+              <a:defRPr sz="2400" kern="1200">
+                <a:solidFill>
+                  <a:schemeClr val="tx1">
+                    <a:tint val="75000"/>
+                  </a:schemeClr>
+                </a:solidFill>
+                <a:latin typeface="+mn-lt"/>
+                <a:ea typeface="+mn-ea"/>
+                <a:cs typeface="+mn-cs"/>
+              </a:defRPr>
+            </a:lvl1pPr>
+            <a:lvl2pPr marL="457200" indent="0" algn="l" defTabSz="914400" rtl="0" eaLnBrk="1" latinLnBrk="0" hangingPunct="1">
+              <a:lnSpc>
+                <a:spcPct val="90000"/>
+              </a:lnSpc>
+              <a:spcBef>
+                <a:spcPts val="500"/>
+              </a:spcBef>
+              <a:buFont typeface="Arial"/>
+              <a:buNone/>
+              <a:defRPr sz="2000" kern="1200">
+                <a:solidFill>
+                  <a:schemeClr val="tx1">
+                    <a:tint val="75000"/>
+                  </a:schemeClr>
+                </a:solidFill>
+                <a:latin typeface="+mn-lt"/>
+                <a:ea typeface="+mn-ea"/>
+                <a:cs typeface="+mn-cs"/>
+              </a:defRPr>
+            </a:lvl2pPr>
+            <a:lvl3pPr marL="914400" indent="0" algn="l" defTabSz="914400" rtl="0" eaLnBrk="1" latinLnBrk="0" hangingPunct="1">
+              <a:lnSpc>
+                <a:spcPct val="90000"/>
+              </a:lnSpc>
+              <a:spcBef>
+                <a:spcPts val="500"/>
+              </a:spcBef>
+              <a:buFont typeface="Arial"/>
+              <a:buNone/>
+              <a:defRPr sz="1800" kern="1200">
+                <a:solidFill>
+                  <a:schemeClr val="tx1">
+                    <a:tint val="75000"/>
+                  </a:schemeClr>
+                </a:solidFill>
+                <a:latin typeface="+mn-lt"/>
+                <a:ea typeface="+mn-ea"/>
+                <a:cs typeface="+mn-cs"/>
+              </a:defRPr>
+            </a:lvl3pPr>
+            <a:lvl4pPr marL="1371600" indent="0" algn="l" defTabSz="914400" rtl="0" eaLnBrk="1" latinLnBrk="0" hangingPunct="1">
+              <a:lnSpc>
+                <a:spcPct val="90000"/>
+              </a:lnSpc>
+              <a:spcBef>
+                <a:spcPts val="500"/>
+              </a:spcBef>
+              <a:buFont typeface="Arial"/>
+              <a:buNone/>
+              <a:defRPr sz="1600" kern="1200">
+                <a:solidFill>
+                  <a:schemeClr val="tx1">
+                    <a:tint val="75000"/>
+                  </a:schemeClr>
+                </a:solidFill>
+                <a:latin typeface="+mn-lt"/>
+                <a:ea typeface="+mn-ea"/>
+                <a:cs typeface="+mn-cs"/>
+              </a:defRPr>
+            </a:lvl4pPr>
+            <a:lvl5pPr marL="1828800" indent="0" algn="l" defTabSz="914400" rtl="0" eaLnBrk="1" latinLnBrk="0" hangingPunct="1">
+              <a:lnSpc>
+                <a:spcPct val="90000"/>
+              </a:lnSpc>
+              <a:spcBef>
+                <a:spcPts val="500"/>
+              </a:spcBef>
+              <a:buFont typeface="Arial"/>
+              <a:buNone/>
+              <a:defRPr sz="1600" kern="1200">
+                <a:solidFill>
+                  <a:schemeClr val="tx1">
+                    <a:tint val="75000"/>
+                  </a:schemeClr>
+                </a:solidFill>
+                <a:latin typeface="+mn-lt"/>
+                <a:ea typeface="+mn-ea"/>
+                <a:cs typeface="+mn-cs"/>
+              </a:defRPr>
+            </a:lvl5pPr>
+            <a:lvl6pPr marL="2286000" indent="0" algn="l" defTabSz="914400" rtl="0" eaLnBrk="1" latinLnBrk="0" hangingPunct="1">
+              <a:lnSpc>
+                <a:spcPct val="90000"/>
+              </a:lnSpc>
+              <a:spcBef>
+                <a:spcPts val="500"/>
+              </a:spcBef>
+              <a:buFont typeface="Arial"/>
+              <a:buNone/>
+              <a:defRPr sz="1600" kern="1200">
+                <a:solidFill>
+                  <a:schemeClr val="tx1">
+                    <a:tint val="75000"/>
+                  </a:schemeClr>
+                </a:solidFill>
+                <a:latin typeface="+mn-lt"/>
+                <a:ea typeface="+mn-ea"/>
+                <a:cs typeface="+mn-cs"/>
+              </a:defRPr>
+            </a:lvl6pPr>
+            <a:lvl7pPr marL="2743200" indent="0" algn="l" defTabSz="914400" rtl="0" eaLnBrk="1" latinLnBrk="0" hangingPunct="1">
+              <a:lnSpc>
+                <a:spcPct val="90000"/>
+              </a:lnSpc>
+              <a:spcBef>
+                <a:spcPts val="500"/>
+              </a:spcBef>
+              <a:buFont typeface="Arial"/>
+              <a:buNone/>
+              <a:defRPr sz="1600" kern="1200">
+                <a:solidFill>
+                  <a:schemeClr val="tx1">
+                    <a:tint val="75000"/>
+                  </a:schemeClr>
+                </a:solidFill>
+                <a:latin typeface="+mn-lt"/>
+                <a:ea typeface="+mn-ea"/>
+                <a:cs typeface="+mn-cs"/>
+              </a:defRPr>
+            </a:lvl7pPr>
+            <a:lvl8pPr marL="3200400" indent="0" algn="l" defTabSz="914400" rtl="0" eaLnBrk="1" latinLnBrk="0" hangingPunct="1">
+              <a:lnSpc>
+                <a:spcPct val="90000"/>
+              </a:lnSpc>
+              <a:spcBef>
+                <a:spcPts val="500"/>
+              </a:spcBef>
+              <a:buFont typeface="Arial"/>
+              <a:buNone/>
+              <a:defRPr sz="1600" kern="1200">
+                <a:solidFill>
+                  <a:schemeClr val="tx1">
+                    <a:tint val="75000"/>
+                  </a:schemeClr>
+                </a:solidFill>
+                <a:latin typeface="+mn-lt"/>
+                <a:ea typeface="+mn-ea"/>
+                <a:cs typeface="+mn-cs"/>
+              </a:defRPr>
+            </a:lvl8pPr>
+            <a:lvl9pPr marL="3657600" indent="0" algn="l" defTabSz="914400" rtl="0" eaLnBrk="1" latinLnBrk="0" hangingPunct="1">
+              <a:lnSpc>
+                <a:spcPct val="90000"/>
+              </a:lnSpc>
+              <a:spcBef>
+                <a:spcPts val="500"/>
+              </a:spcBef>
+              <a:buFont typeface="Arial"/>
+              <a:buNone/>
+              <a:defRPr sz="1600" kern="1200">
+                <a:solidFill>
+                  <a:schemeClr val="tx1">
+                    <a:tint val="75000"/>
+                  </a:schemeClr>
+                </a:solidFill>
+                <a:latin typeface="+mn-lt"/>
+                <a:ea typeface="+mn-ea"/>
+                <a:cs typeface="+mn-cs"/>
+              </a:defRPr>
+            </a:lvl9pPr>
+          </a:lstStyle>
+          <a:p>
+            <a:pPr marL="571500" indent="-571500">
+              <a:buFont typeface="Arial" charset="0"/>
+              <a:buChar char="•"/>
+            </a:pPr>
+            <a:endParaRPr lang="en-US" dirty="0">
+              <a:solidFill>
+                <a:schemeClr val="tx1"/>
+              </a:solidFill>
+              <a:latin typeface="+mj-lt"/>
+            </a:endParaRPr>
+          </a:p>
+        </p:txBody>
+      </p:sp>
+      <p:pic>
+        <p:nvPicPr>
+          <p:cNvPr id="2" name="Picture 1"/>
+          <p:cNvPicPr>
+            <a:picLocks noChangeAspect="1"/>
+          </p:cNvPicPr>
+          <p:nvPr/>
+        </p:nvPicPr>
+        <p:blipFill>
+          <a:blip r:embed="rId2"/>
+          <a:stretch>
+            <a:fillRect/>
+          </a:stretch>
+        </p:blipFill>
+        <p:spPr>
+          <a:xfrm>
+            <a:off x="1773257" y="863937"/>
+            <a:ext cx="8703597" cy="5854578"/>
+          </a:xfrm>
+          <a:prstGeom prst="rect">
+            <a:avLst/>
+          </a:prstGeom>
+        </p:spPr>
+      </p:pic>
+    </p:spTree>
+    <p:extLst>
+      <p:ext uri="{BB962C8B-B14F-4D97-AF65-F5344CB8AC3E}">
+        <p14:creationId xmlns:p14="http://schemas.microsoft.com/office/powerpoint/2010/main" val="1644875811"/>
+      </p:ext>
+    </p:extLst>
+  </p:cSld>
+  <p:clrMapOvr>
+    <a:masterClrMapping/>
+  </p:clrMapOvr>
+</p:sld>
+</file>
+
+<file path=ppt/slides/slide5.xml><?xml version="1.0" encoding="utf-8"?>
+<p:sld xmlns:a="http://schemas.openxmlformats.org/drawingml/2006/main" xmlns:r="http://schemas.openxmlformats.org/officeDocument/2006/relationships" xmlns:p="http://schemas.openxmlformats.org/presentationml/2006/main">
+  <p:cSld>
+    <p:spTree>
+      <p:nvGrpSpPr>
+        <p:cNvPr id="1" name=""/>
+        <p:cNvGrpSpPr/>
+        <p:nvPr/>
+      </p:nvGrpSpPr>
+      <p:grpSpPr>
+        <a:xfrm>
+          <a:off x="0" y="0"/>
+          <a:ext cx="0" cy="0"/>
+          <a:chOff x="0" y="0"/>
+          <a:chExt cx="0" cy="0"/>
+        </a:xfrm>
+      </p:grpSpPr>
+      <p:sp>
+        <p:nvSpPr>
+          <p:cNvPr id="2" name="Title 1"/>
+          <p:cNvSpPr>
+            <a:spLocks noGrp="1"/>
+          </p:cNvSpPr>
+          <p:nvPr>
+            <p:ph type="title"/>
+          </p:nvPr>
+        </p:nvSpPr>
+        <p:spPr>
+          <a:xfrm>
+            <a:off x="706816" y="-22510"/>
+            <a:ext cx="10515600" cy="1325563"/>
+          </a:xfrm>
+        </p:spPr>
+        <p:txBody>
+          <a:bodyPr>
+            <a:normAutofit/>
+          </a:bodyPr>
+          <a:lstStyle/>
+          <a:p>
+            <a:r>
+              <a:rPr lang="en-US" sz="3200" dirty="0"/>
+              <a:t>Recall: The Map Reduce Abstraction for Distributed Algorithms</a:t>
+            </a:r>
+          </a:p>
+        </p:txBody>
+      </p:sp>
+      <p:grpSp>
+        <p:nvGrpSpPr>
+          <p:cNvPr id="10" name="Group 9"/>
+          <p:cNvGrpSpPr/>
+          <p:nvPr/>
+        </p:nvGrpSpPr>
+        <p:grpSpPr>
+          <a:xfrm>
+            <a:off x="0" y="-22510"/>
+            <a:ext cx="12192000" cy="307777"/>
+            <a:chOff x="0" y="-22510"/>
+            <a:chExt cx="12192000" cy="307777"/>
+          </a:xfrm>
+        </p:grpSpPr>
+        <p:sp>
+          <p:nvSpPr>
+            <p:cNvPr id="11" name="Rectangle 10"/>
+            <p:cNvSpPr/>
+            <p:nvPr/>
+          </p:nvSpPr>
+          <p:spPr>
+            <a:xfrm>
+              <a:off x="0" y="0"/>
+              <a:ext cx="12192000" cy="262759"/>
+            </a:xfrm>
+            <a:prstGeom prst="rect">
+              <a:avLst/>
+            </a:prstGeom>
+            <a:solidFill>
+              <a:schemeClr val="bg2"/>
+            </a:solidFill>
+            <a:ln>
+              <a:noFill/>
+            </a:ln>
+          </p:spPr>
+          <p:style>
+            <a:lnRef idx="2">
+              <a:schemeClr val="accent1">
+                <a:shade val="50000"/>
+              </a:schemeClr>
+            </a:lnRef>
+            <a:fillRef idx="1">
+              <a:schemeClr val="accent1"/>
+            </a:fillRef>
+            <a:effectRef idx="0">
+              <a:schemeClr val="accent1"/>
+            </a:effectRef>
+            <a:fontRef idx="minor">
+              <a:schemeClr val="lt1"/>
+            </a:fontRef>
+          </p:style>
+          <p:txBody>
+            <a:bodyPr rtlCol="0" anchor="ctr"/>
+            <a:lstStyle/>
+            <a:p>
+              <a:pPr algn="r"/>
+              <a:endParaRPr lang="en-US" sz="1400" b="1" i="1" dirty="0">
+                <a:solidFill>
+                  <a:schemeClr val="tx1">
+                    <a:lumMod val="65000"/>
+                    <a:lumOff val="35000"/>
+                  </a:schemeClr>
+                </a:solidFill>
+                <a:latin typeface="+mj-lt"/>
+              </a:endParaRPr>
+            </a:p>
+          </p:txBody>
+        </p:sp>
+        <p:sp>
+          <p:nvSpPr>
+            <p:cNvPr id="12" name="TextBox 11"/>
+            <p:cNvSpPr txBox="1"/>
+            <p:nvPr/>
+          </p:nvSpPr>
+          <p:spPr>
+            <a:xfrm>
+              <a:off x="188780" y="-22510"/>
+              <a:ext cx="184731" cy="307777"/>
+            </a:xfrm>
+            <a:prstGeom prst="rect">
+              <a:avLst/>
+            </a:prstGeom>
+            <a:noFill/>
+          </p:spPr>
+          <p:txBody>
+            <a:bodyPr wrap="none" rtlCol="0">
+              <a:spAutoFit/>
+            </a:bodyPr>
+            <a:lstStyle/>
+            <a:p>
+              <a:endParaRPr lang="en-US" sz="1400" b="1" i="1" dirty="0">
+                <a:solidFill>
+                  <a:schemeClr val="tx1">
+                    <a:lumMod val="65000"/>
+                    <a:lumOff val="35000"/>
+                  </a:schemeClr>
+                </a:solidFill>
+                <a:latin typeface="+mj-lt"/>
+              </a:endParaRPr>
+            </a:p>
+          </p:txBody>
+        </p:sp>
+      </p:grpSp>
+      <p:sp>
+        <p:nvSpPr>
           <p:cNvPr id="3" name="Cylinder 2">
             <a:extLst>
               <a:ext uri="{FF2B5EF4-FFF2-40B4-BE49-F238E27FC236}">
-                <a16:creationId xmlns="" xmlns:a16="http://schemas.microsoft.com/office/drawing/2014/main" id="{CFF98527-8D83-BA4F-A4D1-2605928DE818}"/>
+                <a16:creationId xmlns:a16="http://schemas.microsoft.com/office/drawing/2014/main" xmlns="" id="{CFF98527-8D83-BA4F-A4D1-2605928DE818}"/>
               </a:ext>
             </a:extLst>
           </p:cNvPr>
@@ -13301,7 +18118,7 @@
           <p:cNvPr id="4" name="Cylinder 3">
             <a:extLst>
               <a:ext uri="{FF2B5EF4-FFF2-40B4-BE49-F238E27FC236}">
-                <a16:creationId xmlns="" xmlns:a16="http://schemas.microsoft.com/office/drawing/2014/main" id="{6BBFACA6-7454-154E-A141-2FD6357DF9D9}"/>
+                <a16:creationId xmlns:a16="http://schemas.microsoft.com/office/drawing/2014/main" xmlns="" id="{6BBFACA6-7454-154E-A141-2FD6357DF9D9}"/>
               </a:ext>
             </a:extLst>
           </p:cNvPr>
@@ -13347,7 +18164,7 @@
           <p:cNvPr id="5" name="Cylinder 4">
             <a:extLst>
               <a:ext uri="{FF2B5EF4-FFF2-40B4-BE49-F238E27FC236}">
-                <a16:creationId xmlns="" xmlns:a16="http://schemas.microsoft.com/office/drawing/2014/main" id="{B1E6F373-9643-8C41-B63F-2BF603E7E2A6}"/>
+                <a16:creationId xmlns:a16="http://schemas.microsoft.com/office/drawing/2014/main" xmlns="" id="{B1E6F373-9643-8C41-B63F-2BF603E7E2A6}"/>
               </a:ext>
             </a:extLst>
           </p:cNvPr>
@@ -13393,7 +18210,7 @@
           <p:cNvPr id="6" name="Cylinder 5">
             <a:extLst>
               <a:ext uri="{FF2B5EF4-FFF2-40B4-BE49-F238E27FC236}">
-                <a16:creationId xmlns="" xmlns:a16="http://schemas.microsoft.com/office/drawing/2014/main" id="{31E00E6B-C6A5-6F43-B030-457A8ED5F84E}"/>
+                <a16:creationId xmlns:a16="http://schemas.microsoft.com/office/drawing/2014/main" xmlns="" id="{31E00E6B-C6A5-6F43-B030-457A8ED5F84E}"/>
               </a:ext>
             </a:extLst>
           </p:cNvPr>
@@ -13439,7 +18256,7 @@
           <p:cNvPr id="7" name="Cylinder 6">
             <a:extLst>
               <a:ext uri="{FF2B5EF4-FFF2-40B4-BE49-F238E27FC236}">
-                <a16:creationId xmlns="" xmlns:a16="http://schemas.microsoft.com/office/drawing/2014/main" id="{E3B6E782-8122-8244-9D34-08671B6EBAEC}"/>
+                <a16:creationId xmlns:a16="http://schemas.microsoft.com/office/drawing/2014/main" xmlns="" id="{E3B6E782-8122-8244-9D34-08671B6EBAEC}"/>
               </a:ext>
             </a:extLst>
           </p:cNvPr>
@@ -13485,7 +18302,7 @@
           <p:cNvPr id="9" name="Cylinder 8">
             <a:extLst>
               <a:ext uri="{FF2B5EF4-FFF2-40B4-BE49-F238E27FC236}">
-                <a16:creationId xmlns="" xmlns:a16="http://schemas.microsoft.com/office/drawing/2014/main" id="{44498428-8269-C941-B34F-F977F46903DF}"/>
+                <a16:creationId xmlns:a16="http://schemas.microsoft.com/office/drawing/2014/main" xmlns="" id="{44498428-8269-C941-B34F-F977F46903DF}"/>
               </a:ext>
             </a:extLst>
           </p:cNvPr>
@@ -13531,7 +18348,7 @@
           <p:cNvPr id="21" name="Rectangle 20">
             <a:extLst>
               <a:ext uri="{FF2B5EF4-FFF2-40B4-BE49-F238E27FC236}">
-                <a16:creationId xmlns="" xmlns:a16="http://schemas.microsoft.com/office/drawing/2014/main" id="{4ED2C895-0A5F-1E4D-BEE1-6DD4C22C275B}"/>
+                <a16:creationId xmlns:a16="http://schemas.microsoft.com/office/drawing/2014/main" xmlns="" id="{4ED2C895-0A5F-1E4D-BEE1-6DD4C22C275B}"/>
               </a:ext>
             </a:extLst>
           </p:cNvPr>
@@ -13575,7 +18392,7 @@
           <p:cNvPr id="22" name="Rectangle 21">
             <a:extLst>
               <a:ext uri="{FF2B5EF4-FFF2-40B4-BE49-F238E27FC236}">
-                <a16:creationId xmlns="" xmlns:a16="http://schemas.microsoft.com/office/drawing/2014/main" id="{0FC7B62D-DA4F-404F-90F6-15983EC29421}"/>
+                <a16:creationId xmlns:a16="http://schemas.microsoft.com/office/drawing/2014/main" xmlns="" id="{0FC7B62D-DA4F-404F-90F6-15983EC29421}"/>
               </a:ext>
             </a:extLst>
           </p:cNvPr>
@@ -13619,7 +18436,7 @@
           <p:cNvPr id="23" name="Rectangle 22">
             <a:extLst>
               <a:ext uri="{FF2B5EF4-FFF2-40B4-BE49-F238E27FC236}">
-                <a16:creationId xmlns="" xmlns:a16="http://schemas.microsoft.com/office/drawing/2014/main" id="{9882780A-BBC7-E14C-AB82-1B2DB61CC903}"/>
+                <a16:creationId xmlns:a16="http://schemas.microsoft.com/office/drawing/2014/main" xmlns="" id="{9882780A-BBC7-E14C-AB82-1B2DB61CC903}"/>
               </a:ext>
             </a:extLst>
           </p:cNvPr>
@@ -13663,7 +18480,7 @@
           <p:cNvPr id="24" name="Rectangle 23">
             <a:extLst>
               <a:ext uri="{FF2B5EF4-FFF2-40B4-BE49-F238E27FC236}">
-                <a16:creationId xmlns="" xmlns:a16="http://schemas.microsoft.com/office/drawing/2014/main" id="{F9A83888-58D6-A645-981E-33AEC6411930}"/>
+                <a16:creationId xmlns:a16="http://schemas.microsoft.com/office/drawing/2014/main" xmlns="" id="{F9A83888-58D6-A645-981E-33AEC6411930}"/>
               </a:ext>
             </a:extLst>
           </p:cNvPr>
@@ -13707,7 +18524,7 @@
           <p:cNvPr id="26" name="TextBox 25">
             <a:extLst>
               <a:ext uri="{FF2B5EF4-FFF2-40B4-BE49-F238E27FC236}">
-                <a16:creationId xmlns="" xmlns:a16="http://schemas.microsoft.com/office/drawing/2014/main" id="{0B158CAF-8FB7-474B-9710-B819EE5A4EEA}"/>
+                <a16:creationId xmlns:a16="http://schemas.microsoft.com/office/drawing/2014/main" xmlns="" id="{0B158CAF-8FB7-474B-9710-B819EE5A4EEA}"/>
               </a:ext>
             </a:extLst>
           </p:cNvPr>
@@ -13743,7 +18560,7 @@
           <p:cNvPr id="27" name="TextBox 26">
             <a:extLst>
               <a:ext uri="{FF2B5EF4-FFF2-40B4-BE49-F238E27FC236}">
-                <a16:creationId xmlns="" xmlns:a16="http://schemas.microsoft.com/office/drawing/2014/main" id="{CCF0D223-5BCE-0E41-83A3-366B0005A6A8}"/>
+                <a16:creationId xmlns:a16="http://schemas.microsoft.com/office/drawing/2014/main" xmlns="" id="{CCF0D223-5BCE-0E41-83A3-366B0005A6A8}"/>
               </a:ext>
             </a:extLst>
           </p:cNvPr>
@@ -13779,7 +18596,7 @@
           <p:cNvPr id="28" name="TextBox 27">
             <a:extLst>
               <a:ext uri="{FF2B5EF4-FFF2-40B4-BE49-F238E27FC236}">
-                <a16:creationId xmlns="" xmlns:a16="http://schemas.microsoft.com/office/drawing/2014/main" id="{67838937-AC0C-7A48-A4AE-D76C9AF77F52}"/>
+                <a16:creationId xmlns:a16="http://schemas.microsoft.com/office/drawing/2014/main" xmlns="" id="{67838937-AC0C-7A48-A4AE-D76C9AF77F52}"/>
               </a:ext>
             </a:extLst>
           </p:cNvPr>
@@ -13815,7 +18632,7 @@
           <p:cNvPr id="29" name="TextBox 28">
             <a:extLst>
               <a:ext uri="{FF2B5EF4-FFF2-40B4-BE49-F238E27FC236}">
-                <a16:creationId xmlns="" xmlns:a16="http://schemas.microsoft.com/office/drawing/2014/main" id="{57648ECA-844D-6240-AC1D-0AA2B1C31E44}"/>
+                <a16:creationId xmlns:a16="http://schemas.microsoft.com/office/drawing/2014/main" xmlns="" id="{57648ECA-844D-6240-AC1D-0AA2B1C31E44}"/>
               </a:ext>
             </a:extLst>
           </p:cNvPr>
@@ -13855,7 +18672,7 @@
           <p:cNvPr id="41" name="Straight Arrow Connector 40">
             <a:extLst>
               <a:ext uri="{FF2B5EF4-FFF2-40B4-BE49-F238E27FC236}">
-                <a16:creationId xmlns="" xmlns:a16="http://schemas.microsoft.com/office/drawing/2014/main" id="{AD77D5D7-DCBD-B44A-9997-DC34FA8CC7CD}"/>
+                <a16:creationId xmlns:a16="http://schemas.microsoft.com/office/drawing/2014/main" xmlns="" id="{AD77D5D7-DCBD-B44A-9997-DC34FA8CC7CD}"/>
               </a:ext>
             </a:extLst>
           </p:cNvPr>
@@ -13894,7 +18711,7 @@
           <p:cNvPr id="46" name="Straight Arrow Connector 45">
             <a:extLst>
               <a:ext uri="{FF2B5EF4-FFF2-40B4-BE49-F238E27FC236}">
-                <a16:creationId xmlns="" xmlns:a16="http://schemas.microsoft.com/office/drawing/2014/main" id="{2672740D-A7F7-0B40-A9E6-88F4108D3435}"/>
+                <a16:creationId xmlns:a16="http://schemas.microsoft.com/office/drawing/2014/main" xmlns="" id="{2672740D-A7F7-0B40-A9E6-88F4108D3435}"/>
               </a:ext>
             </a:extLst>
           </p:cNvPr>
@@ -13937,7 +18754,7 @@
           <p:cNvPr id="49" name="Straight Arrow Connector 48">
             <a:extLst>
               <a:ext uri="{FF2B5EF4-FFF2-40B4-BE49-F238E27FC236}">
-                <a16:creationId xmlns="" xmlns:a16="http://schemas.microsoft.com/office/drawing/2014/main" id="{26A4F67A-6B68-CE49-AC8B-F9F46712F6AE}"/>
+                <a16:creationId xmlns:a16="http://schemas.microsoft.com/office/drawing/2014/main" xmlns="" id="{26A4F67A-6B68-CE49-AC8B-F9F46712F6AE}"/>
               </a:ext>
             </a:extLst>
           </p:cNvPr>
@@ -13979,7 +18796,7 @@
           <p:cNvPr id="93" name="Straight Arrow Connector 92">
             <a:extLst>
               <a:ext uri="{FF2B5EF4-FFF2-40B4-BE49-F238E27FC236}">
-                <a16:creationId xmlns="" xmlns:a16="http://schemas.microsoft.com/office/drawing/2014/main" id="{9DF3AF22-E1D9-A745-AE35-064C3BA9DB6E}"/>
+                <a16:creationId xmlns:a16="http://schemas.microsoft.com/office/drawing/2014/main" xmlns="" id="{9DF3AF22-E1D9-A745-AE35-064C3BA9DB6E}"/>
               </a:ext>
             </a:extLst>
           </p:cNvPr>
@@ -14022,7 +18839,7 @@
           <p:cNvPr id="96" name="Straight Arrow Connector 95">
             <a:extLst>
               <a:ext uri="{FF2B5EF4-FFF2-40B4-BE49-F238E27FC236}">
-                <a16:creationId xmlns="" xmlns:a16="http://schemas.microsoft.com/office/drawing/2014/main" id="{E516717F-8C5D-C143-8E92-DBC1198CE772}"/>
+                <a16:creationId xmlns:a16="http://schemas.microsoft.com/office/drawing/2014/main" xmlns="" id="{E516717F-8C5D-C143-8E92-DBC1198CE772}"/>
               </a:ext>
             </a:extLst>
           </p:cNvPr>
@@ -14065,7 +18882,7 @@
           <p:cNvPr id="102" name="Straight Arrow Connector 101">
             <a:extLst>
               <a:ext uri="{FF2B5EF4-FFF2-40B4-BE49-F238E27FC236}">
-                <a16:creationId xmlns="" xmlns:a16="http://schemas.microsoft.com/office/drawing/2014/main" id="{57FB35E2-C75F-2147-9FD0-852F9CA3C18D}"/>
+                <a16:creationId xmlns:a16="http://schemas.microsoft.com/office/drawing/2014/main" xmlns="" id="{57FB35E2-C75F-2147-9FD0-852F9CA3C18D}"/>
               </a:ext>
             </a:extLst>
           </p:cNvPr>
@@ -14107,7 +18924,7 @@
           <p:cNvPr id="112" name="Straight Arrow Connector 111">
             <a:extLst>
               <a:ext uri="{FF2B5EF4-FFF2-40B4-BE49-F238E27FC236}">
-                <a16:creationId xmlns="" xmlns:a16="http://schemas.microsoft.com/office/drawing/2014/main" id="{A4DA3101-7AA5-E44F-8348-E42DE09908E0}"/>
+                <a16:creationId xmlns:a16="http://schemas.microsoft.com/office/drawing/2014/main" xmlns="" id="{A4DA3101-7AA5-E44F-8348-E42DE09908E0}"/>
               </a:ext>
             </a:extLst>
           </p:cNvPr>
@@ -14147,7 +18964,7 @@
           <p:cNvPr id="118" name="Straight Arrow Connector 117">
             <a:extLst>
               <a:ext uri="{FF2B5EF4-FFF2-40B4-BE49-F238E27FC236}">
-                <a16:creationId xmlns="" xmlns:a16="http://schemas.microsoft.com/office/drawing/2014/main" id="{61C5E66D-6730-DC47-AC3E-A89519D37D67}"/>
+                <a16:creationId xmlns:a16="http://schemas.microsoft.com/office/drawing/2014/main" xmlns="" id="{61C5E66D-6730-DC47-AC3E-A89519D37D67}"/>
               </a:ext>
             </a:extLst>
           </p:cNvPr>
@@ -14186,7 +19003,7 @@
           <p:cNvPr id="122" name="Straight Arrow Connector 121">
             <a:extLst>
               <a:ext uri="{FF2B5EF4-FFF2-40B4-BE49-F238E27FC236}">
-                <a16:creationId xmlns="" xmlns:a16="http://schemas.microsoft.com/office/drawing/2014/main" id="{C314C69D-5263-6345-876B-413A792A4D77}"/>
+                <a16:creationId xmlns:a16="http://schemas.microsoft.com/office/drawing/2014/main" xmlns="" id="{C314C69D-5263-6345-876B-413A792A4D77}"/>
               </a:ext>
             </a:extLst>
           </p:cNvPr>
@@ -14225,7 +19042,7 @@
           <p:cNvPr id="126" name="Straight Arrow Connector 125">
             <a:extLst>
               <a:ext uri="{FF2B5EF4-FFF2-40B4-BE49-F238E27FC236}">
-                <a16:creationId xmlns="" xmlns:a16="http://schemas.microsoft.com/office/drawing/2014/main" id="{1386E6D8-23E9-404C-891B-CDABAEA24C58}"/>
+                <a16:creationId xmlns:a16="http://schemas.microsoft.com/office/drawing/2014/main" xmlns="" id="{1386E6D8-23E9-404C-891B-CDABAEA24C58}"/>
               </a:ext>
             </a:extLst>
           </p:cNvPr>
@@ -14264,7 +19081,7 @@
           <p:cNvPr id="130" name="Straight Arrow Connector 129">
             <a:extLst>
               <a:ext uri="{FF2B5EF4-FFF2-40B4-BE49-F238E27FC236}">
-                <a16:creationId xmlns="" xmlns:a16="http://schemas.microsoft.com/office/drawing/2014/main" id="{97E25ED0-3895-204D-B897-64517B71C8F9}"/>
+                <a16:creationId xmlns:a16="http://schemas.microsoft.com/office/drawing/2014/main" xmlns="" id="{97E25ED0-3895-204D-B897-64517B71C8F9}"/>
               </a:ext>
             </a:extLst>
           </p:cNvPr>
@@ -14303,7 +19120,7 @@
           <p:cNvPr id="134" name="Straight Arrow Connector 133">
             <a:extLst>
               <a:ext uri="{FF2B5EF4-FFF2-40B4-BE49-F238E27FC236}">
-                <a16:creationId xmlns="" xmlns:a16="http://schemas.microsoft.com/office/drawing/2014/main" id="{652F278C-4F28-0C4D-8E68-7A473A64A929}"/>
+                <a16:creationId xmlns:a16="http://schemas.microsoft.com/office/drawing/2014/main" xmlns="" id="{652F278C-4F28-0C4D-8E68-7A473A64A929}"/>
               </a:ext>
             </a:extLst>
           </p:cNvPr>
@@ -14342,7 +19159,7 @@
           <p:cNvPr id="138" name="Straight Arrow Connector 137">
             <a:extLst>
               <a:ext uri="{FF2B5EF4-FFF2-40B4-BE49-F238E27FC236}">
-                <a16:creationId xmlns="" xmlns:a16="http://schemas.microsoft.com/office/drawing/2014/main" id="{84AF70AC-2454-0843-B1A7-131FDB141630}"/>
+                <a16:creationId xmlns:a16="http://schemas.microsoft.com/office/drawing/2014/main" xmlns="" id="{84AF70AC-2454-0843-B1A7-131FDB141630}"/>
               </a:ext>
             </a:extLst>
           </p:cNvPr>
@@ -14381,7 +19198,7 @@
           <p:cNvPr id="142" name="Straight Arrow Connector 141">
             <a:extLst>
               <a:ext uri="{FF2B5EF4-FFF2-40B4-BE49-F238E27FC236}">
-                <a16:creationId xmlns="" xmlns:a16="http://schemas.microsoft.com/office/drawing/2014/main" id="{A027F2AD-0388-6C46-9B8C-7468989E4FE1}"/>
+                <a16:creationId xmlns:a16="http://schemas.microsoft.com/office/drawing/2014/main" xmlns="" id="{A027F2AD-0388-6C46-9B8C-7468989E4FE1}"/>
               </a:ext>
             </a:extLst>
           </p:cNvPr>
@@ -14420,7 +19237,7 @@
           <p:cNvPr id="146" name="Straight Arrow Connector 145">
             <a:extLst>
               <a:ext uri="{FF2B5EF4-FFF2-40B4-BE49-F238E27FC236}">
-                <a16:creationId xmlns="" xmlns:a16="http://schemas.microsoft.com/office/drawing/2014/main" id="{E9BEA0F4-F1EB-5041-8D2B-88AA44F4DA22}"/>
+                <a16:creationId xmlns:a16="http://schemas.microsoft.com/office/drawing/2014/main" xmlns="" id="{E9BEA0F4-F1EB-5041-8D2B-88AA44F4DA22}"/>
               </a:ext>
             </a:extLst>
           </p:cNvPr>
@@ -14459,7 +19276,7 @@
           <p:cNvPr id="150" name="Straight Arrow Connector 149">
             <a:extLst>
               <a:ext uri="{FF2B5EF4-FFF2-40B4-BE49-F238E27FC236}">
-                <a16:creationId xmlns="" xmlns:a16="http://schemas.microsoft.com/office/drawing/2014/main" id="{EB53B201-95DB-0A44-9984-2012E9D6FFE5}"/>
+                <a16:creationId xmlns:a16="http://schemas.microsoft.com/office/drawing/2014/main" xmlns="" id="{EB53B201-95DB-0A44-9984-2012E9D6FFE5}"/>
               </a:ext>
             </a:extLst>
           </p:cNvPr>
@@ -14498,7 +19315,7 @@
           <p:cNvPr id="154" name="Straight Arrow Connector 153">
             <a:extLst>
               <a:ext uri="{FF2B5EF4-FFF2-40B4-BE49-F238E27FC236}">
-                <a16:creationId xmlns="" xmlns:a16="http://schemas.microsoft.com/office/drawing/2014/main" id="{0FC943D7-9289-D248-B3A2-0143ACD007FB}"/>
+                <a16:creationId xmlns:a16="http://schemas.microsoft.com/office/drawing/2014/main" xmlns="" id="{0FC943D7-9289-D248-B3A2-0143ACD007FB}"/>
               </a:ext>
             </a:extLst>
           </p:cNvPr>
@@ -14537,7 +19354,7 @@
           <p:cNvPr id="159" name="Straight Arrow Connector 158">
             <a:extLst>
               <a:ext uri="{FF2B5EF4-FFF2-40B4-BE49-F238E27FC236}">
-                <a16:creationId xmlns="" xmlns:a16="http://schemas.microsoft.com/office/drawing/2014/main" id="{39EB84A9-72E8-0243-BAC5-BB1C848600E9}"/>
+                <a16:creationId xmlns:a16="http://schemas.microsoft.com/office/drawing/2014/main" xmlns="" id="{39EB84A9-72E8-0243-BAC5-BB1C848600E9}"/>
               </a:ext>
             </a:extLst>
           </p:cNvPr>
@@ -14576,7 +19393,7 @@
           <p:cNvPr id="164" name="Straight Arrow Connector 163">
             <a:extLst>
               <a:ext uri="{FF2B5EF4-FFF2-40B4-BE49-F238E27FC236}">
-                <a16:creationId xmlns="" xmlns:a16="http://schemas.microsoft.com/office/drawing/2014/main" id="{A7BC03F4-4549-5047-ABC5-0B52B25D896A}"/>
+                <a16:creationId xmlns:a16="http://schemas.microsoft.com/office/drawing/2014/main" xmlns="" id="{A7BC03F4-4549-5047-ABC5-0B52B25D896A}"/>
               </a:ext>
             </a:extLst>
           </p:cNvPr>
@@ -14615,7 +19432,7 @@
           <p:cNvPr id="168" name="Straight Arrow Connector 167">
             <a:extLst>
               <a:ext uri="{FF2B5EF4-FFF2-40B4-BE49-F238E27FC236}">
-                <a16:creationId xmlns="" xmlns:a16="http://schemas.microsoft.com/office/drawing/2014/main" id="{2B7DB035-A1B5-6A42-8A9F-615CB9BF9B03}"/>
+                <a16:creationId xmlns:a16="http://schemas.microsoft.com/office/drawing/2014/main" xmlns="" id="{2B7DB035-A1B5-6A42-8A9F-615CB9BF9B03}"/>
               </a:ext>
             </a:extLst>
           </p:cNvPr>
@@ -14654,7 +19471,7 @@
           <p:cNvPr id="173" name="Straight Arrow Connector 172">
             <a:extLst>
               <a:ext uri="{FF2B5EF4-FFF2-40B4-BE49-F238E27FC236}">
-                <a16:creationId xmlns="" xmlns:a16="http://schemas.microsoft.com/office/drawing/2014/main" id="{2BB407E3-74AC-E94D-8EB9-BC841B01D87F}"/>
+                <a16:creationId xmlns:a16="http://schemas.microsoft.com/office/drawing/2014/main" xmlns="" id="{2BB407E3-74AC-E94D-8EB9-BC841B01D87F}"/>
               </a:ext>
             </a:extLst>
           </p:cNvPr>
@@ -14693,7 +19510,7 @@
           <p:cNvPr id="177" name="Straight Arrow Connector 176">
             <a:extLst>
               <a:ext uri="{FF2B5EF4-FFF2-40B4-BE49-F238E27FC236}">
-                <a16:creationId xmlns="" xmlns:a16="http://schemas.microsoft.com/office/drawing/2014/main" id="{D366F576-C077-6444-A731-ED416DAB8E04}"/>
+                <a16:creationId xmlns:a16="http://schemas.microsoft.com/office/drawing/2014/main" xmlns="" id="{D366F576-C077-6444-A731-ED416DAB8E04}"/>
               </a:ext>
             </a:extLst>
           </p:cNvPr>
@@ -14732,7 +19549,7 @@
           <p:cNvPr id="181" name="Straight Arrow Connector 180">
             <a:extLst>
               <a:ext uri="{FF2B5EF4-FFF2-40B4-BE49-F238E27FC236}">
-                <a16:creationId xmlns="" xmlns:a16="http://schemas.microsoft.com/office/drawing/2014/main" id="{95E6FD51-33A1-BF46-947A-1B820EA12C9D}"/>
+                <a16:creationId xmlns:a16="http://schemas.microsoft.com/office/drawing/2014/main" xmlns="" id="{95E6FD51-33A1-BF46-947A-1B820EA12C9D}"/>
               </a:ext>
             </a:extLst>
           </p:cNvPr>
@@ -14771,7 +19588,7 @@
           <p:cNvPr id="186" name="Straight Arrow Connector 185">
             <a:extLst>
               <a:ext uri="{FF2B5EF4-FFF2-40B4-BE49-F238E27FC236}">
-                <a16:creationId xmlns="" xmlns:a16="http://schemas.microsoft.com/office/drawing/2014/main" id="{3AA28045-1873-1E4C-8B0D-B720754E2AC4}"/>
+                <a16:creationId xmlns:a16="http://schemas.microsoft.com/office/drawing/2014/main" xmlns="" id="{3AA28045-1873-1E4C-8B0D-B720754E2AC4}"/>
               </a:ext>
             </a:extLst>
           </p:cNvPr>
@@ -14810,7 +19627,7 @@
           <p:cNvPr id="190" name="Straight Arrow Connector 189">
             <a:extLst>
               <a:ext uri="{FF2B5EF4-FFF2-40B4-BE49-F238E27FC236}">
-                <a16:creationId xmlns="" xmlns:a16="http://schemas.microsoft.com/office/drawing/2014/main" id="{4FCDD33A-D6A3-744A-8263-9F371EBED9B5}"/>
+                <a16:creationId xmlns:a16="http://schemas.microsoft.com/office/drawing/2014/main" xmlns="" id="{4FCDD33A-D6A3-744A-8263-9F371EBED9B5}"/>
               </a:ext>
             </a:extLst>
           </p:cNvPr>
@@ -14849,7 +19666,7 @@
           <p:cNvPr id="194" name="Straight Arrow Connector 193">
             <a:extLst>
               <a:ext uri="{FF2B5EF4-FFF2-40B4-BE49-F238E27FC236}">
-                <a16:creationId xmlns="" xmlns:a16="http://schemas.microsoft.com/office/drawing/2014/main" id="{D0E729F9-B1EA-5940-869B-E279C1E00B74}"/>
+                <a16:creationId xmlns:a16="http://schemas.microsoft.com/office/drawing/2014/main" xmlns="" id="{D0E729F9-B1EA-5940-869B-E279C1E00B74}"/>
               </a:ext>
             </a:extLst>
           </p:cNvPr>
@@ -14888,7 +19705,7 @@
           <p:cNvPr id="202" name="Straight Arrow Connector 201">
             <a:extLst>
               <a:ext uri="{FF2B5EF4-FFF2-40B4-BE49-F238E27FC236}">
-                <a16:creationId xmlns="" xmlns:a16="http://schemas.microsoft.com/office/drawing/2014/main" id="{E862EF5F-D601-EC4A-A9F7-277EE08245C2}"/>
+                <a16:creationId xmlns:a16="http://schemas.microsoft.com/office/drawing/2014/main" xmlns="" id="{E862EF5F-D601-EC4A-A9F7-277EE08245C2}"/>
               </a:ext>
             </a:extLst>
           </p:cNvPr>
@@ -14927,7 +19744,7 @@
           <p:cNvPr id="207" name="Straight Arrow Connector 206">
             <a:extLst>
               <a:ext uri="{FF2B5EF4-FFF2-40B4-BE49-F238E27FC236}">
-                <a16:creationId xmlns="" xmlns:a16="http://schemas.microsoft.com/office/drawing/2014/main" id="{9E2A8911-3620-5545-94ED-90BA94B4DEBA}"/>
+                <a16:creationId xmlns:a16="http://schemas.microsoft.com/office/drawing/2014/main" xmlns="" id="{9E2A8911-3620-5545-94ED-90BA94B4DEBA}"/>
               </a:ext>
             </a:extLst>
           </p:cNvPr>
@@ -14970,7 +19787,7 @@
           <p:cNvPr id="215" name="Straight Arrow Connector 214">
             <a:extLst>
               <a:ext uri="{FF2B5EF4-FFF2-40B4-BE49-F238E27FC236}">
-                <a16:creationId xmlns="" xmlns:a16="http://schemas.microsoft.com/office/drawing/2014/main" id="{360A864C-C4AC-674F-B84E-97B25EDFBBA4}"/>
+                <a16:creationId xmlns:a16="http://schemas.microsoft.com/office/drawing/2014/main" xmlns="" id="{360A864C-C4AC-674F-B84E-97B25EDFBBA4}"/>
               </a:ext>
             </a:extLst>
           </p:cNvPr>
@@ -15009,7 +19826,7 @@
           <p:cNvPr id="221" name="Straight Arrow Connector 220">
             <a:extLst>
               <a:ext uri="{FF2B5EF4-FFF2-40B4-BE49-F238E27FC236}">
-                <a16:creationId xmlns="" xmlns:a16="http://schemas.microsoft.com/office/drawing/2014/main" id="{3E7F16A2-C962-7540-BA56-4012268BE893}"/>
+                <a16:creationId xmlns:a16="http://schemas.microsoft.com/office/drawing/2014/main" xmlns="" id="{3E7F16A2-C962-7540-BA56-4012268BE893}"/>
               </a:ext>
             </a:extLst>
           </p:cNvPr>
@@ -15048,7 +19865,7 @@
           <p:cNvPr id="225" name="Straight Arrow Connector 224">
             <a:extLst>
               <a:ext uri="{FF2B5EF4-FFF2-40B4-BE49-F238E27FC236}">
-                <a16:creationId xmlns="" xmlns:a16="http://schemas.microsoft.com/office/drawing/2014/main" id="{9F0AEA07-2A73-2A4C-9A9B-7466F33A7352}"/>
+                <a16:creationId xmlns:a16="http://schemas.microsoft.com/office/drawing/2014/main" xmlns="" id="{9F0AEA07-2A73-2A4C-9A9B-7466F33A7352}"/>
               </a:ext>
             </a:extLst>
           </p:cNvPr>
@@ -15087,7 +19904,7 @@
           <p:cNvPr id="234" name="Straight Arrow Connector 233">
             <a:extLst>
               <a:ext uri="{FF2B5EF4-FFF2-40B4-BE49-F238E27FC236}">
-                <a16:creationId xmlns="" xmlns:a16="http://schemas.microsoft.com/office/drawing/2014/main" id="{FBD16546-93FC-CC4B-80F3-95DAEFA94748}"/>
+                <a16:creationId xmlns:a16="http://schemas.microsoft.com/office/drawing/2014/main" xmlns="" id="{FBD16546-93FC-CC4B-80F3-95DAEFA94748}"/>
               </a:ext>
             </a:extLst>
           </p:cNvPr>
@@ -15126,7 +19943,7 @@
           <p:cNvPr id="238" name="Straight Arrow Connector 237">
             <a:extLst>
               <a:ext uri="{FF2B5EF4-FFF2-40B4-BE49-F238E27FC236}">
-                <a16:creationId xmlns="" xmlns:a16="http://schemas.microsoft.com/office/drawing/2014/main" id="{79FB2961-9E75-5843-8858-D53D25DC539B}"/>
+                <a16:creationId xmlns:a16="http://schemas.microsoft.com/office/drawing/2014/main" xmlns="" id="{79FB2961-9E75-5843-8858-D53D25DC539B}"/>
               </a:ext>
             </a:extLst>
           </p:cNvPr>
@@ -15165,7 +19982,7 @@
           <p:cNvPr id="243" name="Straight Arrow Connector 242">
             <a:extLst>
               <a:ext uri="{FF2B5EF4-FFF2-40B4-BE49-F238E27FC236}">
-                <a16:creationId xmlns="" xmlns:a16="http://schemas.microsoft.com/office/drawing/2014/main" id="{C0BD350F-5796-1C44-855A-625E1E0D92B4}"/>
+                <a16:creationId xmlns:a16="http://schemas.microsoft.com/office/drawing/2014/main" xmlns="" id="{C0BD350F-5796-1C44-855A-625E1E0D92B4}"/>
               </a:ext>
             </a:extLst>
           </p:cNvPr>
@@ -15510,7 +20327,7 @@
           <p:cNvPr id="66" name="Rectangle 65">
             <a:extLst>
               <a:ext uri="{FF2B5EF4-FFF2-40B4-BE49-F238E27FC236}">
-                <a16:creationId xmlns="" xmlns:a16="http://schemas.microsoft.com/office/drawing/2014/main" id="{4ED2C895-0A5F-1E4D-BEE1-6DD4C22C275B}"/>
+                <a16:creationId xmlns:a16="http://schemas.microsoft.com/office/drawing/2014/main" xmlns="" id="{4ED2C895-0A5F-1E4D-BEE1-6DD4C22C275B}"/>
               </a:ext>
             </a:extLst>
           </p:cNvPr>
@@ -15554,7 +20371,7 @@
           <p:cNvPr id="74" name="Rectangle 73">
             <a:extLst>
               <a:ext uri="{FF2B5EF4-FFF2-40B4-BE49-F238E27FC236}">
-                <a16:creationId xmlns="" xmlns:a16="http://schemas.microsoft.com/office/drawing/2014/main" id="{4ED2C895-0A5F-1E4D-BEE1-6DD4C22C275B}"/>
+                <a16:creationId xmlns:a16="http://schemas.microsoft.com/office/drawing/2014/main" xmlns="" id="{4ED2C895-0A5F-1E4D-BEE1-6DD4C22C275B}"/>
               </a:ext>
             </a:extLst>
           </p:cNvPr>
@@ -15598,7 +20415,7 @@
           <p:cNvPr id="75" name="Rectangle 74">
             <a:extLst>
               <a:ext uri="{FF2B5EF4-FFF2-40B4-BE49-F238E27FC236}">
-                <a16:creationId xmlns="" xmlns:a16="http://schemas.microsoft.com/office/drawing/2014/main" id="{4ED2C895-0A5F-1E4D-BEE1-6DD4C22C275B}"/>
+                <a16:creationId xmlns:a16="http://schemas.microsoft.com/office/drawing/2014/main" xmlns="" id="{4ED2C895-0A5F-1E4D-BEE1-6DD4C22C275B}"/>
               </a:ext>
             </a:extLst>
           </p:cNvPr>
@@ -15642,7 +20459,7 @@
           <p:cNvPr id="76" name="Rectangle 75">
             <a:extLst>
               <a:ext uri="{FF2B5EF4-FFF2-40B4-BE49-F238E27FC236}">
-                <a16:creationId xmlns="" xmlns:a16="http://schemas.microsoft.com/office/drawing/2014/main" id="{4ED2C895-0A5F-1E4D-BEE1-6DD4C22C275B}"/>
+                <a16:creationId xmlns:a16="http://schemas.microsoft.com/office/drawing/2014/main" xmlns="" id="{4ED2C895-0A5F-1E4D-BEE1-6DD4C22C275B}"/>
               </a:ext>
             </a:extLst>
           </p:cNvPr>
@@ -15686,7 +20503,7 @@
           <p:cNvPr id="77" name="Rectangle 76">
             <a:extLst>
               <a:ext uri="{FF2B5EF4-FFF2-40B4-BE49-F238E27FC236}">
-                <a16:creationId xmlns="" xmlns:a16="http://schemas.microsoft.com/office/drawing/2014/main" id="{4ED2C895-0A5F-1E4D-BEE1-6DD4C22C275B}"/>
+                <a16:creationId xmlns:a16="http://schemas.microsoft.com/office/drawing/2014/main" xmlns="" id="{4ED2C895-0A5F-1E4D-BEE1-6DD4C22C275B}"/>
               </a:ext>
             </a:extLst>
           </p:cNvPr>
@@ -15730,7 +20547,7 @@
           <p:cNvPr id="78" name="Rectangle 77">
             <a:extLst>
               <a:ext uri="{FF2B5EF4-FFF2-40B4-BE49-F238E27FC236}">
-                <a16:creationId xmlns="" xmlns:a16="http://schemas.microsoft.com/office/drawing/2014/main" id="{4ED2C895-0A5F-1E4D-BEE1-6DD4C22C275B}"/>
+                <a16:creationId xmlns:a16="http://schemas.microsoft.com/office/drawing/2014/main" xmlns="" id="{4ED2C895-0A5F-1E4D-BEE1-6DD4C22C275B}"/>
               </a:ext>
             </a:extLst>
           </p:cNvPr>
@@ -15774,7 +20591,7 @@
           <p:cNvPr id="86" name="Straight Arrow Connector 85">
             <a:extLst>
               <a:ext uri="{FF2B5EF4-FFF2-40B4-BE49-F238E27FC236}">
-                <a16:creationId xmlns="" xmlns:a16="http://schemas.microsoft.com/office/drawing/2014/main" id="{A4DA3101-7AA5-E44F-8348-E42DE09908E0}"/>
+                <a16:creationId xmlns:a16="http://schemas.microsoft.com/office/drawing/2014/main" xmlns="" id="{A4DA3101-7AA5-E44F-8348-E42DE09908E0}"/>
               </a:ext>
             </a:extLst>
           </p:cNvPr>
@@ -16018,7 +20835,7 @@
           <p:cNvPr id="129" name="Rectangle 128">
             <a:extLst>
               <a:ext uri="{FF2B5EF4-FFF2-40B4-BE49-F238E27FC236}">
-                <a16:creationId xmlns="" xmlns:a16="http://schemas.microsoft.com/office/drawing/2014/main" id="{4ED2C895-0A5F-1E4D-BEE1-6DD4C22C275B}"/>
+                <a16:creationId xmlns:a16="http://schemas.microsoft.com/office/drawing/2014/main" xmlns="" id="{4ED2C895-0A5F-1E4D-BEE1-6DD4C22C275B}"/>
               </a:ext>
             </a:extLst>
           </p:cNvPr>
@@ -16062,7 +20879,7 @@
           <p:cNvPr id="131" name="Rectangle 130">
             <a:extLst>
               <a:ext uri="{FF2B5EF4-FFF2-40B4-BE49-F238E27FC236}">
-                <a16:creationId xmlns="" xmlns:a16="http://schemas.microsoft.com/office/drawing/2014/main" id="{4ED2C895-0A5F-1E4D-BEE1-6DD4C22C275B}"/>
+                <a16:creationId xmlns:a16="http://schemas.microsoft.com/office/drawing/2014/main" xmlns="" id="{4ED2C895-0A5F-1E4D-BEE1-6DD4C22C275B}"/>
               </a:ext>
             </a:extLst>
           </p:cNvPr>
@@ -16106,7 +20923,7 @@
           <p:cNvPr id="132" name="Rectangle 131">
             <a:extLst>
               <a:ext uri="{FF2B5EF4-FFF2-40B4-BE49-F238E27FC236}">
-                <a16:creationId xmlns="" xmlns:a16="http://schemas.microsoft.com/office/drawing/2014/main" id="{4ED2C895-0A5F-1E4D-BEE1-6DD4C22C275B}"/>
+                <a16:creationId xmlns:a16="http://schemas.microsoft.com/office/drawing/2014/main" xmlns="" id="{4ED2C895-0A5F-1E4D-BEE1-6DD4C22C275B}"/>
               </a:ext>
             </a:extLst>
           </p:cNvPr>
@@ -16150,7 +20967,7 @@
           <p:cNvPr id="133" name="Rectangle 132">
             <a:extLst>
               <a:ext uri="{FF2B5EF4-FFF2-40B4-BE49-F238E27FC236}">
-                <a16:creationId xmlns="" xmlns:a16="http://schemas.microsoft.com/office/drawing/2014/main" id="{4ED2C895-0A5F-1E4D-BEE1-6DD4C22C275B}"/>
+                <a16:creationId xmlns:a16="http://schemas.microsoft.com/office/drawing/2014/main" xmlns="" id="{4ED2C895-0A5F-1E4D-BEE1-6DD4C22C275B}"/>
               </a:ext>
             </a:extLst>
           </p:cNvPr>
